--- a/Powerpoint/1oral.pptx
+++ b/Powerpoint/1oral.pptx
@@ -5,7 +5,7 @@
     <p:sldMasterId id="2147483648" r:id="rId1"/>
   </p:sldMasterIdLst>
   <p:notesMasterIdLst>
-    <p:notesMasterId r:id="rId9"/>
+    <p:notesMasterId r:id="rId10"/>
   </p:notesMasterIdLst>
   <p:sldIdLst>
     <p:sldId id="256" r:id="rId2"/>
@@ -14,7 +14,8 @@
     <p:sldId id="304" r:id="rId5"/>
     <p:sldId id="305" r:id="rId6"/>
     <p:sldId id="306" r:id="rId7"/>
-    <p:sldId id="307" r:id="rId8"/>
+    <p:sldId id="308" r:id="rId8"/>
+    <p:sldId id="307" r:id="rId9"/>
   </p:sldIdLst>
   <p:sldSz cx="12192000" cy="6858000"/>
   <p:notesSz cx="6858000" cy="9144000"/>
@@ -203,7 +204,7 @@
           <a:p>
             <a:fld id="{816D0601-24D1-4243-BFD2-053D374A8230}" type="datetimeFigureOut">
               <a:rPr lang="en-US" smtClean="0"/>
-              <a:t>12/12/2021</a:t>
+              <a:t>12/13/2021</a:t>
             </a:fld>
             <a:endParaRPr lang="en-US"/>
           </a:p>
@@ -722,6 +723,90 @@
 </p:notes>
 </file>
 
+<file path=ppt/notesSlides/notesSlide4.xml><?xml version="1.0" encoding="utf-8"?>
+<p:notes xmlns:a="http://schemas.openxmlformats.org/drawingml/2006/main" xmlns:r="http://schemas.openxmlformats.org/officeDocument/2006/relationships" xmlns:p="http://schemas.openxmlformats.org/presentationml/2006/main">
+  <p:cSld>
+    <p:spTree>
+      <p:nvGrpSpPr>
+        <p:cNvPr id="1" name=""/>
+        <p:cNvGrpSpPr/>
+        <p:nvPr/>
+      </p:nvGrpSpPr>
+      <p:grpSpPr>
+        <a:xfrm>
+          <a:off x="0" y="0"/>
+          <a:ext cx="0" cy="0"/>
+          <a:chOff x="0" y="0"/>
+          <a:chExt cx="0" cy="0"/>
+        </a:xfrm>
+      </p:grpSpPr>
+      <p:sp>
+        <p:nvSpPr>
+          <p:cNvPr id="2" name="Espace réservé de l'image des diapositives 1"/>
+          <p:cNvSpPr>
+            <a:spLocks noGrp="1" noRot="1" noChangeAspect="1"/>
+          </p:cNvSpPr>
+          <p:nvPr>
+            <p:ph type="sldImg"/>
+          </p:nvPr>
+        </p:nvSpPr>
+        <p:spPr/>
+      </p:sp>
+      <p:sp>
+        <p:nvSpPr>
+          <p:cNvPr id="3" name="Espace réservé des notes 2"/>
+          <p:cNvSpPr>
+            <a:spLocks noGrp="1"/>
+          </p:cNvSpPr>
+          <p:nvPr>
+            <p:ph type="body" idx="1"/>
+          </p:nvPr>
+        </p:nvSpPr>
+        <p:spPr/>
+        <p:txBody>
+          <a:bodyPr/>
+          <a:lstStyle/>
+          <a:p>
+            <a:endParaRPr lang="fr-FR" dirty="0"/>
+          </a:p>
+        </p:txBody>
+      </p:sp>
+      <p:sp>
+        <p:nvSpPr>
+          <p:cNvPr id="4" name="Espace réservé du numéro de diapositive 3"/>
+          <p:cNvSpPr>
+            <a:spLocks noGrp="1"/>
+          </p:cNvSpPr>
+          <p:nvPr>
+            <p:ph type="sldNum" sz="quarter" idx="5"/>
+          </p:nvPr>
+        </p:nvSpPr>
+        <p:spPr/>
+        <p:txBody>
+          <a:bodyPr/>
+          <a:lstStyle/>
+          <a:p>
+            <a:fld id="{C7F3E677-5D4F-4C56-B104-01504E7F8766}" type="slidenum">
+              <a:rPr lang="en-US" smtClean="0"/>
+              <a:t>7</a:t>
+            </a:fld>
+            <a:endParaRPr lang="en-US"/>
+          </a:p>
+        </p:txBody>
+      </p:sp>
+    </p:spTree>
+    <p:extLst>
+      <p:ext uri="{BB962C8B-B14F-4D97-AF65-F5344CB8AC3E}">
+        <p14:creationId xmlns:p14="http://schemas.microsoft.com/office/powerpoint/2010/main" val="2328238055"/>
+      </p:ext>
+    </p:extLst>
+  </p:cSld>
+  <p:clrMapOvr>
+    <a:masterClrMapping/>
+  </p:clrMapOvr>
+</p:notes>
+</file>
+
 <file path=ppt/slideLayouts/slideLayout1.xml><?xml version="1.0" encoding="utf-8"?>
 <p:sldLayout xmlns:a="http://schemas.openxmlformats.org/drawingml/2006/main" xmlns:r="http://schemas.openxmlformats.org/officeDocument/2006/relationships" xmlns:p="http://schemas.openxmlformats.org/presentationml/2006/main" type="title" preserve="1">
   <p:cSld name="Title Slide">
@@ -851,7 +936,7 @@
           <a:p>
             <a:fld id="{BE7C872D-C668-4AF2-BCBD-16EDD74B9A2D}" type="datetimeFigureOut">
               <a:rPr lang="en-US" smtClean="0"/>
-              <a:t>12/12/2021</a:t>
+              <a:t>12/13/2021</a:t>
             </a:fld>
             <a:endParaRPr lang="en-US"/>
           </a:p>
@@ -1019,7 +1104,7 @@
           <a:p>
             <a:fld id="{BE7C872D-C668-4AF2-BCBD-16EDD74B9A2D}" type="datetimeFigureOut">
               <a:rPr lang="en-US" smtClean="0"/>
-              <a:t>12/12/2021</a:t>
+              <a:t>12/13/2021</a:t>
             </a:fld>
             <a:endParaRPr lang="en-US"/>
           </a:p>
@@ -1197,7 +1282,7 @@
           <a:p>
             <a:fld id="{BE7C872D-C668-4AF2-BCBD-16EDD74B9A2D}" type="datetimeFigureOut">
               <a:rPr lang="en-US" smtClean="0"/>
-              <a:t>12/12/2021</a:t>
+              <a:t>12/13/2021</a:t>
             </a:fld>
             <a:endParaRPr lang="en-US"/>
           </a:p>
@@ -1514,7 +1599,7 @@
           <a:p>
             <a:fld id="{BE7C872D-C668-4AF2-BCBD-16EDD74B9A2D}" type="datetimeFigureOut">
               <a:rPr lang="en-US" smtClean="0"/>
-              <a:t>12/12/2021</a:t>
+              <a:t>12/13/2021</a:t>
             </a:fld>
             <a:endParaRPr lang="en-US"/>
           </a:p>
@@ -1759,7 +1844,7 @@
           <a:p>
             <a:fld id="{BE7C872D-C668-4AF2-BCBD-16EDD74B9A2D}" type="datetimeFigureOut">
               <a:rPr lang="en-US" smtClean="0"/>
-              <a:t>12/12/2021</a:t>
+              <a:t>12/13/2021</a:t>
             </a:fld>
             <a:endParaRPr lang="en-US"/>
           </a:p>
@@ -1988,7 +2073,7 @@
           <a:p>
             <a:fld id="{BE7C872D-C668-4AF2-BCBD-16EDD74B9A2D}" type="datetimeFigureOut">
               <a:rPr lang="en-US" smtClean="0"/>
-              <a:t>12/12/2021</a:t>
+              <a:t>12/13/2021</a:t>
             </a:fld>
             <a:endParaRPr lang="en-US"/>
           </a:p>
@@ -2352,7 +2437,7 @@
           <a:p>
             <a:fld id="{BE7C872D-C668-4AF2-BCBD-16EDD74B9A2D}" type="datetimeFigureOut">
               <a:rPr lang="en-US" smtClean="0"/>
-              <a:t>12/12/2021</a:t>
+              <a:t>12/13/2021</a:t>
             </a:fld>
             <a:endParaRPr lang="en-US"/>
           </a:p>
@@ -2469,7 +2554,7 @@
           <a:p>
             <a:fld id="{BE7C872D-C668-4AF2-BCBD-16EDD74B9A2D}" type="datetimeFigureOut">
               <a:rPr lang="en-US" smtClean="0"/>
-              <a:t>12/12/2021</a:t>
+              <a:t>12/13/2021</a:t>
             </a:fld>
             <a:endParaRPr lang="en-US"/>
           </a:p>
@@ -2564,7 +2649,7 @@
           <a:p>
             <a:fld id="{BE7C872D-C668-4AF2-BCBD-16EDD74B9A2D}" type="datetimeFigureOut">
               <a:rPr lang="en-US" smtClean="0"/>
-              <a:t>12/12/2021</a:t>
+              <a:t>12/13/2021</a:t>
             </a:fld>
             <a:endParaRPr lang="en-US"/>
           </a:p>
@@ -2839,7 +2924,7 @@
           <a:p>
             <a:fld id="{BE7C872D-C668-4AF2-BCBD-16EDD74B9A2D}" type="datetimeFigureOut">
               <a:rPr lang="en-US" smtClean="0"/>
-              <a:t>12/12/2021</a:t>
+              <a:t>12/13/2021</a:t>
             </a:fld>
             <a:endParaRPr lang="en-US"/>
           </a:p>
@@ -3091,7 +3176,7 @@
           <a:p>
             <a:fld id="{BE7C872D-C668-4AF2-BCBD-16EDD74B9A2D}" type="datetimeFigureOut">
               <a:rPr lang="en-US" smtClean="0"/>
-              <a:t>12/12/2021</a:t>
+              <a:t>12/13/2021</a:t>
             </a:fld>
             <a:endParaRPr lang="en-US"/>
           </a:p>
@@ -3312,7 +3397,7 @@
           <a:p>
             <a:fld id="{BE7C872D-C668-4AF2-BCBD-16EDD74B9A2D}" type="datetimeFigureOut">
               <a:rPr lang="en-US" smtClean="0"/>
-              <a:t>12/12/2021</a:t>
+              <a:t>12/13/2021</a:t>
             </a:fld>
             <a:endParaRPr lang="en-US"/>
           </a:p>
@@ -3941,10 +4026,14 @@
             <a:pPr algn="ctr"/>
             <a:r>
               <a:rPr lang="en-US" sz="7000" b="1" dirty="0" err="1">
+                <a:ln w="22225">
+                  <a:solidFill>
+                    <a:schemeClr val="accent2"/>
+                  </a:solidFill>
+                  <a:prstDash val="solid"/>
+                </a:ln>
                 <a:solidFill>
-                  <a:schemeClr val="accent4">
-                    <a:lumMod val="75000"/>
-                  </a:schemeClr>
+                  <a:schemeClr val="bg1"/>
                 </a:solidFill>
                 <a:latin typeface="Montserrat" panose="00000500000000000000" pitchFamily="2" charset="0"/>
               </a:rPr>
@@ -3952,10 +4041,14 @@
             </a:r>
             <a:r>
               <a:rPr lang="en-US" sz="7000" b="1" dirty="0">
+                <a:ln w="22225">
+                  <a:solidFill>
+                    <a:schemeClr val="accent2"/>
+                  </a:solidFill>
+                  <a:prstDash val="solid"/>
+                </a:ln>
                 <a:solidFill>
-                  <a:schemeClr val="accent4">
-                    <a:lumMod val="75000"/>
-                  </a:schemeClr>
+                  <a:schemeClr val="bg1"/>
                 </a:solidFill>
                 <a:latin typeface="Montserrat" panose="00000500000000000000" pitchFamily="2" charset="0"/>
               </a:rPr>
@@ -3963,20 +4056,28 @@
             </a:r>
             <a:r>
               <a:rPr lang="en-US" sz="7000" b="1" dirty="0" err="1">
+                <a:ln w="22225">
+                  <a:solidFill>
+                    <a:schemeClr val="accent2"/>
+                  </a:solidFill>
+                  <a:prstDash val="solid"/>
+                </a:ln>
                 <a:solidFill>
-                  <a:schemeClr val="accent4">
-                    <a:lumMod val="75000"/>
-                  </a:schemeClr>
+                  <a:schemeClr val="bg1"/>
                 </a:solidFill>
                 <a:latin typeface="Montserrat" panose="00000500000000000000" pitchFamily="2" charset="0"/>
               </a:rPr>
               <a:t>Patchistiks</a:t>
             </a:r>
             <a:endParaRPr lang="en-US" sz="7000" b="1" dirty="0">
+              <a:ln w="22225">
+                <a:solidFill>
+                  <a:schemeClr val="accent2"/>
+                </a:solidFill>
+                <a:prstDash val="solid"/>
+              </a:ln>
               <a:solidFill>
-                <a:schemeClr val="accent4">
-                  <a:lumMod val="75000"/>
-                </a:schemeClr>
+                <a:schemeClr val="bg1"/>
               </a:solidFill>
               <a:latin typeface="Montserrat" panose="00000500000000000000" pitchFamily="2" charset="0"/>
             </a:endParaRPr>
@@ -8398,7 +8499,7 @@
           <p:cNvPr id="58" name="Rectangle 57">
             <a:extLst>
               <a:ext uri="{FF2B5EF4-FFF2-40B4-BE49-F238E27FC236}">
-                <a16:creationId xmlns:a16="http://schemas.microsoft.com/office/drawing/2014/main" id="{F62D349E-0828-4D2D-8700-FDB39AB3388D}"/>
+                <a16:creationId xmlns:a16="http://schemas.microsoft.com/office/drawing/2014/main" xmlns="" id="{F62D349E-0828-4D2D-8700-FDB39AB3388D}"/>
               </a:ext>
             </a:extLst>
           </p:cNvPr>
@@ -8463,7 +8564,7 @@
           <p:cNvPr id="2" name="ZoneTexte 1">
             <a:extLst>
               <a:ext uri="{FF2B5EF4-FFF2-40B4-BE49-F238E27FC236}">
-                <a16:creationId xmlns:a16="http://schemas.microsoft.com/office/drawing/2014/main" id="{697C6A14-515C-40E6-95E2-E81DFDE9FD61}"/>
+                <a16:creationId xmlns:a16="http://schemas.microsoft.com/office/drawing/2014/main" xmlns="" id="{697C6A14-515C-40E6-95E2-E81DFDE9FD61}"/>
               </a:ext>
             </a:extLst>
           </p:cNvPr>
@@ -8510,7 +8611,7 @@
           <p:cNvPr id="82" name="ZoneTexte 81">
             <a:extLst>
               <a:ext uri="{FF2B5EF4-FFF2-40B4-BE49-F238E27FC236}">
-                <a16:creationId xmlns:a16="http://schemas.microsoft.com/office/drawing/2014/main" id="{D09AFECC-E701-41A3-8713-133B0C4B6860}"/>
+                <a16:creationId xmlns:a16="http://schemas.microsoft.com/office/drawing/2014/main" xmlns="" id="{D09AFECC-E701-41A3-8713-133B0C4B6860}"/>
               </a:ext>
             </a:extLst>
           </p:cNvPr>
@@ -8549,7 +8650,7 @@
           <p:cNvPr id="4" name="Image 3">
             <a:extLst>
               <a:ext uri="{FF2B5EF4-FFF2-40B4-BE49-F238E27FC236}">
-                <a16:creationId xmlns:a16="http://schemas.microsoft.com/office/drawing/2014/main" id="{EBF478D6-E759-4BC9-8FEA-703ABDFC21C9}"/>
+                <a16:creationId xmlns:a16="http://schemas.microsoft.com/office/drawing/2014/main" xmlns="" id="{EBF478D6-E759-4BC9-8FEA-703ABDFC21C9}"/>
               </a:ext>
             </a:extLst>
           </p:cNvPr>
@@ -8948,7 +9049,7 @@
           <p:cNvPr id="4" name="Rectangle 3">
             <a:extLst>
               <a:ext uri="{FF2B5EF4-FFF2-40B4-BE49-F238E27FC236}">
-                <a16:creationId xmlns:a16="http://schemas.microsoft.com/office/drawing/2014/main" id="{865924A1-36BD-4BF2-9E3B-632B828201CB}"/>
+                <a16:creationId xmlns:a16="http://schemas.microsoft.com/office/drawing/2014/main" xmlns="" id="{865924A1-36BD-4BF2-9E3B-632B828201CB}"/>
               </a:ext>
             </a:extLst>
           </p:cNvPr>
@@ -9005,7 +9106,7 @@
           <p:cNvPr id="6" name="Image 5">
             <a:extLst>
               <a:ext uri="{FF2B5EF4-FFF2-40B4-BE49-F238E27FC236}">
-                <a16:creationId xmlns:a16="http://schemas.microsoft.com/office/drawing/2014/main" id="{E1CFB23C-EDE6-465F-84E0-20203F9B75A1}"/>
+                <a16:creationId xmlns:a16="http://schemas.microsoft.com/office/drawing/2014/main" xmlns="" id="{E1CFB23C-EDE6-465F-84E0-20203F9B75A1}"/>
               </a:ext>
             </a:extLst>
           </p:cNvPr>
@@ -9041,7 +9142,7 @@
           <p:cNvPr id="7" name="ZoneTexte 6">
             <a:extLst>
               <a:ext uri="{FF2B5EF4-FFF2-40B4-BE49-F238E27FC236}">
-                <a16:creationId xmlns:a16="http://schemas.microsoft.com/office/drawing/2014/main" id="{90F6555F-B434-439C-9509-DC73DBEC94E6}"/>
+                <a16:creationId xmlns:a16="http://schemas.microsoft.com/office/drawing/2014/main" xmlns="" id="{90F6555F-B434-439C-9509-DC73DBEC94E6}"/>
               </a:ext>
             </a:extLst>
           </p:cNvPr>
@@ -9087,7 +9188,7 @@
           <p:cNvPr id="8" name="ZoneTexte 7">
             <a:extLst>
               <a:ext uri="{FF2B5EF4-FFF2-40B4-BE49-F238E27FC236}">
-                <a16:creationId xmlns:a16="http://schemas.microsoft.com/office/drawing/2014/main" id="{E1E2F7AC-C694-4732-A616-E16DCF65A231}"/>
+                <a16:creationId xmlns:a16="http://schemas.microsoft.com/office/drawing/2014/main" xmlns="" id="{E1E2F7AC-C694-4732-A616-E16DCF65A231}"/>
               </a:ext>
             </a:extLst>
           </p:cNvPr>
@@ -9127,7 +9228,7 @@
           <p:cNvPr id="9" name="ZoneTexte 8">
             <a:extLst>
               <a:ext uri="{FF2B5EF4-FFF2-40B4-BE49-F238E27FC236}">
-                <a16:creationId xmlns:a16="http://schemas.microsoft.com/office/drawing/2014/main" id="{D9CB3687-49FB-4A6C-A7FF-BFF6BFE28B13}"/>
+                <a16:creationId xmlns:a16="http://schemas.microsoft.com/office/drawing/2014/main" xmlns="" id="{D9CB3687-49FB-4A6C-A7FF-BFF6BFE28B13}"/>
               </a:ext>
             </a:extLst>
           </p:cNvPr>
@@ -9167,7 +9268,7 @@
           <p:cNvPr id="10" name="ZoneTexte 9">
             <a:extLst>
               <a:ext uri="{FF2B5EF4-FFF2-40B4-BE49-F238E27FC236}">
-                <a16:creationId xmlns:a16="http://schemas.microsoft.com/office/drawing/2014/main" id="{05F8EDEF-CB0A-4BCE-8974-6CECB158BC66}"/>
+                <a16:creationId xmlns:a16="http://schemas.microsoft.com/office/drawing/2014/main" xmlns="" id="{05F8EDEF-CB0A-4BCE-8974-6CECB158BC66}"/>
               </a:ext>
             </a:extLst>
           </p:cNvPr>
@@ -9207,7 +9308,7 @@
           <p:cNvPr id="12" name="Image 11">
             <a:extLst>
               <a:ext uri="{FF2B5EF4-FFF2-40B4-BE49-F238E27FC236}">
-                <a16:creationId xmlns:a16="http://schemas.microsoft.com/office/drawing/2014/main" id="{01BB8160-70A7-4577-9882-38EFE2F1D4FD}"/>
+                <a16:creationId xmlns:a16="http://schemas.microsoft.com/office/drawing/2014/main" xmlns="" id="{01BB8160-70A7-4577-9882-38EFE2F1D4FD}"/>
               </a:ext>
             </a:extLst>
           </p:cNvPr>
@@ -9243,7 +9344,7 @@
           <p:cNvPr id="14" name="Image 13">
             <a:extLst>
               <a:ext uri="{FF2B5EF4-FFF2-40B4-BE49-F238E27FC236}">
-                <a16:creationId xmlns:a16="http://schemas.microsoft.com/office/drawing/2014/main" id="{E8768BA8-B98C-42ED-A0B9-DE12AC3706CD}"/>
+                <a16:creationId xmlns:a16="http://schemas.microsoft.com/office/drawing/2014/main" xmlns="" id="{E8768BA8-B98C-42ED-A0B9-DE12AC3706CD}"/>
               </a:ext>
             </a:extLst>
           </p:cNvPr>
@@ -9279,7 +9380,7 @@
           <p:cNvPr id="16" name="Image 15">
             <a:extLst>
               <a:ext uri="{FF2B5EF4-FFF2-40B4-BE49-F238E27FC236}">
-                <a16:creationId xmlns:a16="http://schemas.microsoft.com/office/drawing/2014/main" id="{304EAAEA-0397-46A1-8E65-69AD32EE6CFC}"/>
+                <a16:creationId xmlns:a16="http://schemas.microsoft.com/office/drawing/2014/main" xmlns="" id="{304EAAEA-0397-46A1-8E65-69AD32EE6CFC}"/>
               </a:ext>
             </a:extLst>
           </p:cNvPr>
@@ -9315,7 +9416,7 @@
           <p:cNvPr id="17" name="ZoneTexte 16">
             <a:extLst>
               <a:ext uri="{FF2B5EF4-FFF2-40B4-BE49-F238E27FC236}">
-                <a16:creationId xmlns:a16="http://schemas.microsoft.com/office/drawing/2014/main" id="{5D7B240B-E767-4005-B5D4-8142C606C573}"/>
+                <a16:creationId xmlns:a16="http://schemas.microsoft.com/office/drawing/2014/main" xmlns="" id="{5D7B240B-E767-4005-B5D4-8142C606C573}"/>
               </a:ext>
             </a:extLst>
           </p:cNvPr>
@@ -9355,7 +9456,7 @@
           <p:cNvPr id="19" name="Image 18">
             <a:extLst>
               <a:ext uri="{FF2B5EF4-FFF2-40B4-BE49-F238E27FC236}">
-                <a16:creationId xmlns:a16="http://schemas.microsoft.com/office/drawing/2014/main" id="{5AF771D0-4AE6-4AB7-A865-EDF9FEAAE85C}"/>
+                <a16:creationId xmlns:a16="http://schemas.microsoft.com/office/drawing/2014/main" xmlns="" id="{5AF771D0-4AE6-4AB7-A865-EDF9FEAAE85C}"/>
               </a:ext>
             </a:extLst>
           </p:cNvPr>
@@ -10731,7 +10832,7 @@
           <p:cNvPr id="7" name="Rectangle 6">
             <a:extLst>
               <a:ext uri="{FF2B5EF4-FFF2-40B4-BE49-F238E27FC236}">
-                <a16:creationId xmlns:a16="http://schemas.microsoft.com/office/drawing/2014/main" id="{A003644B-0517-4C25-81A9-88734284C62D}"/>
+                <a16:creationId xmlns:a16="http://schemas.microsoft.com/office/drawing/2014/main" xmlns="" id="{A003644B-0517-4C25-81A9-88734284C62D}"/>
               </a:ext>
             </a:extLst>
           </p:cNvPr>
@@ -10788,7 +10889,7 @@
           <p:cNvPr id="9" name="Image 8">
             <a:extLst>
               <a:ext uri="{FF2B5EF4-FFF2-40B4-BE49-F238E27FC236}">
-                <a16:creationId xmlns:a16="http://schemas.microsoft.com/office/drawing/2014/main" id="{1366B692-252C-4A69-975D-47BAA9E87CDB}"/>
+                <a16:creationId xmlns:a16="http://schemas.microsoft.com/office/drawing/2014/main" xmlns="" id="{1366B692-252C-4A69-975D-47BAA9E87CDB}"/>
               </a:ext>
             </a:extLst>
           </p:cNvPr>
@@ -10829,6 +10930,13 @@
   <p:clrMapOvr>
     <a:masterClrMapping/>
   </p:clrMapOvr>
+  <p:timing>
+    <p:tnLst>
+      <p:par>
+        <p:cTn id="1" dur="indefinite" restart="never" nodeType="tmRoot"/>
+      </p:par>
+    </p:tnLst>
+  </p:timing>
 </p:sld>
 </file>
 
@@ -10854,7 +10962,7 @@
           <p:cNvPr id="4" name="Rectangle 3">
             <a:extLst>
               <a:ext uri="{FF2B5EF4-FFF2-40B4-BE49-F238E27FC236}">
-                <a16:creationId xmlns:a16="http://schemas.microsoft.com/office/drawing/2014/main" id="{B7C3D3F0-D0A4-4876-946C-FED03D67850D}"/>
+                <a16:creationId xmlns:a16="http://schemas.microsoft.com/office/drawing/2014/main" xmlns="" id="{B7C3D3F0-D0A4-4876-946C-FED03D67850D}"/>
               </a:ext>
             </a:extLst>
           </p:cNvPr>
@@ -10911,7 +11019,7 @@
           <p:cNvPr id="3" name="Oval 32">
             <a:extLst>
               <a:ext uri="{FF2B5EF4-FFF2-40B4-BE49-F238E27FC236}">
-                <a16:creationId xmlns:a16="http://schemas.microsoft.com/office/drawing/2014/main" id="{F65F3873-B65A-4F4C-B0EC-9FEA431DC87D}"/>
+                <a16:creationId xmlns:a16="http://schemas.microsoft.com/office/drawing/2014/main" xmlns="" id="{F65F3873-B65A-4F4C-B0EC-9FEA431DC87D}"/>
               </a:ext>
             </a:extLst>
           </p:cNvPr>
@@ -10979,7 +11087,7 @@
           <p:cNvPr id="5" name="Oval 71">
             <a:extLst>
               <a:ext uri="{FF2B5EF4-FFF2-40B4-BE49-F238E27FC236}">
-                <a16:creationId xmlns:a16="http://schemas.microsoft.com/office/drawing/2014/main" id="{98E1C040-4858-492F-B870-C5E24B4267B7}"/>
+                <a16:creationId xmlns:a16="http://schemas.microsoft.com/office/drawing/2014/main" xmlns="" id="{98E1C040-4858-492F-B870-C5E24B4267B7}"/>
               </a:ext>
             </a:extLst>
           </p:cNvPr>
@@ -11047,7 +11155,7 @@
           <p:cNvPr id="6" name="Oval 79">
             <a:extLst>
               <a:ext uri="{FF2B5EF4-FFF2-40B4-BE49-F238E27FC236}">
-                <a16:creationId xmlns:a16="http://schemas.microsoft.com/office/drawing/2014/main" id="{368C894A-6E25-4544-B418-2185F0189681}"/>
+                <a16:creationId xmlns:a16="http://schemas.microsoft.com/office/drawing/2014/main" xmlns="" id="{368C894A-6E25-4544-B418-2185F0189681}"/>
               </a:ext>
             </a:extLst>
           </p:cNvPr>
@@ -11115,7 +11223,7 @@
           <p:cNvPr id="7" name="Oval 87">
             <a:extLst>
               <a:ext uri="{FF2B5EF4-FFF2-40B4-BE49-F238E27FC236}">
-                <a16:creationId xmlns:a16="http://schemas.microsoft.com/office/drawing/2014/main" id="{DC588E4C-C6ED-4C14-A2F3-653733C098C9}"/>
+                <a16:creationId xmlns:a16="http://schemas.microsoft.com/office/drawing/2014/main" xmlns="" id="{DC588E4C-C6ED-4C14-A2F3-653733C098C9}"/>
               </a:ext>
             </a:extLst>
           </p:cNvPr>
@@ -11183,7 +11291,7 @@
           <p:cNvPr id="22" name="Oval 87">
             <a:extLst>
               <a:ext uri="{FF2B5EF4-FFF2-40B4-BE49-F238E27FC236}">
-                <a16:creationId xmlns:a16="http://schemas.microsoft.com/office/drawing/2014/main" id="{42DEECDF-CCF3-44E2-8B95-4086E58AAF2A}"/>
+                <a16:creationId xmlns:a16="http://schemas.microsoft.com/office/drawing/2014/main" xmlns="" id="{42DEECDF-CCF3-44E2-8B95-4086E58AAF2A}"/>
               </a:ext>
             </a:extLst>
           </p:cNvPr>
@@ -11251,7 +11359,7 @@
           <p:cNvPr id="23" name="ZoneTexte 22">
             <a:extLst>
               <a:ext uri="{FF2B5EF4-FFF2-40B4-BE49-F238E27FC236}">
-                <a16:creationId xmlns:a16="http://schemas.microsoft.com/office/drawing/2014/main" id="{6673C2A3-3F5D-43C5-A9D9-D4A0295708A8}"/>
+                <a16:creationId xmlns:a16="http://schemas.microsoft.com/office/drawing/2014/main" xmlns="" id="{6673C2A3-3F5D-43C5-A9D9-D4A0295708A8}"/>
               </a:ext>
             </a:extLst>
           </p:cNvPr>
@@ -12207,7 +12315,743 @@
           <p:cNvPr id="4" name="Rectangle 3">
             <a:extLst>
               <a:ext uri="{FF2B5EF4-FFF2-40B4-BE49-F238E27FC236}">
-                <a16:creationId xmlns:a16="http://schemas.microsoft.com/office/drawing/2014/main" id="{B7C3D3F0-D0A4-4876-946C-FED03D67850D}"/>
+                <a16:creationId xmlns:a16="http://schemas.microsoft.com/office/drawing/2014/main" xmlns="" id="{B7C3D3F0-D0A4-4876-946C-FED03D67850D}"/>
+              </a:ext>
+            </a:extLst>
+          </p:cNvPr>
+          <p:cNvSpPr/>
+          <p:nvPr/>
+        </p:nvSpPr>
+        <p:spPr>
+          <a:xfrm>
+            <a:off x="4951829" y="268490"/>
+            <a:ext cx="2288343" cy="769441"/>
+          </a:xfrm>
+          <a:prstGeom prst="rect">
+            <a:avLst/>
+          </a:prstGeom>
+          <a:solidFill>
+            <a:srgbClr val="EF3425"/>
+          </a:solidFill>
+          <a:ln w="6350">
+            <a:solidFill>
+              <a:schemeClr val="bg1"/>
+            </a:solidFill>
+          </a:ln>
+          <a:effectLst>
+            <a:outerShdw blurRad="50800" dist="38100" dir="2700000" algn="tl" rotWithShape="0">
+              <a:prstClr val="black">
+                <a:alpha val="40000"/>
+              </a:prstClr>
+            </a:outerShdw>
+          </a:effectLst>
+        </p:spPr>
+        <p:txBody>
+          <a:bodyPr wrap="square" anchor="ctr" anchorCtr="1">
+            <a:spAutoFit/>
+          </a:bodyPr>
+          <a:lstStyle/>
+          <a:p>
+            <a:pPr algn="ctr" defTabSz="1450940"/>
+            <a:r>
+              <a:rPr lang="en-US" sz="4400" b="1" dirty="0">
+                <a:solidFill>
+                  <a:schemeClr val="bg1"/>
+                </a:solidFill>
+                <a:latin typeface="Montserrat" panose="00000500000000000000" pitchFamily="2" charset="0"/>
+                <a:ea typeface="Open Sans" pitchFamily="34" charset="0"/>
+                <a:cs typeface="Open Sans" pitchFamily="34" charset="0"/>
+              </a:rPr>
+              <a:t>Design</a:t>
+            </a:r>
+          </a:p>
+        </p:txBody>
+      </p:sp>
+      <p:sp>
+        <p:nvSpPr>
+          <p:cNvPr id="23" name="ZoneTexte 22">
+            <a:extLst>
+              <a:ext uri="{FF2B5EF4-FFF2-40B4-BE49-F238E27FC236}">
+                <a16:creationId xmlns:a16="http://schemas.microsoft.com/office/drawing/2014/main" xmlns="" id="{6673C2A3-3F5D-43C5-A9D9-D4A0295708A8}"/>
+              </a:ext>
+            </a:extLst>
+          </p:cNvPr>
+          <p:cNvSpPr txBox="1"/>
+          <p:nvPr/>
+        </p:nvSpPr>
+        <p:spPr>
+          <a:xfrm>
+            <a:off x="483627" y="1527663"/>
+            <a:ext cx="2765600" cy="553998"/>
+          </a:xfrm>
+          <a:prstGeom prst="rect">
+            <a:avLst/>
+          </a:prstGeom>
+          <a:noFill/>
+        </p:spPr>
+        <p:txBody>
+          <a:bodyPr wrap="square" rtlCol="0">
+            <a:spAutoFit/>
+          </a:bodyPr>
+          <a:lstStyle/>
+          <a:p>
+            <a:r>
+              <a:rPr lang="fr-FR" sz="3000" b="1" dirty="0" smtClean="0">
+                <a:solidFill>
+                  <a:schemeClr val="bg1"/>
+                </a:solidFill>
+                <a:latin typeface="Montserrat" panose="00000500000000000000" pitchFamily="2" charset="0"/>
+              </a:rPr>
+              <a:t>Zoning</a:t>
+            </a:r>
+            <a:endParaRPr lang="fr-FR" sz="3000" b="1" dirty="0">
+              <a:solidFill>
+                <a:schemeClr val="bg1"/>
+              </a:solidFill>
+              <a:latin typeface="Montserrat" panose="00000500000000000000" pitchFamily="2" charset="0"/>
+            </a:endParaRPr>
+          </a:p>
+        </p:txBody>
+      </p:sp>
+      <p:pic>
+        <p:nvPicPr>
+          <p:cNvPr id="2" name="Image 1"/>
+          <p:cNvPicPr>
+            <a:picLocks noChangeAspect="1"/>
+          </p:cNvPicPr>
+          <p:nvPr/>
+        </p:nvPicPr>
+        <p:blipFill>
+          <a:blip r:embed="rId3">
+            <a:extLst>
+              <a:ext uri="{28A0092B-C50C-407E-A947-70E740481C1C}">
+                <a14:useLocalDpi xmlns:a14="http://schemas.microsoft.com/office/drawing/2010/main" val="0"/>
+              </a:ext>
+            </a:extLst>
+          </a:blip>
+          <a:stretch>
+            <a:fillRect/>
+          </a:stretch>
+        </p:blipFill>
+        <p:spPr>
+          <a:xfrm>
+            <a:off x="3587090" y="1260886"/>
+            <a:ext cx="5017819" cy="5260225"/>
+          </a:xfrm>
+          <a:prstGeom prst="rect">
+            <a:avLst/>
+          </a:prstGeom>
+        </p:spPr>
+      </p:pic>
+      <p:pic>
+        <p:nvPicPr>
+          <p:cNvPr id="8" name="Image 7"/>
+          <p:cNvPicPr>
+            <a:picLocks noChangeAspect="1"/>
+          </p:cNvPicPr>
+          <p:nvPr/>
+        </p:nvPicPr>
+        <p:blipFill>
+          <a:blip r:embed="rId4">
+            <a:extLst>
+              <a:ext uri="{28A0092B-C50C-407E-A947-70E740481C1C}">
+                <a14:useLocalDpi xmlns:a14="http://schemas.microsoft.com/office/drawing/2010/main" val="0"/>
+              </a:ext>
+            </a:extLst>
+          </a:blip>
+          <a:stretch>
+            <a:fillRect/>
+          </a:stretch>
+        </p:blipFill>
+        <p:spPr>
+          <a:xfrm>
+            <a:off x="3587089" y="1260884"/>
+            <a:ext cx="5017819" cy="5260225"/>
+          </a:xfrm>
+          <a:prstGeom prst="rect">
+            <a:avLst/>
+          </a:prstGeom>
+        </p:spPr>
+      </p:pic>
+      <p:sp>
+        <p:nvSpPr>
+          <p:cNvPr id="11" name="ZoneTexte 10">
+            <a:extLst>
+              <a:ext uri="{FF2B5EF4-FFF2-40B4-BE49-F238E27FC236}">
+                <a16:creationId xmlns:a16="http://schemas.microsoft.com/office/drawing/2014/main" xmlns="" id="{6673C2A3-3F5D-43C5-A9D9-D4A0295708A8}"/>
+              </a:ext>
+            </a:extLst>
+          </p:cNvPr>
+          <p:cNvSpPr txBox="1"/>
+          <p:nvPr/>
+        </p:nvSpPr>
+        <p:spPr>
+          <a:xfrm>
+            <a:off x="483627" y="2081661"/>
+            <a:ext cx="2765600" cy="553998"/>
+          </a:xfrm>
+          <a:prstGeom prst="rect">
+            <a:avLst/>
+          </a:prstGeom>
+          <a:noFill/>
+        </p:spPr>
+        <p:txBody>
+          <a:bodyPr wrap="square" rtlCol="0">
+            <a:spAutoFit/>
+          </a:bodyPr>
+          <a:lstStyle/>
+          <a:p>
+            <a:r>
+              <a:rPr lang="fr-FR" sz="3000" b="1" dirty="0" err="1" smtClean="0">
+                <a:solidFill>
+                  <a:schemeClr val="bg1"/>
+                </a:solidFill>
+                <a:latin typeface="Montserrat" panose="00000500000000000000" pitchFamily="2" charset="0"/>
+              </a:rPr>
+              <a:t>Wireframe</a:t>
+            </a:r>
+            <a:endParaRPr lang="fr-FR" sz="3000" b="1" dirty="0">
+              <a:solidFill>
+                <a:schemeClr val="bg1"/>
+              </a:solidFill>
+              <a:latin typeface="Montserrat" panose="00000500000000000000" pitchFamily="2" charset="0"/>
+            </a:endParaRPr>
+          </a:p>
+        </p:txBody>
+      </p:sp>
+      <p:pic>
+        <p:nvPicPr>
+          <p:cNvPr id="12" name="Image 11"/>
+          <p:cNvPicPr>
+            <a:picLocks noChangeAspect="1"/>
+          </p:cNvPicPr>
+          <p:nvPr/>
+        </p:nvPicPr>
+        <p:blipFill>
+          <a:blip r:embed="rId5">
+            <a:extLst>
+              <a:ext uri="{28A0092B-C50C-407E-A947-70E740481C1C}">
+                <a14:useLocalDpi xmlns:a14="http://schemas.microsoft.com/office/drawing/2010/main" val="0"/>
+              </a:ext>
+            </a:extLst>
+          </a:blip>
+          <a:stretch>
+            <a:fillRect/>
+          </a:stretch>
+        </p:blipFill>
+        <p:spPr>
+          <a:xfrm>
+            <a:off x="3587089" y="1277630"/>
+            <a:ext cx="5017819" cy="5260225"/>
+          </a:xfrm>
+          <a:prstGeom prst="rect">
+            <a:avLst/>
+          </a:prstGeom>
+        </p:spPr>
+      </p:pic>
+      <p:pic>
+        <p:nvPicPr>
+          <p:cNvPr id="13" name="Image 12"/>
+          <p:cNvPicPr>
+            <a:picLocks noChangeAspect="1"/>
+          </p:cNvPicPr>
+          <p:nvPr/>
+        </p:nvPicPr>
+        <p:blipFill>
+          <a:blip r:embed="rId6">
+            <a:extLst>
+              <a:ext uri="{28A0092B-C50C-407E-A947-70E740481C1C}">
+                <a14:useLocalDpi xmlns:a14="http://schemas.microsoft.com/office/drawing/2010/main" val="0"/>
+              </a:ext>
+            </a:extLst>
+          </a:blip>
+          <a:stretch>
+            <a:fillRect/>
+          </a:stretch>
+        </p:blipFill>
+        <p:spPr>
+          <a:xfrm>
+            <a:off x="3587089" y="1284862"/>
+            <a:ext cx="5017819" cy="5236247"/>
+          </a:xfrm>
+          <a:prstGeom prst="rect">
+            <a:avLst/>
+          </a:prstGeom>
+        </p:spPr>
+      </p:pic>
+      <p:pic>
+        <p:nvPicPr>
+          <p:cNvPr id="14" name="Image 13"/>
+          <p:cNvPicPr>
+            <a:picLocks noChangeAspect="1"/>
+          </p:cNvPicPr>
+          <p:nvPr/>
+        </p:nvPicPr>
+        <p:blipFill>
+          <a:blip r:embed="rId7">
+            <a:extLst>
+              <a:ext uri="{28A0092B-C50C-407E-A947-70E740481C1C}">
+                <a14:useLocalDpi xmlns:a14="http://schemas.microsoft.com/office/drawing/2010/main" val="0"/>
+              </a:ext>
+            </a:extLst>
+          </a:blip>
+          <a:stretch>
+            <a:fillRect/>
+          </a:stretch>
+        </p:blipFill>
+        <p:spPr>
+          <a:xfrm>
+            <a:off x="3594279" y="1260882"/>
+            <a:ext cx="5010629" cy="5276604"/>
+          </a:xfrm>
+          <a:prstGeom prst="rect">
+            <a:avLst/>
+          </a:prstGeom>
+        </p:spPr>
+      </p:pic>
+    </p:spTree>
+    <p:extLst>
+      <p:ext uri="{BB962C8B-B14F-4D97-AF65-F5344CB8AC3E}">
+        <p14:creationId xmlns:p14="http://schemas.microsoft.com/office/powerpoint/2010/main" val="4186552208"/>
+      </p:ext>
+    </p:extLst>
+  </p:cSld>
+  <p:clrMapOvr>
+    <a:masterClrMapping/>
+  </p:clrMapOvr>
+  <p:timing>
+    <p:tnLst>
+      <p:par>
+        <p:cTn id="1" dur="indefinite" restart="never" nodeType="tmRoot">
+          <p:childTnLst>
+            <p:seq concurrent="1" nextAc="seek">
+              <p:cTn id="2" dur="indefinite" nodeType="mainSeq">
+                <p:childTnLst>
+                  <p:par>
+                    <p:cTn id="3" fill="hold">
+                      <p:stCondLst>
+                        <p:cond delay="indefinite"/>
+                      </p:stCondLst>
+                      <p:childTnLst>
+                        <p:par>
+                          <p:cTn id="4" fill="hold">
+                            <p:stCondLst>
+                              <p:cond delay="0"/>
+                            </p:stCondLst>
+                            <p:childTnLst>
+                              <p:par>
+                                <p:cTn id="5" presetID="16" presetClass="emph" presetSubtype="0" fill="hold" grpId="0" nodeType="clickEffect">
+                                  <p:stCondLst>
+                                    <p:cond delay="0"/>
+                                  </p:stCondLst>
+                                  <p:iterate type="lt">
+                                    <p:tmPct val="4000"/>
+                                  </p:iterate>
+                                  <p:childTnLst>
+                                    <p:set>
+                                      <p:cBhvr override="childStyle">
+                                        <p:cTn id="6" dur="500" fill="hold"/>
+                                        <p:tgtEl>
+                                          <p:spTgt spid="23"/>
+                                        </p:tgtEl>
+                                        <p:attrNameLst>
+                                          <p:attrName>style.color</p:attrName>
+                                        </p:attrNameLst>
+                                      </p:cBhvr>
+                                      <p:to>
+                                        <p:clrVal>
+                                          <a:schemeClr val="accent2"/>
+                                        </p:clrVal>
+                                      </p:to>
+                                    </p:set>
+                                    <p:set>
+                                      <p:cBhvr>
+                                        <p:cTn id="7" dur="500" fill="hold"/>
+                                        <p:tgtEl>
+                                          <p:spTgt spid="23"/>
+                                        </p:tgtEl>
+                                        <p:attrNameLst>
+                                          <p:attrName>fillcolor</p:attrName>
+                                        </p:attrNameLst>
+                                      </p:cBhvr>
+                                      <p:to>
+                                        <p:clrVal>
+                                          <a:schemeClr val="accent2"/>
+                                        </p:clrVal>
+                                      </p:to>
+                                    </p:set>
+                                    <p:set>
+                                      <p:cBhvr>
+                                        <p:cTn id="8" dur="500" fill="hold"/>
+                                        <p:tgtEl>
+                                          <p:spTgt spid="23"/>
+                                        </p:tgtEl>
+                                        <p:attrNameLst>
+                                          <p:attrName>fill.type</p:attrName>
+                                        </p:attrNameLst>
+                                      </p:cBhvr>
+                                      <p:to>
+                                        <p:strVal val="solid"/>
+                                      </p:to>
+                                    </p:set>
+                                  </p:childTnLst>
+                                </p:cTn>
+                              </p:par>
+                            </p:childTnLst>
+                          </p:cTn>
+                        </p:par>
+                      </p:childTnLst>
+                    </p:cTn>
+                  </p:par>
+                  <p:par>
+                    <p:cTn id="9" fill="hold">
+                      <p:stCondLst>
+                        <p:cond delay="indefinite"/>
+                      </p:stCondLst>
+                      <p:childTnLst>
+                        <p:par>
+                          <p:cTn id="10" fill="hold">
+                            <p:stCondLst>
+                              <p:cond delay="0"/>
+                            </p:stCondLst>
+                            <p:childTnLst>
+                              <p:par>
+                                <p:cTn id="11" presetID="1" presetClass="entr" presetSubtype="0" fill="hold" nodeType="clickEffect">
+                                  <p:stCondLst>
+                                    <p:cond delay="0"/>
+                                  </p:stCondLst>
+                                  <p:childTnLst>
+                                    <p:set>
+                                      <p:cBhvr>
+                                        <p:cTn id="12" dur="1" fill="hold">
+                                          <p:stCondLst>
+                                            <p:cond delay="0"/>
+                                          </p:stCondLst>
+                                        </p:cTn>
+                                        <p:tgtEl>
+                                          <p:spTgt spid="8"/>
+                                        </p:tgtEl>
+                                        <p:attrNameLst>
+                                          <p:attrName>style.visibility</p:attrName>
+                                        </p:attrNameLst>
+                                      </p:cBhvr>
+                                      <p:to>
+                                        <p:strVal val="visible"/>
+                                      </p:to>
+                                    </p:set>
+                                  </p:childTnLst>
+                                </p:cTn>
+                              </p:par>
+                            </p:childTnLst>
+                          </p:cTn>
+                        </p:par>
+                      </p:childTnLst>
+                    </p:cTn>
+                  </p:par>
+                  <p:par>
+                    <p:cTn id="13" fill="hold">
+                      <p:stCondLst>
+                        <p:cond delay="indefinite"/>
+                      </p:stCondLst>
+                      <p:childTnLst>
+                        <p:par>
+                          <p:cTn id="14" fill="hold">
+                            <p:stCondLst>
+                              <p:cond delay="0"/>
+                            </p:stCondLst>
+                            <p:childTnLst>
+                              <p:par>
+                                <p:cTn id="15" presetID="1" presetClass="entr" presetSubtype="0" fill="hold" nodeType="clickEffect">
+                                  <p:stCondLst>
+                                    <p:cond delay="0"/>
+                                  </p:stCondLst>
+                                  <p:childTnLst>
+                                    <p:set>
+                                      <p:cBhvr>
+                                        <p:cTn id="16" dur="1" fill="hold">
+                                          <p:stCondLst>
+                                            <p:cond delay="0"/>
+                                          </p:stCondLst>
+                                        </p:cTn>
+                                        <p:tgtEl>
+                                          <p:spTgt spid="12"/>
+                                        </p:tgtEl>
+                                        <p:attrNameLst>
+                                          <p:attrName>style.visibility</p:attrName>
+                                        </p:attrNameLst>
+                                      </p:cBhvr>
+                                      <p:to>
+                                        <p:strVal val="visible"/>
+                                      </p:to>
+                                    </p:set>
+                                  </p:childTnLst>
+                                </p:cTn>
+                              </p:par>
+                            </p:childTnLst>
+                          </p:cTn>
+                        </p:par>
+                      </p:childTnLst>
+                    </p:cTn>
+                  </p:par>
+                  <p:par>
+                    <p:cTn id="17" fill="hold">
+                      <p:stCondLst>
+                        <p:cond delay="indefinite"/>
+                      </p:stCondLst>
+                      <p:childTnLst>
+                        <p:par>
+                          <p:cTn id="18" fill="hold">
+                            <p:stCondLst>
+                              <p:cond delay="0"/>
+                            </p:stCondLst>
+                            <p:childTnLst>
+                              <p:par>
+                                <p:cTn id="19" presetID="16" presetClass="emph" presetSubtype="0" fill="hold" grpId="0" nodeType="clickEffect">
+                                  <p:stCondLst>
+                                    <p:cond delay="0"/>
+                                  </p:stCondLst>
+                                  <p:iterate type="lt">
+                                    <p:tmPct val="4000"/>
+                                  </p:iterate>
+                                  <p:childTnLst>
+                                    <p:set>
+                                      <p:cBhvr override="childStyle">
+                                        <p:cTn id="20" dur="500" fill="hold"/>
+                                        <p:tgtEl>
+                                          <p:spTgt spid="11"/>
+                                        </p:tgtEl>
+                                        <p:attrNameLst>
+                                          <p:attrName>style.color</p:attrName>
+                                        </p:attrNameLst>
+                                      </p:cBhvr>
+                                      <p:to>
+                                        <p:clrVal>
+                                          <a:schemeClr val="accent2"/>
+                                        </p:clrVal>
+                                      </p:to>
+                                    </p:set>
+                                    <p:set>
+                                      <p:cBhvr>
+                                        <p:cTn id="21" dur="500" fill="hold"/>
+                                        <p:tgtEl>
+                                          <p:spTgt spid="11"/>
+                                        </p:tgtEl>
+                                        <p:attrNameLst>
+                                          <p:attrName>fillcolor</p:attrName>
+                                        </p:attrNameLst>
+                                      </p:cBhvr>
+                                      <p:to>
+                                        <p:clrVal>
+                                          <a:schemeClr val="accent2"/>
+                                        </p:clrVal>
+                                      </p:to>
+                                    </p:set>
+                                    <p:set>
+                                      <p:cBhvr>
+                                        <p:cTn id="22" dur="500" fill="hold"/>
+                                        <p:tgtEl>
+                                          <p:spTgt spid="11"/>
+                                        </p:tgtEl>
+                                        <p:attrNameLst>
+                                          <p:attrName>fill.type</p:attrName>
+                                        </p:attrNameLst>
+                                      </p:cBhvr>
+                                      <p:to>
+                                        <p:strVal val="solid"/>
+                                      </p:to>
+                                    </p:set>
+                                  </p:childTnLst>
+                                </p:cTn>
+                              </p:par>
+                              <p:par>
+                                <p:cTn id="23" presetID="16" presetClass="emph" presetSubtype="0" fill="hold" grpId="1" nodeType="withEffect">
+                                  <p:stCondLst>
+                                    <p:cond delay="0"/>
+                                  </p:stCondLst>
+                                  <p:iterate type="lt">
+                                    <p:tmPct val="4000"/>
+                                  </p:iterate>
+                                  <p:childTnLst>
+                                    <p:set>
+                                      <p:cBhvr override="childStyle">
+                                        <p:cTn id="24" dur="500" fill="hold"/>
+                                        <p:tgtEl>
+                                          <p:spTgt spid="23"/>
+                                        </p:tgtEl>
+                                        <p:attrNameLst>
+                                          <p:attrName>style.color</p:attrName>
+                                        </p:attrNameLst>
+                                      </p:cBhvr>
+                                      <p:to>
+                                        <p:clrVal>
+                                          <a:srgbClr val="FFFFFF"/>
+                                        </p:clrVal>
+                                      </p:to>
+                                    </p:set>
+                                    <p:set>
+                                      <p:cBhvr>
+                                        <p:cTn id="25" dur="500" fill="hold"/>
+                                        <p:tgtEl>
+                                          <p:spTgt spid="23"/>
+                                        </p:tgtEl>
+                                        <p:attrNameLst>
+                                          <p:attrName>fillcolor</p:attrName>
+                                        </p:attrNameLst>
+                                      </p:cBhvr>
+                                      <p:to>
+                                        <p:clrVal>
+                                          <a:srgbClr val="FFFFFF"/>
+                                        </p:clrVal>
+                                      </p:to>
+                                    </p:set>
+                                    <p:set>
+                                      <p:cBhvr>
+                                        <p:cTn id="26" dur="500" fill="hold"/>
+                                        <p:tgtEl>
+                                          <p:spTgt spid="23"/>
+                                        </p:tgtEl>
+                                        <p:attrNameLst>
+                                          <p:attrName>fill.type</p:attrName>
+                                        </p:attrNameLst>
+                                      </p:cBhvr>
+                                      <p:to>
+                                        <p:strVal val="solid"/>
+                                      </p:to>
+                                    </p:set>
+                                  </p:childTnLst>
+                                </p:cTn>
+                              </p:par>
+                              <p:par>
+                                <p:cTn id="27" presetID="1" presetClass="entr" presetSubtype="0" fill="hold" nodeType="withEffect">
+                                  <p:stCondLst>
+                                    <p:cond delay="0"/>
+                                  </p:stCondLst>
+                                  <p:childTnLst>
+                                    <p:set>
+                                      <p:cBhvr>
+                                        <p:cTn id="28" dur="1" fill="hold">
+                                          <p:stCondLst>
+                                            <p:cond delay="0"/>
+                                          </p:stCondLst>
+                                        </p:cTn>
+                                        <p:tgtEl>
+                                          <p:spTgt spid="13"/>
+                                        </p:tgtEl>
+                                        <p:attrNameLst>
+                                          <p:attrName>style.visibility</p:attrName>
+                                        </p:attrNameLst>
+                                      </p:cBhvr>
+                                      <p:to>
+                                        <p:strVal val="visible"/>
+                                      </p:to>
+                                    </p:set>
+                                  </p:childTnLst>
+                                </p:cTn>
+                              </p:par>
+                            </p:childTnLst>
+                          </p:cTn>
+                        </p:par>
+                      </p:childTnLst>
+                    </p:cTn>
+                  </p:par>
+                  <p:par>
+                    <p:cTn id="29" fill="hold">
+                      <p:stCondLst>
+                        <p:cond delay="indefinite"/>
+                      </p:stCondLst>
+                      <p:childTnLst>
+                        <p:par>
+                          <p:cTn id="30" fill="hold">
+                            <p:stCondLst>
+                              <p:cond delay="0"/>
+                            </p:stCondLst>
+                            <p:childTnLst>
+                              <p:par>
+                                <p:cTn id="31" presetID="1" presetClass="entr" presetSubtype="0" fill="hold" nodeType="clickEffect">
+                                  <p:stCondLst>
+                                    <p:cond delay="0"/>
+                                  </p:stCondLst>
+                                  <p:childTnLst>
+                                    <p:set>
+                                      <p:cBhvr>
+                                        <p:cTn id="32" dur="1" fill="hold">
+                                          <p:stCondLst>
+                                            <p:cond delay="0"/>
+                                          </p:stCondLst>
+                                        </p:cTn>
+                                        <p:tgtEl>
+                                          <p:spTgt spid="14"/>
+                                        </p:tgtEl>
+                                        <p:attrNameLst>
+                                          <p:attrName>style.visibility</p:attrName>
+                                        </p:attrNameLst>
+                                      </p:cBhvr>
+                                      <p:to>
+                                        <p:strVal val="visible"/>
+                                      </p:to>
+                                    </p:set>
+                                  </p:childTnLst>
+                                </p:cTn>
+                              </p:par>
+                            </p:childTnLst>
+                          </p:cTn>
+                        </p:par>
+                      </p:childTnLst>
+                    </p:cTn>
+                  </p:par>
+                </p:childTnLst>
+              </p:cTn>
+              <p:prevCondLst>
+                <p:cond evt="onPrev" delay="0">
+                  <p:tgtEl>
+                    <p:sldTgt/>
+                  </p:tgtEl>
+                </p:cond>
+              </p:prevCondLst>
+              <p:nextCondLst>
+                <p:cond evt="onNext" delay="0">
+                  <p:tgtEl>
+                    <p:sldTgt/>
+                  </p:tgtEl>
+                </p:cond>
+              </p:nextCondLst>
+            </p:seq>
+          </p:childTnLst>
+        </p:cTn>
+      </p:par>
+    </p:tnLst>
+    <p:bldLst>
+      <p:bldP spid="23" grpId="0"/>
+      <p:bldP spid="23" grpId="1"/>
+      <p:bldP spid="11" grpId="0"/>
+    </p:bldLst>
+  </p:timing>
+</p:sld>
+</file>
+
+<file path=ppt/slides/slide8.xml><?xml version="1.0" encoding="utf-8"?>
+<p:sld xmlns:a="http://schemas.openxmlformats.org/drawingml/2006/main" xmlns:r="http://schemas.openxmlformats.org/officeDocument/2006/relationships" xmlns:p="http://schemas.openxmlformats.org/presentationml/2006/main">
+  <p:cSld>
+    <p:spTree>
+      <p:nvGrpSpPr>
+        <p:cNvPr id="1" name=""/>
+        <p:cNvGrpSpPr/>
+        <p:nvPr/>
+      </p:nvGrpSpPr>
+      <p:grpSpPr>
+        <a:xfrm>
+          <a:off x="0" y="0"/>
+          <a:ext cx="0" cy="0"/>
+          <a:chOff x="0" y="0"/>
+          <a:chExt cx="0" cy="0"/>
+        </a:xfrm>
+      </p:grpSpPr>
+      <p:sp>
+        <p:nvSpPr>
+          <p:cNvPr id="4" name="Rectangle 3">
+            <a:extLst>
+              <a:ext uri="{FF2B5EF4-FFF2-40B4-BE49-F238E27FC236}">
+                <a16:creationId xmlns:a16="http://schemas.microsoft.com/office/drawing/2014/main" xmlns="" id="{B7C3D3F0-D0A4-4876-946C-FED03D67850D}"/>
               </a:ext>
             </a:extLst>
           </p:cNvPr>
@@ -12264,7 +13108,7 @@
           <p:cNvPr id="6" name="Connecteur droit 5">
             <a:extLst>
               <a:ext uri="{FF2B5EF4-FFF2-40B4-BE49-F238E27FC236}">
-                <a16:creationId xmlns:a16="http://schemas.microsoft.com/office/drawing/2014/main" id="{BC1E5C23-C120-4FDC-8078-E6B67C84ACE0}"/>
+                <a16:creationId xmlns:a16="http://schemas.microsoft.com/office/drawing/2014/main" xmlns="" id="{BC1E5C23-C120-4FDC-8078-E6B67C84ACE0}"/>
               </a:ext>
             </a:extLst>
           </p:cNvPr>
@@ -12319,7 +13163,7 @@
           <p:cNvPr id="3" name="Rectangle 2">
             <a:extLst>
               <a:ext uri="{FF2B5EF4-FFF2-40B4-BE49-F238E27FC236}">
-                <a16:creationId xmlns:a16="http://schemas.microsoft.com/office/drawing/2014/main" id="{EBEBB93B-196D-4EAF-9B23-C798CA40EF23}"/>
+                <a16:creationId xmlns:a16="http://schemas.microsoft.com/office/drawing/2014/main" xmlns="" id="{EBEBB93B-196D-4EAF-9B23-C798CA40EF23}"/>
               </a:ext>
             </a:extLst>
           </p:cNvPr>
@@ -12376,7 +13220,7 @@
           <p:cNvPr id="10" name="Signe Plus 9">
             <a:extLst>
               <a:ext uri="{FF2B5EF4-FFF2-40B4-BE49-F238E27FC236}">
-                <a16:creationId xmlns:a16="http://schemas.microsoft.com/office/drawing/2014/main" id="{0CF1F3DE-E8B7-4685-BB70-6F7127EF3C83}"/>
+                <a16:creationId xmlns:a16="http://schemas.microsoft.com/office/drawing/2014/main" xmlns="" id="{0CF1F3DE-E8B7-4685-BB70-6F7127EF3C83}"/>
               </a:ext>
             </a:extLst>
           </p:cNvPr>
@@ -12435,7 +13279,7 @@
           <p:cNvPr id="11" name="Signe Moins 10">
             <a:extLst>
               <a:ext uri="{FF2B5EF4-FFF2-40B4-BE49-F238E27FC236}">
-                <a16:creationId xmlns:a16="http://schemas.microsoft.com/office/drawing/2014/main" id="{F983F54A-5C1A-4969-9F07-43B73A2DBCA4}"/>
+                <a16:creationId xmlns:a16="http://schemas.microsoft.com/office/drawing/2014/main" xmlns="" id="{F983F54A-5C1A-4969-9F07-43B73A2DBCA4}"/>
               </a:ext>
             </a:extLst>
           </p:cNvPr>
@@ -12491,7 +13335,7 @@
           <p:cNvPr id="12" name="ZoneTexte 11">
             <a:extLst>
               <a:ext uri="{FF2B5EF4-FFF2-40B4-BE49-F238E27FC236}">
-                <a16:creationId xmlns:a16="http://schemas.microsoft.com/office/drawing/2014/main" id="{883B7E9D-2549-46C9-8B7D-0C6220170753}"/>
+                <a16:creationId xmlns:a16="http://schemas.microsoft.com/office/drawing/2014/main" xmlns="" id="{883B7E9D-2549-46C9-8B7D-0C6220170753}"/>
               </a:ext>
             </a:extLst>
           </p:cNvPr>
@@ -12534,7 +13378,7 @@
           <p:cNvPr id="13" name="ZoneTexte 12">
             <a:extLst>
               <a:ext uri="{FF2B5EF4-FFF2-40B4-BE49-F238E27FC236}">
-                <a16:creationId xmlns:a16="http://schemas.microsoft.com/office/drawing/2014/main" id="{019EBB33-9EE1-4555-9BA4-4EDE9615D427}"/>
+                <a16:creationId xmlns:a16="http://schemas.microsoft.com/office/drawing/2014/main" xmlns="" id="{019EBB33-9EE1-4555-9BA4-4EDE9615D427}"/>
               </a:ext>
             </a:extLst>
           </p:cNvPr>
@@ -12543,7 +13387,7 @@
         </p:nvSpPr>
         <p:spPr>
           <a:xfrm>
-            <a:off x="1374556" y="2947385"/>
+            <a:off x="5432750" y="3713672"/>
             <a:ext cx="1990077" cy="477054"/>
           </a:xfrm>
           <a:prstGeom prst="rect">
@@ -12560,10 +13404,7 @@
             <a:r>
               <a:rPr lang="fr-FR" sz="2500" dirty="0">
                 <a:solidFill>
-                  <a:schemeClr val="accent6">
-                    <a:lumMod val="40000"/>
-                    <a:lumOff val="60000"/>
-                  </a:schemeClr>
+                  <a:schemeClr val="bg1"/>
                 </a:solidFill>
                 <a:latin typeface="Montserrat" panose="00000500000000000000" pitchFamily="2" charset="0"/>
               </a:rPr>
@@ -12577,7 +13418,7 @@
           <p:cNvPr id="15" name="ZoneTexte 14">
             <a:extLst>
               <a:ext uri="{FF2B5EF4-FFF2-40B4-BE49-F238E27FC236}">
-                <a16:creationId xmlns:a16="http://schemas.microsoft.com/office/drawing/2014/main" id="{757C4085-53B1-44BD-B6F8-B648807852D7}"/>
+                <a16:creationId xmlns:a16="http://schemas.microsoft.com/office/drawing/2014/main" xmlns="" id="{757C4085-53B1-44BD-B6F8-B648807852D7}"/>
               </a:ext>
             </a:extLst>
           </p:cNvPr>
@@ -12612,46 +13453,6 @@
           </a:p>
         </p:txBody>
       </p:sp>
-      <p:sp>
-        <p:nvSpPr>
-          <p:cNvPr id="16" name="ZoneTexte 15">
-            <a:extLst>
-              <a:ext uri="{FF2B5EF4-FFF2-40B4-BE49-F238E27FC236}">
-                <a16:creationId xmlns:a16="http://schemas.microsoft.com/office/drawing/2014/main" id="{F532A814-A9BC-4020-AAAC-2ABBB006B368}"/>
-              </a:ext>
-            </a:extLst>
-          </p:cNvPr>
-          <p:cNvSpPr txBox="1"/>
-          <p:nvPr/>
-        </p:nvSpPr>
-        <p:spPr>
-          <a:xfrm>
-            <a:off x="8935377" y="2946525"/>
-            <a:ext cx="2587838" cy="477054"/>
-          </a:xfrm>
-          <a:prstGeom prst="rect">
-            <a:avLst/>
-          </a:prstGeom>
-          <a:noFill/>
-        </p:spPr>
-        <p:txBody>
-          <a:bodyPr wrap="square" rtlCol="0">
-            <a:spAutoFit/>
-          </a:bodyPr>
-          <a:lstStyle/>
-          <a:p>
-            <a:r>
-              <a:rPr lang="fr-FR" sz="2500" dirty="0">
-                <a:solidFill>
-                  <a:srgbClr val="FF5050"/>
-                </a:solidFill>
-                <a:latin typeface="Montserrat" panose="00000500000000000000" pitchFamily="2" charset="0"/>
-              </a:rPr>
-              <a:t>Liberté</a:t>
-            </a:r>
-          </a:p>
-        </p:txBody>
-      </p:sp>
     </p:spTree>
     <p:extLst>
       <p:ext uri="{BB962C8B-B14F-4D97-AF65-F5344CB8AC3E}">
@@ -12662,6 +13463,13 @@
   <p:clrMapOvr>
     <a:masterClrMapping/>
   </p:clrMapOvr>
+  <p:timing>
+    <p:tnLst>
+      <p:par>
+        <p:cTn id="1" dur="indefinite" restart="never" nodeType="tmRoot"/>
+      </p:par>
+    </p:tnLst>
+  </p:timing>
 </p:sld>
 </file>
 

--- a/Powerpoint/1oral.pptx
+++ b/Powerpoint/1oral.pptx
@@ -5,17 +5,20 @@
     <p:sldMasterId id="2147483648" r:id="rId1"/>
   </p:sldMasterIdLst>
   <p:notesMasterIdLst>
-    <p:notesMasterId r:id="rId10"/>
+    <p:notesMasterId r:id="rId13"/>
   </p:notesMasterIdLst>
   <p:sldIdLst>
     <p:sldId id="256" r:id="rId2"/>
-    <p:sldId id="294" r:id="rId3"/>
-    <p:sldId id="303" r:id="rId4"/>
-    <p:sldId id="304" r:id="rId5"/>
-    <p:sldId id="305" r:id="rId6"/>
-    <p:sldId id="306" r:id="rId7"/>
-    <p:sldId id="308" r:id="rId8"/>
-    <p:sldId id="307" r:id="rId9"/>
+    <p:sldId id="309" r:id="rId3"/>
+    <p:sldId id="294" r:id="rId4"/>
+    <p:sldId id="303" r:id="rId5"/>
+    <p:sldId id="311" r:id="rId6"/>
+    <p:sldId id="304" r:id="rId7"/>
+    <p:sldId id="306" r:id="rId8"/>
+    <p:sldId id="308" r:id="rId9"/>
+    <p:sldId id="305" r:id="rId10"/>
+    <p:sldId id="310" r:id="rId11"/>
+    <p:sldId id="307" r:id="rId12"/>
   </p:sldIdLst>
   <p:sldSz cx="12192000" cy="6858000"/>
   <p:notesSz cx="6858000" cy="9144000"/>
@@ -204,7 +207,7 @@
           <a:p>
             <a:fld id="{816D0601-24D1-4243-BFD2-053D374A8230}" type="datetimeFigureOut">
               <a:rPr lang="en-US" smtClean="0"/>
-              <a:t>12/13/2021</a:t>
+              <a:t>12/14/2021</a:t>
             </a:fld>
             <a:endParaRPr lang="en-US"/>
           </a:p>
@@ -586,7 +589,7 @@
       </p:sp>
       <p:sp>
         <p:nvSpPr>
-          <p:cNvPr id="3" name="Espace réservé des notes 2"/>
+          <p:cNvPr id="3" name="Espace réservé des commentaires 2"/>
           <p:cNvSpPr>
             <a:spLocks noGrp="1"/>
           </p:cNvSpPr>
@@ -599,7 +602,7 @@
           <a:bodyPr/>
           <a:lstStyle/>
           <a:p>
-            <a:endParaRPr lang="fr-FR" dirty="0"/>
+            <a:endParaRPr lang="fr-FR"/>
           </a:p>
         </p:txBody>
       </p:sp>
@@ -610,7 +613,7 @@
             <a:spLocks noGrp="1"/>
           </p:cNvSpPr>
           <p:nvPr>
-            <p:ph type="sldNum" sz="quarter" idx="5"/>
+            <p:ph type="sldNum" sz="quarter" idx="10"/>
           </p:nvPr>
         </p:nvSpPr>
         <p:spPr/>
@@ -620,7 +623,7 @@
           <a:p>
             <a:fld id="{C7F3E677-5D4F-4C56-B104-01504E7F8766}" type="slidenum">
               <a:rPr lang="en-US" smtClean="0"/>
-              <a:t>4</a:t>
+              <a:t>2</a:t>
             </a:fld>
             <a:endParaRPr lang="en-US"/>
           </a:p>
@@ -629,7 +632,7 @@
     </p:spTree>
     <p:extLst>
       <p:ext uri="{BB962C8B-B14F-4D97-AF65-F5344CB8AC3E}">
-        <p14:creationId xmlns:p14="http://schemas.microsoft.com/office/powerpoint/2010/main" val="2455510802"/>
+        <p14:creationId xmlns:p14="http://schemas.microsoft.com/office/powerpoint/2010/main" val="4164675210"/>
       </p:ext>
     </p:extLst>
   </p:cSld>
@@ -670,7 +673,7 @@
       </p:sp>
       <p:sp>
         <p:nvSpPr>
-          <p:cNvPr id="3" name="Espace réservé des notes 2"/>
+          <p:cNvPr id="3" name="Espace réservé des commentaires 2"/>
           <p:cNvSpPr>
             <a:spLocks noGrp="1"/>
           </p:cNvSpPr>
@@ -683,7 +686,7 @@
           <a:bodyPr/>
           <a:lstStyle/>
           <a:p>
-            <a:endParaRPr lang="fr-FR" dirty="0"/>
+            <a:endParaRPr lang="fr-FR"/>
           </a:p>
         </p:txBody>
       </p:sp>
@@ -694,7 +697,7 @@
             <a:spLocks noGrp="1"/>
           </p:cNvSpPr>
           <p:nvPr>
-            <p:ph type="sldNum" sz="quarter" idx="5"/>
+            <p:ph type="sldNum" sz="quarter" idx="10"/>
           </p:nvPr>
         </p:nvSpPr>
         <p:spPr/>
@@ -704,7 +707,7 @@
           <a:p>
             <a:fld id="{C7F3E677-5D4F-4C56-B104-01504E7F8766}" type="slidenum">
               <a:rPr lang="en-US" smtClean="0"/>
-              <a:t>6</a:t>
+              <a:t>3</a:t>
             </a:fld>
             <a:endParaRPr lang="en-US"/>
           </a:p>
@@ -713,7 +716,7 @@
     </p:spTree>
     <p:extLst>
       <p:ext uri="{BB962C8B-B14F-4D97-AF65-F5344CB8AC3E}">
-        <p14:creationId xmlns:p14="http://schemas.microsoft.com/office/powerpoint/2010/main" val="2535522373"/>
+        <p14:creationId xmlns:p14="http://schemas.microsoft.com/office/powerpoint/2010/main" val="1258848337"/>
       </p:ext>
     </p:extLst>
   </p:cSld>
@@ -788,7 +791,175 @@
           <a:p>
             <a:fld id="{C7F3E677-5D4F-4C56-B104-01504E7F8766}" type="slidenum">
               <a:rPr lang="en-US" smtClean="0"/>
+              <a:t>6</a:t>
+            </a:fld>
+            <a:endParaRPr lang="en-US"/>
+          </a:p>
+        </p:txBody>
+      </p:sp>
+    </p:spTree>
+    <p:extLst>
+      <p:ext uri="{BB962C8B-B14F-4D97-AF65-F5344CB8AC3E}">
+        <p14:creationId xmlns:p14="http://schemas.microsoft.com/office/powerpoint/2010/main" val="2455510802"/>
+      </p:ext>
+    </p:extLst>
+  </p:cSld>
+  <p:clrMapOvr>
+    <a:masterClrMapping/>
+  </p:clrMapOvr>
+</p:notes>
+</file>
+
+<file path=ppt/notesSlides/notesSlide5.xml><?xml version="1.0" encoding="utf-8"?>
+<p:notes xmlns:a="http://schemas.openxmlformats.org/drawingml/2006/main" xmlns:r="http://schemas.openxmlformats.org/officeDocument/2006/relationships" xmlns:p="http://schemas.openxmlformats.org/presentationml/2006/main">
+  <p:cSld>
+    <p:spTree>
+      <p:nvGrpSpPr>
+        <p:cNvPr id="1" name=""/>
+        <p:cNvGrpSpPr/>
+        <p:nvPr/>
+      </p:nvGrpSpPr>
+      <p:grpSpPr>
+        <a:xfrm>
+          <a:off x="0" y="0"/>
+          <a:ext cx="0" cy="0"/>
+          <a:chOff x="0" y="0"/>
+          <a:chExt cx="0" cy="0"/>
+        </a:xfrm>
+      </p:grpSpPr>
+      <p:sp>
+        <p:nvSpPr>
+          <p:cNvPr id="2" name="Espace réservé de l'image des diapositives 1"/>
+          <p:cNvSpPr>
+            <a:spLocks noGrp="1" noRot="1" noChangeAspect="1"/>
+          </p:cNvSpPr>
+          <p:nvPr>
+            <p:ph type="sldImg"/>
+          </p:nvPr>
+        </p:nvSpPr>
+        <p:spPr/>
+      </p:sp>
+      <p:sp>
+        <p:nvSpPr>
+          <p:cNvPr id="3" name="Espace réservé des notes 2"/>
+          <p:cNvSpPr>
+            <a:spLocks noGrp="1"/>
+          </p:cNvSpPr>
+          <p:nvPr>
+            <p:ph type="body" idx="1"/>
+          </p:nvPr>
+        </p:nvSpPr>
+        <p:spPr/>
+        <p:txBody>
+          <a:bodyPr/>
+          <a:lstStyle/>
+          <a:p>
+            <a:endParaRPr lang="fr-FR" dirty="0"/>
+          </a:p>
+        </p:txBody>
+      </p:sp>
+      <p:sp>
+        <p:nvSpPr>
+          <p:cNvPr id="4" name="Espace réservé du numéro de diapositive 3"/>
+          <p:cNvSpPr>
+            <a:spLocks noGrp="1"/>
+          </p:cNvSpPr>
+          <p:nvPr>
+            <p:ph type="sldNum" sz="quarter" idx="5"/>
+          </p:nvPr>
+        </p:nvSpPr>
+        <p:spPr/>
+        <p:txBody>
+          <a:bodyPr/>
+          <a:lstStyle/>
+          <a:p>
+            <a:fld id="{C7F3E677-5D4F-4C56-B104-01504E7F8766}" type="slidenum">
+              <a:rPr lang="en-US" smtClean="0"/>
               <a:t>7</a:t>
+            </a:fld>
+            <a:endParaRPr lang="en-US"/>
+          </a:p>
+        </p:txBody>
+      </p:sp>
+    </p:spTree>
+    <p:extLst>
+      <p:ext uri="{BB962C8B-B14F-4D97-AF65-F5344CB8AC3E}">
+        <p14:creationId xmlns:p14="http://schemas.microsoft.com/office/powerpoint/2010/main" val="2535522373"/>
+      </p:ext>
+    </p:extLst>
+  </p:cSld>
+  <p:clrMapOvr>
+    <a:masterClrMapping/>
+  </p:clrMapOvr>
+</p:notes>
+</file>
+
+<file path=ppt/notesSlides/notesSlide6.xml><?xml version="1.0" encoding="utf-8"?>
+<p:notes xmlns:a="http://schemas.openxmlformats.org/drawingml/2006/main" xmlns:r="http://schemas.openxmlformats.org/officeDocument/2006/relationships" xmlns:p="http://schemas.openxmlformats.org/presentationml/2006/main">
+  <p:cSld>
+    <p:spTree>
+      <p:nvGrpSpPr>
+        <p:cNvPr id="1" name=""/>
+        <p:cNvGrpSpPr/>
+        <p:nvPr/>
+      </p:nvGrpSpPr>
+      <p:grpSpPr>
+        <a:xfrm>
+          <a:off x="0" y="0"/>
+          <a:ext cx="0" cy="0"/>
+          <a:chOff x="0" y="0"/>
+          <a:chExt cx="0" cy="0"/>
+        </a:xfrm>
+      </p:grpSpPr>
+      <p:sp>
+        <p:nvSpPr>
+          <p:cNvPr id="2" name="Espace réservé de l'image des diapositives 1"/>
+          <p:cNvSpPr>
+            <a:spLocks noGrp="1" noRot="1" noChangeAspect="1"/>
+          </p:cNvSpPr>
+          <p:nvPr>
+            <p:ph type="sldImg"/>
+          </p:nvPr>
+        </p:nvSpPr>
+        <p:spPr/>
+      </p:sp>
+      <p:sp>
+        <p:nvSpPr>
+          <p:cNvPr id="3" name="Espace réservé des notes 2"/>
+          <p:cNvSpPr>
+            <a:spLocks noGrp="1"/>
+          </p:cNvSpPr>
+          <p:nvPr>
+            <p:ph type="body" idx="1"/>
+          </p:nvPr>
+        </p:nvSpPr>
+        <p:spPr/>
+        <p:txBody>
+          <a:bodyPr/>
+          <a:lstStyle/>
+          <a:p>
+            <a:endParaRPr lang="fr-FR" dirty="0"/>
+          </a:p>
+        </p:txBody>
+      </p:sp>
+      <p:sp>
+        <p:nvSpPr>
+          <p:cNvPr id="4" name="Espace réservé du numéro de diapositive 3"/>
+          <p:cNvSpPr>
+            <a:spLocks noGrp="1"/>
+          </p:cNvSpPr>
+          <p:nvPr>
+            <p:ph type="sldNum" sz="quarter" idx="5"/>
+          </p:nvPr>
+        </p:nvSpPr>
+        <p:spPr/>
+        <p:txBody>
+          <a:bodyPr/>
+          <a:lstStyle/>
+          <a:p>
+            <a:fld id="{C7F3E677-5D4F-4C56-B104-01504E7F8766}" type="slidenum">
+              <a:rPr lang="en-US" smtClean="0"/>
+              <a:t>8</a:t>
             </a:fld>
             <a:endParaRPr lang="en-US"/>
           </a:p>
@@ -936,7 +1107,7 @@
           <a:p>
             <a:fld id="{BE7C872D-C668-4AF2-BCBD-16EDD74B9A2D}" type="datetimeFigureOut">
               <a:rPr lang="en-US" smtClean="0"/>
-              <a:t>12/13/2021</a:t>
+              <a:t>12/14/2021</a:t>
             </a:fld>
             <a:endParaRPr lang="en-US"/>
           </a:p>
@@ -1104,7 +1275,7 @@
           <a:p>
             <a:fld id="{BE7C872D-C668-4AF2-BCBD-16EDD74B9A2D}" type="datetimeFigureOut">
               <a:rPr lang="en-US" smtClean="0"/>
-              <a:t>12/13/2021</a:t>
+              <a:t>12/14/2021</a:t>
             </a:fld>
             <a:endParaRPr lang="en-US"/>
           </a:p>
@@ -1282,7 +1453,7 @@
           <a:p>
             <a:fld id="{BE7C872D-C668-4AF2-BCBD-16EDD74B9A2D}" type="datetimeFigureOut">
               <a:rPr lang="en-US" smtClean="0"/>
-              <a:t>12/13/2021</a:t>
+              <a:t>12/14/2021</a:t>
             </a:fld>
             <a:endParaRPr lang="en-US"/>
           </a:p>
@@ -1599,7 +1770,7 @@
           <a:p>
             <a:fld id="{BE7C872D-C668-4AF2-BCBD-16EDD74B9A2D}" type="datetimeFigureOut">
               <a:rPr lang="en-US" smtClean="0"/>
-              <a:t>12/13/2021</a:t>
+              <a:t>12/14/2021</a:t>
             </a:fld>
             <a:endParaRPr lang="en-US"/>
           </a:p>
@@ -1844,7 +2015,7 @@
           <a:p>
             <a:fld id="{BE7C872D-C668-4AF2-BCBD-16EDD74B9A2D}" type="datetimeFigureOut">
               <a:rPr lang="en-US" smtClean="0"/>
-              <a:t>12/13/2021</a:t>
+              <a:t>12/14/2021</a:t>
             </a:fld>
             <a:endParaRPr lang="en-US"/>
           </a:p>
@@ -2073,7 +2244,7 @@
           <a:p>
             <a:fld id="{BE7C872D-C668-4AF2-BCBD-16EDD74B9A2D}" type="datetimeFigureOut">
               <a:rPr lang="en-US" smtClean="0"/>
-              <a:t>12/13/2021</a:t>
+              <a:t>12/14/2021</a:t>
             </a:fld>
             <a:endParaRPr lang="en-US"/>
           </a:p>
@@ -2437,7 +2608,7 @@
           <a:p>
             <a:fld id="{BE7C872D-C668-4AF2-BCBD-16EDD74B9A2D}" type="datetimeFigureOut">
               <a:rPr lang="en-US" smtClean="0"/>
-              <a:t>12/13/2021</a:t>
+              <a:t>12/14/2021</a:t>
             </a:fld>
             <a:endParaRPr lang="en-US"/>
           </a:p>
@@ -2554,7 +2725,7 @@
           <a:p>
             <a:fld id="{BE7C872D-C668-4AF2-BCBD-16EDD74B9A2D}" type="datetimeFigureOut">
               <a:rPr lang="en-US" smtClean="0"/>
-              <a:t>12/13/2021</a:t>
+              <a:t>12/14/2021</a:t>
             </a:fld>
             <a:endParaRPr lang="en-US"/>
           </a:p>
@@ -2649,7 +2820,7 @@
           <a:p>
             <a:fld id="{BE7C872D-C668-4AF2-BCBD-16EDD74B9A2D}" type="datetimeFigureOut">
               <a:rPr lang="en-US" smtClean="0"/>
-              <a:t>12/13/2021</a:t>
+              <a:t>12/14/2021</a:t>
             </a:fld>
             <a:endParaRPr lang="en-US"/>
           </a:p>
@@ -2924,7 +3095,7 @@
           <a:p>
             <a:fld id="{BE7C872D-C668-4AF2-BCBD-16EDD74B9A2D}" type="datetimeFigureOut">
               <a:rPr lang="en-US" smtClean="0"/>
-              <a:t>12/13/2021</a:t>
+              <a:t>12/14/2021</a:t>
             </a:fld>
             <a:endParaRPr lang="en-US"/>
           </a:p>
@@ -3176,7 +3347,7 @@
           <a:p>
             <a:fld id="{BE7C872D-C668-4AF2-BCBD-16EDD74B9A2D}" type="datetimeFigureOut">
               <a:rPr lang="en-US" smtClean="0"/>
-              <a:t>12/13/2021</a:t>
+              <a:t>12/14/2021</a:t>
             </a:fld>
             <a:endParaRPr lang="en-US"/>
           </a:p>
@@ -3397,7 +3568,7 @@
           <a:p>
             <a:fld id="{BE7C872D-C668-4AF2-BCBD-16EDD74B9A2D}" type="datetimeFigureOut">
               <a:rPr lang="en-US" smtClean="0"/>
-              <a:t>12/13/2021</a:t>
+              <a:t>12/14/2021</a:t>
             </a:fld>
             <a:endParaRPr lang="en-US"/>
           </a:p>
@@ -4025,21 +4196,6 @@
           <a:p>
             <a:pPr algn="ctr"/>
             <a:r>
-              <a:rPr lang="en-US" sz="7000" b="1" dirty="0" err="1">
-                <a:ln w="22225">
-                  <a:solidFill>
-                    <a:schemeClr val="accent2"/>
-                  </a:solidFill>
-                  <a:prstDash val="solid"/>
-                </a:ln>
-                <a:solidFill>
-                  <a:schemeClr val="bg1"/>
-                </a:solidFill>
-                <a:latin typeface="Montserrat" panose="00000500000000000000" pitchFamily="2" charset="0"/>
-              </a:rPr>
-              <a:t>Projet</a:t>
-            </a:r>
-            <a:r>
               <a:rPr lang="en-US" sz="7000" b="1" dirty="0">
                 <a:ln w="22225">
                   <a:solidFill>
@@ -4052,78 +4208,11 @@
                 </a:solidFill>
                 <a:latin typeface="Montserrat" panose="00000500000000000000" pitchFamily="2" charset="0"/>
               </a:rPr>
-              <a:t> </a:t>
+              <a:t>Projet Patchistiks</a:t>
             </a:r>
-            <a:r>
-              <a:rPr lang="en-US" sz="7000" b="1" dirty="0" err="1">
-                <a:ln w="22225">
-                  <a:solidFill>
-                    <a:schemeClr val="accent2"/>
-                  </a:solidFill>
-                  <a:prstDash val="solid"/>
-                </a:ln>
-                <a:solidFill>
-                  <a:schemeClr val="bg1"/>
-                </a:solidFill>
-                <a:latin typeface="Montserrat" panose="00000500000000000000" pitchFamily="2" charset="0"/>
-              </a:rPr>
-              <a:t>Patchistiks</a:t>
-            </a:r>
-            <a:endParaRPr lang="en-US" sz="7000" b="1" dirty="0">
-              <a:ln w="22225">
-                <a:solidFill>
-                  <a:schemeClr val="accent2"/>
-                </a:solidFill>
-                <a:prstDash val="solid"/>
-              </a:ln>
-              <a:solidFill>
-                <a:schemeClr val="bg1"/>
-              </a:solidFill>
-              <a:latin typeface="Montserrat" panose="00000500000000000000" pitchFamily="2" charset="0"/>
-            </a:endParaRPr>
           </a:p>
         </p:txBody>
       </p:sp>
-      <p:pic>
-        <p:nvPicPr>
-          <p:cNvPr id="14" name="Picture 13">
-            <a:hlinkClick r:id="rId3"/>
-          </p:cNvPr>
-          <p:cNvPicPr>
-            <a:picLocks noChangeAspect="1"/>
-          </p:cNvPicPr>
-          <p:nvPr/>
-        </p:nvPicPr>
-        <p:blipFill>
-          <a:blip r:embed="rId4" cstate="print">
-            <a:extLst>
-              <a:ext uri="{28A0092B-C50C-407E-A947-70E740481C1C}">
-                <a14:useLocalDpi xmlns:a14="http://schemas.microsoft.com/office/drawing/2010/main" val="0"/>
-              </a:ext>
-            </a:extLst>
-          </a:blip>
-          <a:stretch>
-            <a:fillRect/>
-          </a:stretch>
-        </p:blipFill>
-        <p:spPr>
-          <a:xfrm>
-            <a:off x="11816000" y="6793753"/>
-            <a:ext cx="365760" cy="98854"/>
-          </a:xfrm>
-          <a:prstGeom prst="rect">
-            <a:avLst/>
-          </a:prstGeom>
-          <a:noFill/>
-          <a:effectLst>
-            <a:glow rad="63500">
-              <a:schemeClr val="bg1">
-                <a:alpha val="45000"/>
-              </a:schemeClr>
-            </a:glow>
-          </a:effectLst>
-        </p:spPr>
-      </p:pic>
       <p:grpSp>
         <p:nvGrpSpPr>
           <p:cNvPr id="2" name="Group 1"/>
@@ -4526,7 +4615,7 @@
           <p:sp>
             <p:nvSpPr>
               <p:cNvPr id="23" name="TextBox 22">
-                <a:hlinkClick r:id="rId5"/>
+                <a:hlinkClick r:id="rId3"/>
               </p:cNvPr>
               <p:cNvSpPr txBox="1">
                 <a:spLocks noChangeAspect="1"/>
@@ -4648,24 +4737,59 @@
                                   </p:childTnLst>
                                 </p:cTn>
                               </p:par>
-                            </p:childTnLst>
-                          </p:cTn>
-                        </p:par>
-                        <p:par>
-                          <p:cTn id="8" fill="hold">
-                            <p:stCondLst>
-                              <p:cond delay="500"/>
-                            </p:stCondLst>
-                            <p:childTnLst>
                               <p:par>
-                                <p:cTn id="9" presetID="37" presetClass="entr" presetSubtype="0" fill="hold" nodeType="afterEffect">
+                                <p:cTn id="8" presetID="22" presetClass="entr" presetSubtype="8" fill="hold" grpId="0" nodeType="withEffect">
                                   <p:stCondLst>
                                     <p:cond delay="0"/>
                                   </p:stCondLst>
                                   <p:childTnLst>
                                     <p:set>
                                       <p:cBhvr>
-                                        <p:cTn id="10" dur="1" fill="hold">
+                                        <p:cTn id="9" dur="1" fill="hold">
+                                          <p:stCondLst>
+                                            <p:cond delay="0"/>
+                                          </p:stCondLst>
+                                        </p:cTn>
+                                        <p:tgtEl>
+                                          <p:spTgt spid="7"/>
+                                        </p:tgtEl>
+                                        <p:attrNameLst>
+                                          <p:attrName>style.visibility</p:attrName>
+                                        </p:attrNameLst>
+                                      </p:cBhvr>
+                                      <p:to>
+                                        <p:strVal val="visible"/>
+                                      </p:to>
+                                    </p:set>
+                                    <p:animEffect transition="in" filter="wipe(left)">
+                                      <p:cBhvr>
+                                        <p:cTn id="10" dur="500"/>
+                                        <p:tgtEl>
+                                          <p:spTgt spid="7"/>
+                                        </p:tgtEl>
+                                      </p:cBhvr>
+                                    </p:animEffect>
+                                  </p:childTnLst>
+                                </p:cTn>
+                              </p:par>
+                            </p:childTnLst>
+                          </p:cTn>
+                        </p:par>
+                        <p:par>
+                          <p:cTn id="11" fill="hold">
+                            <p:stCondLst>
+                              <p:cond delay="500"/>
+                            </p:stCondLst>
+                            <p:childTnLst>
+                              <p:par>
+                                <p:cTn id="12" presetID="37" presetClass="entr" presetSubtype="0" fill="hold" nodeType="afterEffect">
+                                  <p:stCondLst>
+                                    <p:cond delay="0"/>
+                                  </p:stCondLst>
+                                  <p:childTnLst>
+                                    <p:set>
+                                      <p:cBhvr>
+                                        <p:cTn id="13" dur="1" fill="hold">
                                           <p:stCondLst>
                                             <p:cond delay="0"/>
                                           </p:stCondLst>
@@ -4683,7 +4807,7 @@
                                     </p:set>
                                     <p:animEffect transition="in" filter="fade">
                                       <p:cBhvr>
-                                        <p:cTn id="11" dur="1000"/>
+                                        <p:cTn id="14" dur="1000"/>
                                         <p:tgtEl>
                                           <p:spTgt spid="2"/>
                                         </p:tgtEl>
@@ -4691,7 +4815,7 @@
                                     </p:animEffect>
                                     <p:anim calcmode="lin" valueType="num">
                                       <p:cBhvr>
-                                        <p:cTn id="12" dur="1000" fill="hold"/>
+                                        <p:cTn id="15" dur="1000" fill="hold"/>
                                         <p:tgtEl>
                                           <p:spTgt spid="2"/>
                                         </p:tgtEl>
@@ -4714,7 +4838,7 @@
                                     </p:anim>
                                     <p:anim calcmode="lin" valueType="num">
                                       <p:cBhvr>
-                                        <p:cTn id="13" dur="900" decel="100000" fill="hold"/>
+                                        <p:cTn id="16" dur="900" decel="100000" fill="hold"/>
                                         <p:tgtEl>
                                           <p:spTgt spid="2"/>
                                         </p:tgtEl>
@@ -4737,7 +4861,7 @@
                                     </p:anim>
                                     <p:anim calcmode="lin" valueType="num">
                                       <p:cBhvr>
-                                        <p:cTn id="14" dur="100" accel="100000" fill="hold">
+                                        <p:cTn id="17" dur="100" accel="100000" fill="hold">
                                           <p:stCondLst>
                                             <p:cond delay="900"/>
                                           </p:stCondLst>
@@ -4794,12 +4918,889 @@
     </p:tnLst>
     <p:bldLst>
       <p:bldP spid="10" grpId="0" animBg="1"/>
+      <p:bldP spid="7" grpId="0"/>
     </p:bldLst>
   </p:timing>
 </p:sld>
 </file>
 
+<file path=ppt/slides/slide10.xml><?xml version="1.0" encoding="utf-8"?>
+<p:sld xmlns:a="http://schemas.openxmlformats.org/drawingml/2006/main" xmlns:r="http://schemas.openxmlformats.org/officeDocument/2006/relationships" xmlns:p="http://schemas.openxmlformats.org/presentationml/2006/main">
+  <p:cSld>
+    <p:spTree>
+      <p:nvGrpSpPr>
+        <p:cNvPr id="1" name=""/>
+        <p:cNvGrpSpPr/>
+        <p:nvPr/>
+      </p:nvGrpSpPr>
+      <p:grpSpPr>
+        <a:xfrm>
+          <a:off x="0" y="0"/>
+          <a:ext cx="0" cy="0"/>
+          <a:chOff x="0" y="0"/>
+          <a:chExt cx="0" cy="0"/>
+        </a:xfrm>
+      </p:grpSpPr>
+      <p:sp>
+        <p:nvSpPr>
+          <p:cNvPr id="7" name="Rectangle 6">
+            <a:extLst>
+              <a:ext uri="{FF2B5EF4-FFF2-40B4-BE49-F238E27FC236}">
+                <a16:creationId xmlns="" xmlns:a16="http://schemas.microsoft.com/office/drawing/2014/main" id="{A003644B-0517-4C25-81A9-88734284C62D}"/>
+              </a:ext>
+            </a:extLst>
+          </p:cNvPr>
+          <p:cNvSpPr/>
+          <p:nvPr/>
+        </p:nvSpPr>
+        <p:spPr>
+          <a:xfrm>
+            <a:off x="5261641" y="276956"/>
+            <a:ext cx="1668715" cy="769441"/>
+          </a:xfrm>
+          <a:prstGeom prst="rect">
+            <a:avLst/>
+          </a:prstGeom>
+          <a:solidFill>
+            <a:srgbClr val="44546B"/>
+          </a:solidFill>
+          <a:ln w="6350">
+            <a:solidFill>
+              <a:schemeClr val="bg1"/>
+            </a:solidFill>
+          </a:ln>
+          <a:effectLst>
+            <a:outerShdw blurRad="50800" dist="38100" dir="2700000" algn="tl" rotWithShape="0">
+              <a:prstClr val="black">
+                <a:alpha val="40000"/>
+              </a:prstClr>
+            </a:outerShdw>
+          </a:effectLst>
+        </p:spPr>
+        <p:txBody>
+          <a:bodyPr wrap="square" anchor="ctr" anchorCtr="1">
+            <a:spAutoFit/>
+          </a:bodyPr>
+          <a:lstStyle/>
+          <a:p>
+            <a:pPr algn="ctr" defTabSz="1450940"/>
+            <a:r>
+              <a:rPr lang="en-US" sz="4400" b="1" dirty="0" smtClean="0">
+                <a:solidFill>
+                  <a:schemeClr val="bg1"/>
+                </a:solidFill>
+                <a:latin typeface="Montserrat" panose="00000500000000000000" pitchFamily="2" charset="0"/>
+                <a:ea typeface="Open Sans" pitchFamily="34" charset="0"/>
+                <a:cs typeface="Open Sans" pitchFamily="34" charset="0"/>
+              </a:rPr>
+              <a:t>MLD</a:t>
+            </a:r>
+            <a:endParaRPr lang="en-US" sz="4400" b="1" dirty="0">
+              <a:solidFill>
+                <a:schemeClr val="bg1"/>
+              </a:solidFill>
+              <a:latin typeface="Montserrat" panose="00000500000000000000" pitchFamily="2" charset="0"/>
+              <a:ea typeface="Open Sans" pitchFamily="34" charset="0"/>
+              <a:cs typeface="Open Sans" pitchFamily="34" charset="0"/>
+            </a:endParaRPr>
+          </a:p>
+        </p:txBody>
+      </p:sp>
+      <p:pic>
+        <p:nvPicPr>
+          <p:cNvPr id="9" name="Image 8">
+            <a:extLst>
+              <a:ext uri="{FF2B5EF4-FFF2-40B4-BE49-F238E27FC236}">
+                <a16:creationId xmlns="" xmlns:a16="http://schemas.microsoft.com/office/drawing/2014/main" id="{1366B692-252C-4A69-975D-47BAA9E87CDB}"/>
+              </a:ext>
+            </a:extLst>
+          </p:cNvPr>
+          <p:cNvPicPr>
+            <a:picLocks noChangeAspect="1"/>
+          </p:cNvPicPr>
+          <p:nvPr/>
+        </p:nvPicPr>
+        <p:blipFill>
+          <a:blip r:embed="rId2"/>
+          <a:stretch>
+            <a:fillRect/>
+          </a:stretch>
+        </p:blipFill>
+        <p:spPr>
+          <a:xfrm>
+            <a:off x="1862135" y="1223571"/>
+            <a:ext cx="8467729" cy="5492385"/>
+          </a:xfrm>
+          <a:prstGeom prst="rect">
+            <a:avLst/>
+          </a:prstGeom>
+          <a:ln>
+            <a:noFill/>
+          </a:ln>
+          <a:effectLst>
+            <a:softEdge rad="112500"/>
+          </a:effectLst>
+        </p:spPr>
+      </p:pic>
+      <p:pic>
+        <p:nvPicPr>
+          <p:cNvPr id="2" name="Image 1"/>
+          <p:cNvPicPr>
+            <a:picLocks noChangeAspect="1"/>
+          </p:cNvPicPr>
+          <p:nvPr/>
+        </p:nvPicPr>
+        <p:blipFill>
+          <a:blip r:embed="rId3">
+            <a:extLst>
+              <a:ext uri="{28A0092B-C50C-407E-A947-70E740481C1C}">
+                <a14:useLocalDpi xmlns:a14="http://schemas.microsoft.com/office/drawing/2010/main" val="0"/>
+              </a:ext>
+            </a:extLst>
+          </a:blip>
+          <a:stretch>
+            <a:fillRect/>
+          </a:stretch>
+        </p:blipFill>
+        <p:spPr>
+          <a:xfrm>
+            <a:off x="1862134" y="1223570"/>
+            <a:ext cx="8467729" cy="5492386"/>
+          </a:xfrm>
+          <a:prstGeom prst="rect">
+            <a:avLst/>
+          </a:prstGeom>
+        </p:spPr>
+      </p:pic>
+    </p:spTree>
+    <p:extLst>
+      <p:ext uri="{BB962C8B-B14F-4D97-AF65-F5344CB8AC3E}">
+        <p14:creationId xmlns:p14="http://schemas.microsoft.com/office/powerpoint/2010/main" val="2416552280"/>
+      </p:ext>
+    </p:extLst>
+  </p:cSld>
+  <p:clrMapOvr>
+    <a:masterClrMapping/>
+  </p:clrMapOvr>
+  <p:timing>
+    <p:tnLst>
+      <p:par>
+        <p:cTn id="1" dur="indefinite" restart="never" nodeType="tmRoot"/>
+      </p:par>
+    </p:tnLst>
+  </p:timing>
+</p:sld>
+</file>
+
+<file path=ppt/slides/slide11.xml><?xml version="1.0" encoding="utf-8"?>
+<p:sld xmlns:a="http://schemas.openxmlformats.org/drawingml/2006/main" xmlns:r="http://schemas.openxmlformats.org/officeDocument/2006/relationships" xmlns:p="http://schemas.openxmlformats.org/presentationml/2006/main">
+  <p:cSld>
+    <p:bg>
+      <p:bgPr>
+        <a:blipFill dpi="0" rotWithShape="1">
+          <a:blip r:embed="rId2">
+            <a:alphaModFix amt="85000"/>
+            <a:lum/>
+          </a:blip>
+          <a:srcRect/>
+          <a:stretch>
+            <a:fillRect/>
+          </a:stretch>
+        </a:blipFill>
+        <a:effectLst/>
+      </p:bgPr>
+    </p:bg>
+    <p:spTree>
+      <p:nvGrpSpPr>
+        <p:cNvPr id="1" name=""/>
+        <p:cNvGrpSpPr/>
+        <p:nvPr/>
+      </p:nvGrpSpPr>
+      <p:grpSpPr>
+        <a:xfrm>
+          <a:off x="0" y="0"/>
+          <a:ext cx="0" cy="0"/>
+          <a:chOff x="0" y="0"/>
+          <a:chExt cx="0" cy="0"/>
+        </a:xfrm>
+      </p:grpSpPr>
+      <p:sp>
+        <p:nvSpPr>
+          <p:cNvPr id="4" name="Rectangle 3">
+            <a:extLst>
+              <a:ext uri="{FF2B5EF4-FFF2-40B4-BE49-F238E27FC236}">
+                <a16:creationId xmlns="" xmlns:a16="http://schemas.microsoft.com/office/drawing/2014/main" id="{B7C3D3F0-D0A4-4876-946C-FED03D67850D}"/>
+              </a:ext>
+            </a:extLst>
+          </p:cNvPr>
+          <p:cNvSpPr/>
+          <p:nvPr/>
+        </p:nvSpPr>
+        <p:spPr>
+          <a:xfrm>
+            <a:off x="5181600" y="276957"/>
+            <a:ext cx="1828800" cy="769441"/>
+          </a:xfrm>
+          <a:prstGeom prst="rect">
+            <a:avLst/>
+          </a:prstGeom>
+          <a:solidFill>
+            <a:srgbClr val="EF3425"/>
+          </a:solidFill>
+          <a:ln w="6350">
+            <a:solidFill>
+              <a:schemeClr val="bg1"/>
+            </a:solidFill>
+          </a:ln>
+          <a:effectLst>
+            <a:outerShdw blurRad="50800" dist="38100" dir="2700000" algn="tl" rotWithShape="0">
+              <a:prstClr val="black">
+                <a:alpha val="40000"/>
+              </a:prstClr>
+            </a:outerShdw>
+          </a:effectLst>
+        </p:spPr>
+        <p:txBody>
+          <a:bodyPr wrap="square" anchor="ctr" anchorCtr="1">
+            <a:spAutoFit/>
+          </a:bodyPr>
+          <a:lstStyle/>
+          <a:p>
+            <a:pPr algn="ctr" defTabSz="1450940"/>
+            <a:r>
+              <a:rPr lang="en-US" sz="4400" b="1" dirty="0">
+                <a:solidFill>
+                  <a:schemeClr val="bg1"/>
+                </a:solidFill>
+                <a:latin typeface="Candara" panose="020E0502030303020204" pitchFamily="34" charset="0"/>
+                <a:ea typeface="Open Sans" pitchFamily="34" charset="0"/>
+                <a:cs typeface="Open Sans" pitchFamily="34" charset="0"/>
+              </a:rPr>
+              <a:t>MCD</a:t>
+            </a:r>
+          </a:p>
+        </p:txBody>
+      </p:sp>
+      <p:cxnSp>
+        <p:nvCxnSpPr>
+          <p:cNvPr id="6" name="Connecteur droit 5">
+            <a:extLst>
+              <a:ext uri="{FF2B5EF4-FFF2-40B4-BE49-F238E27FC236}">
+                <a16:creationId xmlns="" xmlns:a16="http://schemas.microsoft.com/office/drawing/2014/main" id="{BC1E5C23-C120-4FDC-8078-E6B67C84ACE0}"/>
+              </a:ext>
+            </a:extLst>
+          </p:cNvPr>
+          <p:cNvCxnSpPr>
+            <a:cxnSpLocks/>
+            <a:stCxn id="3" idx="2"/>
+          </p:cNvCxnSpPr>
+          <p:nvPr/>
+        </p:nvCxnSpPr>
+        <p:spPr>
+          <a:xfrm>
+            <a:off x="6096000" y="1046398"/>
+            <a:ext cx="0" cy="5811602"/>
+          </a:xfrm>
+          <a:prstGeom prst="line">
+            <a:avLst/>
+          </a:prstGeom>
+          <a:ln>
+            <a:solidFill>
+              <a:schemeClr val="accent2">
+                <a:lumMod val="60000"/>
+                <a:lumOff val="40000"/>
+              </a:schemeClr>
+            </a:solidFill>
+          </a:ln>
+          <a:effectLst>
+            <a:glow rad="63500">
+              <a:schemeClr val="accent5">
+                <a:satMod val="175000"/>
+                <a:alpha val="40000"/>
+              </a:schemeClr>
+            </a:glow>
+          </a:effectLst>
+        </p:spPr>
+        <p:style>
+          <a:lnRef idx="1">
+            <a:schemeClr val="accent1"/>
+          </a:lnRef>
+          <a:fillRef idx="0">
+            <a:schemeClr val="accent1"/>
+          </a:fillRef>
+          <a:effectRef idx="0">
+            <a:schemeClr val="accent1"/>
+          </a:effectRef>
+          <a:fontRef idx="minor">
+            <a:schemeClr val="tx1"/>
+          </a:fontRef>
+        </p:style>
+      </p:cxnSp>
+      <p:sp>
+        <p:nvSpPr>
+          <p:cNvPr id="3" name="Rectangle 2">
+            <a:extLst>
+              <a:ext uri="{FF2B5EF4-FFF2-40B4-BE49-F238E27FC236}">
+                <a16:creationId xmlns="" xmlns:a16="http://schemas.microsoft.com/office/drawing/2014/main" id="{EBEBB93B-196D-4EAF-9B23-C798CA40EF23}"/>
+              </a:ext>
+            </a:extLst>
+          </p:cNvPr>
+          <p:cNvSpPr/>
+          <p:nvPr/>
+        </p:nvSpPr>
+        <p:spPr>
+          <a:xfrm>
+            <a:off x="4319068" y="276957"/>
+            <a:ext cx="3553864" cy="769441"/>
+          </a:xfrm>
+          <a:prstGeom prst="rect">
+            <a:avLst/>
+          </a:prstGeom>
+          <a:solidFill>
+            <a:srgbClr val="333E50"/>
+          </a:solidFill>
+          <a:ln w="6350">
+            <a:solidFill>
+              <a:schemeClr val="bg1"/>
+            </a:solidFill>
+          </a:ln>
+          <a:effectLst>
+            <a:outerShdw blurRad="50800" dist="38100" dir="2700000" algn="tl" rotWithShape="0">
+              <a:prstClr val="black">
+                <a:alpha val="40000"/>
+              </a:prstClr>
+            </a:outerShdw>
+          </a:effectLst>
+        </p:spPr>
+        <p:txBody>
+          <a:bodyPr wrap="square" anchor="ctr" anchorCtr="1">
+            <a:spAutoFit/>
+          </a:bodyPr>
+          <a:lstStyle/>
+          <a:p>
+            <a:pPr algn="ctr" defTabSz="1450940"/>
+            <a:r>
+              <a:rPr lang="en-US" sz="4400" b="1" dirty="0">
+                <a:solidFill>
+                  <a:schemeClr val="bg1"/>
+                </a:solidFill>
+                <a:latin typeface="Montserrat" panose="00000500000000000000" pitchFamily="2" charset="0"/>
+                <a:ea typeface="Open Sans" pitchFamily="34" charset="0"/>
+                <a:cs typeface="Open Sans" pitchFamily="34" charset="0"/>
+              </a:rPr>
+              <a:t>Conclusion</a:t>
+            </a:r>
+          </a:p>
+        </p:txBody>
+      </p:sp>
+      <p:sp>
+        <p:nvSpPr>
+          <p:cNvPr id="10" name="Signe Plus 9">
+            <a:extLst>
+              <a:ext uri="{FF2B5EF4-FFF2-40B4-BE49-F238E27FC236}">
+                <a16:creationId xmlns="" xmlns:a16="http://schemas.microsoft.com/office/drawing/2014/main" id="{0CF1F3DE-E8B7-4685-BB70-6F7127EF3C83}"/>
+              </a:ext>
+            </a:extLst>
+          </p:cNvPr>
+          <p:cNvSpPr/>
+          <p:nvPr/>
+        </p:nvSpPr>
+        <p:spPr>
+          <a:xfrm>
+            <a:off x="2790545" y="1046398"/>
+            <a:ext cx="914400" cy="914400"/>
+          </a:xfrm>
+          <a:prstGeom prst="mathPlus">
+            <a:avLst/>
+          </a:prstGeom>
+          <a:solidFill>
+            <a:schemeClr val="accent6">
+              <a:lumMod val="60000"/>
+              <a:lumOff val="40000"/>
+            </a:schemeClr>
+          </a:solidFill>
+          <a:ln>
+            <a:solidFill>
+              <a:schemeClr val="accent6">
+                <a:lumMod val="75000"/>
+              </a:schemeClr>
+            </a:solidFill>
+          </a:ln>
+        </p:spPr>
+        <p:style>
+          <a:lnRef idx="2">
+            <a:schemeClr val="accent1">
+              <a:shade val="50000"/>
+            </a:schemeClr>
+          </a:lnRef>
+          <a:fillRef idx="1">
+            <a:schemeClr val="accent1"/>
+          </a:fillRef>
+          <a:effectRef idx="0">
+            <a:schemeClr val="accent1"/>
+          </a:effectRef>
+          <a:fontRef idx="minor">
+            <a:schemeClr val="lt1"/>
+          </a:fontRef>
+        </p:style>
+        <p:txBody>
+          <a:bodyPr rtlCol="0" anchor="ctr"/>
+          <a:lstStyle/>
+          <a:p>
+            <a:pPr algn="ctr"/>
+            <a:endParaRPr lang="fr-FR"/>
+          </a:p>
+        </p:txBody>
+      </p:sp>
+      <p:sp>
+        <p:nvSpPr>
+          <p:cNvPr id="11" name="Signe Moins 10">
+            <a:extLst>
+              <a:ext uri="{FF2B5EF4-FFF2-40B4-BE49-F238E27FC236}">
+                <a16:creationId xmlns="" xmlns:a16="http://schemas.microsoft.com/office/drawing/2014/main" id="{F983F54A-5C1A-4969-9F07-43B73A2DBCA4}"/>
+              </a:ext>
+            </a:extLst>
+          </p:cNvPr>
+          <p:cNvSpPr/>
+          <p:nvPr/>
+        </p:nvSpPr>
+        <p:spPr>
+          <a:xfrm>
+            <a:off x="8478177" y="1023037"/>
+            <a:ext cx="914400" cy="914400"/>
+          </a:xfrm>
+          <a:prstGeom prst="mathMinus">
+            <a:avLst/>
+          </a:prstGeom>
+          <a:solidFill>
+            <a:srgbClr val="FF0000"/>
+          </a:solidFill>
+          <a:ln>
+            <a:solidFill>
+              <a:schemeClr val="accent2">
+                <a:lumMod val="50000"/>
+              </a:schemeClr>
+            </a:solidFill>
+          </a:ln>
+        </p:spPr>
+        <p:style>
+          <a:lnRef idx="2">
+            <a:schemeClr val="accent1">
+              <a:shade val="50000"/>
+            </a:schemeClr>
+          </a:lnRef>
+          <a:fillRef idx="1">
+            <a:schemeClr val="accent1"/>
+          </a:fillRef>
+          <a:effectRef idx="0">
+            <a:schemeClr val="accent1"/>
+          </a:effectRef>
+          <a:fontRef idx="minor">
+            <a:schemeClr val="lt1"/>
+          </a:fontRef>
+        </p:style>
+        <p:txBody>
+          <a:bodyPr rtlCol="0" anchor="ctr"/>
+          <a:lstStyle/>
+          <a:p>
+            <a:pPr algn="ctr"/>
+            <a:endParaRPr lang="fr-FR"/>
+          </a:p>
+        </p:txBody>
+      </p:sp>
+      <p:sp>
+        <p:nvSpPr>
+          <p:cNvPr id="12" name="ZoneTexte 11">
+            <a:extLst>
+              <a:ext uri="{FF2B5EF4-FFF2-40B4-BE49-F238E27FC236}">
+                <a16:creationId xmlns="" xmlns:a16="http://schemas.microsoft.com/office/drawing/2014/main" id="{883B7E9D-2549-46C9-8B7D-0C6220170753}"/>
+              </a:ext>
+            </a:extLst>
+          </p:cNvPr>
+          <p:cNvSpPr txBox="1"/>
+          <p:nvPr/>
+        </p:nvSpPr>
+        <p:spPr>
+          <a:xfrm>
+            <a:off x="1374556" y="2334828"/>
+            <a:ext cx="1990077" cy="477054"/>
+          </a:xfrm>
+          <a:prstGeom prst="rect">
+            <a:avLst/>
+          </a:prstGeom>
+          <a:noFill/>
+        </p:spPr>
+        <p:txBody>
+          <a:bodyPr wrap="square" rtlCol="0">
+            <a:spAutoFit/>
+          </a:bodyPr>
+          <a:lstStyle/>
+          <a:p>
+            <a:r>
+              <a:rPr lang="fr-FR" sz="2500" dirty="0">
+                <a:solidFill>
+                  <a:schemeClr val="accent6">
+                    <a:lumMod val="40000"/>
+                    <a:lumOff val="60000"/>
+                  </a:schemeClr>
+                </a:solidFill>
+                <a:latin typeface="Montserrat" panose="00000500000000000000" pitchFamily="2" charset="0"/>
+              </a:rPr>
+              <a:t>Recherche</a:t>
+            </a:r>
+          </a:p>
+        </p:txBody>
+      </p:sp>
+      <p:sp>
+        <p:nvSpPr>
+          <p:cNvPr id="13" name="ZoneTexte 12">
+            <a:extLst>
+              <a:ext uri="{FF2B5EF4-FFF2-40B4-BE49-F238E27FC236}">
+                <a16:creationId xmlns="" xmlns:a16="http://schemas.microsoft.com/office/drawing/2014/main" id="{019EBB33-9EE1-4555-9BA4-4EDE9615D427}"/>
+              </a:ext>
+            </a:extLst>
+          </p:cNvPr>
+          <p:cNvSpPr txBox="1"/>
+          <p:nvPr/>
+        </p:nvSpPr>
+        <p:spPr>
+          <a:xfrm>
+            <a:off x="5432750" y="3713672"/>
+            <a:ext cx="1990077" cy="477054"/>
+          </a:xfrm>
+          <a:prstGeom prst="rect">
+            <a:avLst/>
+          </a:prstGeom>
+          <a:noFill/>
+        </p:spPr>
+        <p:txBody>
+          <a:bodyPr wrap="square" rtlCol="0">
+            <a:spAutoFit/>
+          </a:bodyPr>
+          <a:lstStyle/>
+          <a:p>
+            <a:r>
+              <a:rPr lang="fr-FR" sz="2500" dirty="0">
+                <a:solidFill>
+                  <a:schemeClr val="bg1"/>
+                </a:solidFill>
+                <a:latin typeface="Montserrat" panose="00000500000000000000" pitchFamily="2" charset="0"/>
+              </a:rPr>
+              <a:t>Liberté</a:t>
+            </a:r>
+          </a:p>
+        </p:txBody>
+      </p:sp>
+      <p:sp>
+        <p:nvSpPr>
+          <p:cNvPr id="15" name="ZoneTexte 14">
+            <a:extLst>
+              <a:ext uri="{FF2B5EF4-FFF2-40B4-BE49-F238E27FC236}">
+                <a16:creationId xmlns="" xmlns:a16="http://schemas.microsoft.com/office/drawing/2014/main" id="{757C4085-53B1-44BD-B6F8-B648807852D7}"/>
+              </a:ext>
+            </a:extLst>
+          </p:cNvPr>
+          <p:cNvSpPr txBox="1"/>
+          <p:nvPr/>
+        </p:nvSpPr>
+        <p:spPr>
+          <a:xfrm>
+            <a:off x="8935377" y="2334828"/>
+            <a:ext cx="2587838" cy="477054"/>
+          </a:xfrm>
+          <a:prstGeom prst="rect">
+            <a:avLst/>
+          </a:prstGeom>
+          <a:noFill/>
+        </p:spPr>
+        <p:txBody>
+          <a:bodyPr wrap="square" rtlCol="0">
+            <a:spAutoFit/>
+          </a:bodyPr>
+          <a:lstStyle/>
+          <a:p>
+            <a:r>
+              <a:rPr lang="fr-FR" sz="2500" dirty="0">
+                <a:solidFill>
+                  <a:srgbClr val="FF5050"/>
+                </a:solidFill>
+                <a:latin typeface="Montserrat" panose="00000500000000000000" pitchFamily="2" charset="0"/>
+              </a:rPr>
+              <a:t>Organisation</a:t>
+            </a:r>
+          </a:p>
+        </p:txBody>
+      </p:sp>
+    </p:spTree>
+    <p:extLst>
+      <p:ext uri="{BB962C8B-B14F-4D97-AF65-F5344CB8AC3E}">
+        <p14:creationId xmlns:p14="http://schemas.microsoft.com/office/powerpoint/2010/main" val="3209611358"/>
+      </p:ext>
+    </p:extLst>
+  </p:cSld>
+  <p:clrMapOvr>
+    <a:masterClrMapping/>
+  </p:clrMapOvr>
+  <p:timing>
+    <p:tnLst>
+      <p:par>
+        <p:cTn id="1" dur="indefinite" restart="never" nodeType="tmRoot"/>
+      </p:par>
+    </p:tnLst>
+  </p:timing>
+</p:sld>
+</file>
+
 <file path=ppt/slides/slide2.xml><?xml version="1.0" encoding="utf-8"?>
+<p:sld xmlns:a="http://schemas.openxmlformats.org/drawingml/2006/main" xmlns:r="http://schemas.openxmlformats.org/officeDocument/2006/relationships" xmlns:p="http://schemas.openxmlformats.org/presentationml/2006/main">
+  <p:cSld>
+    <p:spTree>
+      <p:nvGrpSpPr>
+        <p:cNvPr id="1" name=""/>
+        <p:cNvGrpSpPr/>
+        <p:nvPr/>
+      </p:nvGrpSpPr>
+      <p:grpSpPr>
+        <a:xfrm>
+          <a:off x="0" y="0"/>
+          <a:ext cx="0" cy="0"/>
+          <a:chOff x="0" y="0"/>
+          <a:chExt cx="0" cy="0"/>
+        </a:xfrm>
+      </p:grpSpPr>
+      <p:sp>
+        <p:nvSpPr>
+          <p:cNvPr id="3" name="Espace réservé du contenu 2"/>
+          <p:cNvSpPr>
+            <a:spLocks noGrp="1"/>
+          </p:cNvSpPr>
+          <p:nvPr>
+            <p:ph idx="1"/>
+          </p:nvPr>
+        </p:nvSpPr>
+        <p:spPr/>
+        <p:txBody>
+          <a:bodyPr/>
+          <a:lstStyle/>
+          <a:p>
+            <a:pPr marL="0" indent="0">
+              <a:buNone/>
+            </a:pPr>
+            <a:r>
+              <a:rPr lang="fr-FR" dirty="0" smtClean="0">
+                <a:solidFill>
+                  <a:schemeClr val="bg1"/>
+                </a:solidFill>
+                <a:latin typeface="Montserrat" panose="00000500000000000000" pitchFamily="2" charset="0"/>
+              </a:rPr>
+              <a:t>Florent TOMPS</a:t>
+            </a:r>
+          </a:p>
+          <a:p>
+            <a:pPr marL="0" indent="0">
+              <a:buNone/>
+            </a:pPr>
+            <a:endParaRPr lang="fr-FR" dirty="0" smtClean="0">
+              <a:solidFill>
+                <a:schemeClr val="bg1"/>
+              </a:solidFill>
+              <a:latin typeface="Montserrat" panose="00000500000000000000" pitchFamily="2" charset="0"/>
+            </a:endParaRPr>
+          </a:p>
+          <a:p>
+            <a:pPr marL="0" indent="0">
+              <a:buNone/>
+            </a:pPr>
+            <a:r>
+              <a:rPr lang="fr-FR" dirty="0" smtClean="0">
+                <a:solidFill>
+                  <a:schemeClr val="bg1"/>
+                </a:solidFill>
+                <a:latin typeface="Montserrat" panose="00000500000000000000" pitchFamily="2" charset="0"/>
+              </a:rPr>
+              <a:t>27 ans</a:t>
+            </a:r>
+          </a:p>
+          <a:p>
+            <a:pPr marL="0" indent="0">
+              <a:buNone/>
+            </a:pPr>
+            <a:endParaRPr lang="fr-FR" dirty="0" smtClean="0">
+              <a:solidFill>
+                <a:schemeClr val="bg1"/>
+              </a:solidFill>
+              <a:latin typeface="Montserrat" panose="00000500000000000000" pitchFamily="2" charset="0"/>
+            </a:endParaRPr>
+          </a:p>
+          <a:p>
+            <a:pPr marL="0" indent="0">
+              <a:buNone/>
+            </a:pPr>
+            <a:r>
+              <a:rPr lang="fr-FR" dirty="0" smtClean="0">
+                <a:solidFill>
+                  <a:schemeClr val="bg1"/>
+                </a:solidFill>
+                <a:latin typeface="Montserrat" panose="00000500000000000000" pitchFamily="2" charset="0"/>
+              </a:rPr>
+              <a:t>Electrotechnique </a:t>
+            </a:r>
+            <a:r>
+              <a:rPr lang="fr-FR" dirty="0" smtClean="0">
+                <a:solidFill>
+                  <a:schemeClr val="bg2">
+                    <a:lumMod val="75000"/>
+                  </a:schemeClr>
+                </a:solidFill>
+                <a:latin typeface="Montserrat" panose="00000500000000000000" pitchFamily="2" charset="0"/>
+              </a:rPr>
+              <a:t>( partie système automatisé)</a:t>
+            </a:r>
+          </a:p>
+          <a:p>
+            <a:pPr marL="0" indent="0">
+              <a:buNone/>
+            </a:pPr>
+            <a:endParaRPr lang="fr-FR" dirty="0" smtClean="0">
+              <a:solidFill>
+                <a:schemeClr val="bg2">
+                  <a:lumMod val="75000"/>
+                </a:schemeClr>
+              </a:solidFill>
+              <a:latin typeface="Montserrat" panose="00000500000000000000" pitchFamily="2" charset="0"/>
+            </a:endParaRPr>
+          </a:p>
+          <a:p>
+            <a:pPr marL="0" indent="0">
+              <a:buNone/>
+            </a:pPr>
+            <a:r>
+              <a:rPr lang="fr-FR" dirty="0" smtClean="0">
+                <a:solidFill>
+                  <a:schemeClr val="bg1"/>
+                </a:solidFill>
+                <a:latin typeface="Montserrat" panose="00000500000000000000" pitchFamily="2" charset="0"/>
+              </a:rPr>
+              <a:t>Informatique, jeux vidéos, animation, graphisme</a:t>
+            </a:r>
+          </a:p>
+          <a:p>
+            <a:pPr marL="0" indent="0">
+              <a:buNone/>
+            </a:pPr>
+            <a:endParaRPr lang="fr-FR" dirty="0">
+              <a:solidFill>
+                <a:schemeClr val="bg2">
+                  <a:lumMod val="75000"/>
+                </a:schemeClr>
+              </a:solidFill>
+              <a:latin typeface="Montserrat" panose="00000500000000000000" pitchFamily="2" charset="0"/>
+            </a:endParaRPr>
+          </a:p>
+        </p:txBody>
+      </p:sp>
+      <p:sp>
+        <p:nvSpPr>
+          <p:cNvPr id="4" name="TextBox 49"/>
+          <p:cNvSpPr txBox="1">
+            <a:spLocks noGrp="1"/>
+          </p:cNvSpPr>
+          <p:nvPr>
+            <p:ph type="title"/>
+          </p:nvPr>
+        </p:nvSpPr>
+        <p:spPr>
+          <a:xfrm>
+            <a:off x="838200" y="677041"/>
+            <a:ext cx="10515600" cy="701731"/>
+          </a:xfrm>
+          <a:prstGeom prst="rect">
+            <a:avLst/>
+          </a:prstGeom>
+          <a:noFill/>
+        </p:spPr>
+        <p:txBody>
+          <a:bodyPr wrap="square" rtlCol="0">
+            <a:spAutoFit/>
+          </a:bodyPr>
+          <a:lstStyle/>
+          <a:p>
+            <a:pPr algn="ctr"/>
+            <a:r>
+              <a:rPr lang="en-US" sz="4400" b="1" dirty="0" err="1" smtClean="0">
+                <a:solidFill>
+                  <a:schemeClr val="bg1"/>
+                </a:solidFill>
+                <a:latin typeface="Montserrat" panose="00000500000000000000" pitchFamily="2" charset="0"/>
+              </a:rPr>
+              <a:t>Moi</a:t>
+            </a:r>
+            <a:r>
+              <a:rPr lang="en-US" sz="4400" b="1" dirty="0" smtClean="0">
+                <a:solidFill>
+                  <a:schemeClr val="bg1"/>
+                </a:solidFill>
+                <a:latin typeface="Montserrat" panose="00000500000000000000" pitchFamily="2" charset="0"/>
+              </a:rPr>
+              <a:t>, </a:t>
+            </a:r>
+            <a:r>
+              <a:rPr lang="en-US" sz="4400" b="1" dirty="0" err="1" smtClean="0">
+                <a:solidFill>
+                  <a:schemeClr val="bg1"/>
+                </a:solidFill>
+                <a:latin typeface="Montserrat" panose="00000500000000000000" pitchFamily="2" charset="0"/>
+              </a:rPr>
+              <a:t>oui</a:t>
+            </a:r>
+            <a:r>
+              <a:rPr lang="en-US" sz="4400" b="1" dirty="0" smtClean="0">
+                <a:solidFill>
+                  <a:schemeClr val="bg1"/>
+                </a:solidFill>
+                <a:latin typeface="Montserrat" panose="00000500000000000000" pitchFamily="2" charset="0"/>
+              </a:rPr>
+              <a:t> </a:t>
+            </a:r>
+            <a:r>
+              <a:rPr lang="en-US" sz="4400" b="1" dirty="0" err="1" smtClean="0">
+                <a:solidFill>
+                  <a:schemeClr val="bg1"/>
+                </a:solidFill>
+                <a:latin typeface="Montserrat" panose="00000500000000000000" pitchFamily="2" charset="0"/>
+              </a:rPr>
+              <a:t>moi</a:t>
+            </a:r>
+            <a:endParaRPr lang="en-US" sz="4400" b="1" dirty="0">
+              <a:solidFill>
+                <a:schemeClr val="bg1"/>
+              </a:solidFill>
+              <a:latin typeface="Montserrat" panose="00000500000000000000" pitchFamily="2" charset="0"/>
+            </a:endParaRPr>
+          </a:p>
+        </p:txBody>
+      </p:sp>
+    </p:spTree>
+    <p:extLst>
+      <p:ext uri="{BB962C8B-B14F-4D97-AF65-F5344CB8AC3E}">
+        <p14:creationId xmlns:p14="http://schemas.microsoft.com/office/powerpoint/2010/main" val="843055946"/>
+      </p:ext>
+    </p:extLst>
+  </p:cSld>
+  <p:clrMapOvr>
+    <a:masterClrMapping/>
+  </p:clrMapOvr>
+  <p:timing>
+    <p:tnLst>
+      <p:par>
+        <p:cTn id="1" dur="indefinite" restart="never" nodeType="tmRoot"/>
+      </p:par>
+    </p:tnLst>
+  </p:timing>
+</p:sld>
+</file>
+
+<file path=ppt/slides/slide3.xml><?xml version="1.0" encoding="utf-8"?>
 <p:sld xmlns:a="http://schemas.openxmlformats.org/drawingml/2006/main" xmlns:r="http://schemas.openxmlformats.org/officeDocument/2006/relationships" xmlns:p="http://schemas.openxmlformats.org/presentationml/2006/main">
   <p:cSld>
     <p:spTree>
@@ -6319,9 +7320,9 @@
         <p:grpSpPr>
           <a:xfrm>
             <a:off x="646910" y="1994326"/>
-            <a:ext cx="2623176" cy="1601752"/>
+            <a:ext cx="2623176" cy="955422"/>
             <a:chOff x="1879600" y="3087314"/>
-            <a:chExt cx="4564985" cy="961941"/>
+            <a:chExt cx="4564985" cy="573784"/>
           </a:xfrm>
         </p:grpSpPr>
         <p:sp>
@@ -6335,7 +7336,7 @@
           <p:spPr bwMode="auto">
             <a:xfrm>
               <a:off x="1879600" y="3365359"/>
-              <a:ext cx="4564985" cy="683896"/>
+              <a:ext cx="4564985" cy="295739"/>
             </a:xfrm>
             <a:prstGeom prst="rect">
               <a:avLst/>
@@ -6355,7 +7356,7 @@
             <a:lstStyle/>
             <a:p>
               <a:r>
-                <a:rPr lang="en-US" sz="1400" dirty="0">
+                <a:rPr lang="en-US" sz="1400" dirty="0" smtClean="0">
                   <a:solidFill>
                     <a:schemeClr val="bg1">
                       <a:lumMod val="95000"/>
@@ -6363,12 +7364,12 @@
                   </a:solidFill>
                   <a:latin typeface="Montserrat" panose="00000500000000000000" pitchFamily="2" charset="0"/>
                 </a:rPr>
-                <a:t>Couleurs</a:t>
+                <a:t>MCD</a:t>
               </a:r>
             </a:p>
             <a:p>
               <a:r>
-                <a:rPr lang="en-US" sz="1400" dirty="0">
+                <a:rPr lang="en-US" sz="1400" dirty="0" smtClean="0">
                   <a:solidFill>
                     <a:schemeClr val="bg1">
                       <a:lumMod val="95000"/>
@@ -6376,33 +7377,8 @@
                   </a:solidFill>
                   <a:latin typeface="Montserrat" panose="00000500000000000000" pitchFamily="2" charset="0"/>
                 </a:rPr>
-                <a:t>Zoning</a:t>
+                <a:t>MLD</a:t>
               </a:r>
-            </a:p>
-            <a:p>
-              <a:r>
-                <a:rPr lang="en-US" sz="1400" dirty="0">
-                  <a:solidFill>
-                    <a:schemeClr val="bg1">
-                      <a:lumMod val="95000"/>
-                    </a:schemeClr>
-                  </a:solidFill>
-                  <a:latin typeface="Montserrat" panose="00000500000000000000" pitchFamily="2" charset="0"/>
-                </a:rPr>
-                <a:t>Wireframe </a:t>
-              </a:r>
-            </a:p>
-            <a:p>
-              <a:endParaRPr lang="en-US" sz="1400" dirty="0">
-                <a:solidFill>
-                  <a:schemeClr val="bg1">
-                    <a:lumMod val="95000"/>
-                  </a:schemeClr>
-                </a:solidFill>
-                <a:latin typeface="Montserrat" panose="00000500000000000000" pitchFamily="2" charset="0"/>
-              </a:endParaRPr>
-            </a:p>
-            <a:p>
               <a:endParaRPr lang="en-US" sz="1400" dirty="0">
                 <a:solidFill>
                   <a:schemeClr val="bg1">
@@ -6452,7 +7428,7 @@
             <a:p>
               <a:pPr algn="ctr" defTabSz="1450940"/>
               <a:r>
-                <a:rPr lang="en-US" b="1" dirty="0">
+                <a:rPr lang="en-US" b="1" dirty="0" err="1" smtClean="0">
                   <a:solidFill>
                     <a:schemeClr val="bg1"/>
                   </a:solidFill>
@@ -6460,8 +7436,16 @@
                   <a:ea typeface="Open Sans" pitchFamily="34" charset="0"/>
                   <a:cs typeface="Open Sans" pitchFamily="34" charset="0"/>
                 </a:rPr>
-                <a:t>Design</a:t>
+                <a:t>Modélisation</a:t>
               </a:r>
+              <a:endParaRPr lang="en-US" b="1" dirty="0">
+                <a:solidFill>
+                  <a:schemeClr val="bg1"/>
+                </a:solidFill>
+                <a:latin typeface="Montserrat" panose="00000500000000000000" pitchFamily="2" charset="0"/>
+                <a:ea typeface="Open Sans" pitchFamily="34" charset="0"/>
+                <a:cs typeface="Open Sans" pitchFamily="34" charset="0"/>
+              </a:endParaRPr>
             </a:p>
           </p:txBody>
         </p:sp>
@@ -6474,10 +7458,10 @@
         </p:nvGrpSpPr>
         <p:grpSpPr>
           <a:xfrm>
-            <a:off x="5001541" y="4823653"/>
-            <a:ext cx="2623176" cy="955425"/>
+            <a:off x="5001541" y="4823651"/>
+            <a:ext cx="2623176" cy="1386311"/>
             <a:chOff x="1879600" y="3087314"/>
-            <a:chExt cx="4564985" cy="573785"/>
+            <a:chExt cx="4564985" cy="832556"/>
           </a:xfrm>
         </p:grpSpPr>
         <p:sp>
@@ -6491,7 +7475,7 @@
           <p:spPr bwMode="auto">
             <a:xfrm>
               <a:off x="1879600" y="3365360"/>
-              <a:ext cx="4564985" cy="295739"/>
+              <a:ext cx="4564985" cy="554510"/>
             </a:xfrm>
             <a:prstGeom prst="rect">
               <a:avLst/>
@@ -6511,7 +7495,7 @@
             <a:lstStyle/>
             <a:p>
               <a:r>
-                <a:rPr lang="en-US" sz="1400" dirty="0" err="1">
+                <a:rPr lang="en-US" sz="1400" dirty="0" smtClean="0">
                   <a:solidFill>
                     <a:schemeClr val="bg1">
                       <a:lumMod val="95000"/>
@@ -6532,7 +7516,20 @@
             </a:p>
             <a:p>
               <a:r>
-                <a:rPr lang="en-US" sz="1400" dirty="0">
+                <a:rPr lang="en-US" sz="1400" dirty="0" smtClean="0">
+                  <a:solidFill>
+                    <a:schemeClr val="bg1">
+                      <a:lumMod val="95000"/>
+                    </a:schemeClr>
+                  </a:solidFill>
+                  <a:latin typeface="Montserrat" panose="00000500000000000000" pitchFamily="2" charset="0"/>
+                </a:rPr>
+                <a:t>Pour qui?</a:t>
+              </a:r>
+            </a:p>
+            <a:p>
+              <a:r>
+                <a:rPr lang="en-US" sz="1400" dirty="0" smtClean="0">
                   <a:solidFill>
                     <a:schemeClr val="bg1">
                       <a:lumMod val="95000"/>
@@ -6542,6 +7539,16 @@
                 </a:rPr>
                 <a:t>Arborescence</a:t>
               </a:r>
+            </a:p>
+            <a:p>
+              <a:endParaRPr lang="en-US" sz="1400" dirty="0">
+                <a:solidFill>
+                  <a:schemeClr val="bg1">
+                    <a:lumMod val="95000"/>
+                  </a:schemeClr>
+                </a:solidFill>
+                <a:latin typeface="Montserrat" panose="00000500000000000000" pitchFamily="2" charset="0"/>
+              </a:endParaRPr>
             </a:p>
           </p:txBody>
         </p:sp>
@@ -6613,10 +7620,10 @@
         </p:nvGrpSpPr>
         <p:grpSpPr>
           <a:xfrm>
-            <a:off x="8856907" y="4623084"/>
-            <a:ext cx="2623176" cy="739976"/>
+            <a:off x="8856907" y="4623085"/>
+            <a:ext cx="2623176" cy="1386307"/>
             <a:chOff x="1879600" y="3087314"/>
-            <a:chExt cx="4564985" cy="444396"/>
+            <a:chExt cx="4564985" cy="832553"/>
           </a:xfrm>
         </p:grpSpPr>
         <p:sp>
@@ -6630,7 +7637,7 @@
           <p:spPr bwMode="auto">
             <a:xfrm>
               <a:off x="1879600" y="3365357"/>
-              <a:ext cx="4564985" cy="166353"/>
+              <a:ext cx="4564985" cy="554510"/>
             </a:xfrm>
             <a:prstGeom prst="rect">
               <a:avLst/>
@@ -6650,7 +7657,7 @@
             <a:lstStyle/>
             <a:p>
               <a:r>
-                <a:rPr lang="en-US" sz="1400" dirty="0" err="1">
+                <a:rPr lang="en-US" sz="1400" dirty="0" err="1" smtClean="0">
                   <a:solidFill>
                     <a:schemeClr val="bg1">
                       <a:lumMod val="95000"/>
@@ -6658,8 +7665,44 @@
                   </a:solidFill>
                   <a:latin typeface="Montserrat" panose="00000500000000000000" pitchFamily="2" charset="0"/>
                 </a:rPr>
-                <a:t>Modélisation</a:t>
+                <a:t>Couleurs</a:t>
               </a:r>
+              <a:endParaRPr lang="en-US" sz="1400" dirty="0">
+                <a:solidFill>
+                  <a:schemeClr val="bg1">
+                    <a:lumMod val="95000"/>
+                  </a:schemeClr>
+                </a:solidFill>
+                <a:latin typeface="Montserrat" panose="00000500000000000000" pitchFamily="2" charset="0"/>
+              </a:endParaRPr>
+            </a:p>
+            <a:p>
+              <a:r>
+                <a:rPr lang="en-US" sz="1400" dirty="0">
+                  <a:solidFill>
+                    <a:schemeClr val="bg1">
+                      <a:lumMod val="95000"/>
+                    </a:schemeClr>
+                  </a:solidFill>
+                  <a:latin typeface="Montserrat" panose="00000500000000000000" pitchFamily="2" charset="0"/>
+                </a:rPr>
+                <a:t>Zoning</a:t>
+              </a:r>
+            </a:p>
+            <a:p>
+              <a:r>
+                <a:rPr lang="en-US" sz="1400" dirty="0">
+                  <a:solidFill>
+                    <a:schemeClr val="bg1">
+                      <a:lumMod val="95000"/>
+                    </a:schemeClr>
+                  </a:solidFill>
+                  <a:latin typeface="Montserrat" panose="00000500000000000000" pitchFamily="2" charset="0"/>
+                </a:rPr>
+                <a:t>Wireframe </a:t>
+              </a:r>
+            </a:p>
+            <a:p>
               <a:endParaRPr lang="en-US" sz="1400" dirty="0">
                 <a:solidFill>
                   <a:schemeClr val="bg1">
@@ -6709,7 +7752,7 @@
             <a:p>
               <a:pPr algn="ctr" defTabSz="1450940"/>
               <a:r>
-                <a:rPr lang="en-US" b="1" dirty="0">
+                <a:rPr lang="en-US" b="1" dirty="0" smtClean="0">
                   <a:solidFill>
                     <a:schemeClr val="bg1"/>
                   </a:solidFill>
@@ -6717,8 +7760,16 @@
                   <a:ea typeface="Open Sans" pitchFamily="34" charset="0"/>
                   <a:cs typeface="Open Sans" pitchFamily="34" charset="0"/>
                 </a:rPr>
-                <a:t>MCD</a:t>
+                <a:t>Design</a:t>
               </a:r>
+              <a:endParaRPr lang="en-US" b="1" dirty="0">
+                <a:solidFill>
+                  <a:schemeClr val="bg1"/>
+                </a:solidFill>
+                <a:latin typeface="Montserrat" panose="00000500000000000000" pitchFamily="2" charset="0"/>
+                <a:ea typeface="Open Sans" pitchFamily="34" charset="0"/>
+                <a:cs typeface="Open Sans" pitchFamily="34" charset="0"/>
+              </a:endParaRPr>
             </a:p>
           </p:txBody>
         </p:sp>
@@ -7266,46 +8317,6 @@
           </a:p>
         </p:txBody>
       </p:sp>
-      <p:pic>
-        <p:nvPicPr>
-          <p:cNvPr id="52" name="Picture 51">
-            <a:hlinkClick r:id="rId2"/>
-          </p:cNvPr>
-          <p:cNvPicPr>
-            <a:picLocks noChangeAspect="1"/>
-          </p:cNvPicPr>
-          <p:nvPr/>
-        </p:nvPicPr>
-        <p:blipFill>
-          <a:blip r:embed="rId3" cstate="print">
-            <a:extLst>
-              <a:ext uri="{28A0092B-C50C-407E-A947-70E740481C1C}">
-                <a14:useLocalDpi xmlns:a14="http://schemas.microsoft.com/office/drawing/2010/main" val="0"/>
-              </a:ext>
-            </a:extLst>
-          </a:blip>
-          <a:stretch>
-            <a:fillRect/>
-          </a:stretch>
-        </p:blipFill>
-        <p:spPr>
-          <a:xfrm>
-            <a:off x="11804125" y="6746253"/>
-            <a:ext cx="365760" cy="98854"/>
-          </a:xfrm>
-          <a:prstGeom prst="rect">
-            <a:avLst/>
-          </a:prstGeom>
-          <a:noFill/>
-          <a:effectLst>
-            <a:glow rad="63500">
-              <a:schemeClr val="bg1">
-                <a:alpha val="45000"/>
-              </a:schemeClr>
-            </a:glow>
-          </a:effectLst>
-        </p:spPr>
-      </p:pic>
     </p:spTree>
     <p:extLst>
       <p:ext uri="{BB962C8B-B14F-4D97-AF65-F5344CB8AC3E}">
@@ -8396,7 +9407,7 @@
 </p:sld>
 </file>
 
-<file path=ppt/slides/slide3.xml><?xml version="1.0" encoding="utf-8"?>
+<file path=ppt/slides/slide4.xml><?xml version="1.0" encoding="utf-8"?>
 <p:sld xmlns:a="http://schemas.openxmlformats.org/drawingml/2006/main" xmlns:r="http://schemas.openxmlformats.org/officeDocument/2006/relationships" xmlns:p="http://schemas.openxmlformats.org/presentationml/2006/main">
   <p:cSld>
     <p:spTree>
@@ -8454,52 +9465,12 @@
           </a:p>
         </p:txBody>
       </p:sp>
-      <p:pic>
-        <p:nvPicPr>
-          <p:cNvPr id="52" name="Picture 51">
-            <a:hlinkClick r:id="rId2"/>
-          </p:cNvPr>
-          <p:cNvPicPr>
-            <a:picLocks noChangeAspect="1"/>
-          </p:cNvPicPr>
-          <p:nvPr/>
-        </p:nvPicPr>
-        <p:blipFill>
-          <a:blip r:embed="rId3" cstate="print">
-            <a:extLst>
-              <a:ext uri="{28A0092B-C50C-407E-A947-70E740481C1C}">
-                <a14:useLocalDpi xmlns:a14="http://schemas.microsoft.com/office/drawing/2010/main" val="0"/>
-              </a:ext>
-            </a:extLst>
-          </a:blip>
-          <a:stretch>
-            <a:fillRect/>
-          </a:stretch>
-        </p:blipFill>
-        <p:spPr>
-          <a:xfrm>
-            <a:off x="11804125" y="6746253"/>
-            <a:ext cx="365760" cy="98854"/>
-          </a:xfrm>
-          <a:prstGeom prst="rect">
-            <a:avLst/>
-          </a:prstGeom>
-          <a:noFill/>
-          <a:effectLst>
-            <a:glow rad="63500">
-              <a:schemeClr val="bg1">
-                <a:alpha val="45000"/>
-              </a:schemeClr>
-            </a:glow>
-          </a:effectLst>
-        </p:spPr>
-      </p:pic>
       <p:sp>
         <p:nvSpPr>
           <p:cNvPr id="58" name="Rectangle 57">
             <a:extLst>
               <a:ext uri="{FF2B5EF4-FFF2-40B4-BE49-F238E27FC236}">
-                <a16:creationId xmlns:a16="http://schemas.microsoft.com/office/drawing/2014/main" xmlns="" id="{F62D349E-0828-4D2D-8700-FDB39AB3388D}"/>
+                <a16:creationId xmlns="" xmlns:a16="http://schemas.microsoft.com/office/drawing/2014/main" id="{F62D349E-0828-4D2D-8700-FDB39AB3388D}"/>
               </a:ext>
             </a:extLst>
           </p:cNvPr>
@@ -8564,7 +9535,7 @@
           <p:cNvPr id="2" name="ZoneTexte 1">
             <a:extLst>
               <a:ext uri="{FF2B5EF4-FFF2-40B4-BE49-F238E27FC236}">
-                <a16:creationId xmlns:a16="http://schemas.microsoft.com/office/drawing/2014/main" xmlns="" id="{697C6A14-515C-40E6-95E2-E81DFDE9FD61}"/>
+                <a16:creationId xmlns="" xmlns:a16="http://schemas.microsoft.com/office/drawing/2014/main" id="{697C6A14-515C-40E6-95E2-E81DFDE9FD61}"/>
               </a:ext>
             </a:extLst>
           </p:cNvPr>
@@ -8611,7 +9582,7 @@
           <p:cNvPr id="82" name="ZoneTexte 81">
             <a:extLst>
               <a:ext uri="{FF2B5EF4-FFF2-40B4-BE49-F238E27FC236}">
-                <a16:creationId xmlns:a16="http://schemas.microsoft.com/office/drawing/2014/main" xmlns="" id="{D09AFECC-E701-41A3-8713-133B0C4B6860}"/>
+                <a16:creationId xmlns="" xmlns:a16="http://schemas.microsoft.com/office/drawing/2014/main" id="{D09AFECC-E701-41A3-8713-133B0C4B6860}"/>
               </a:ext>
             </a:extLst>
           </p:cNvPr>
@@ -8620,7 +9591,7 @@
         </p:nvSpPr>
         <p:spPr>
           <a:xfrm>
-            <a:off x="1024466" y="2353457"/>
+            <a:off x="1024466" y="3569698"/>
             <a:ext cx="10109200" cy="477054"/>
           </a:xfrm>
           <a:prstGeom prst="rect">
@@ -8645,48 +9616,6 @@
           </a:p>
         </p:txBody>
       </p:sp>
-      <p:pic>
-        <p:nvPicPr>
-          <p:cNvPr id="4" name="Image 3">
-            <a:extLst>
-              <a:ext uri="{FF2B5EF4-FFF2-40B4-BE49-F238E27FC236}">
-                <a16:creationId xmlns:a16="http://schemas.microsoft.com/office/drawing/2014/main" xmlns="" id="{EBF478D6-E759-4BC9-8FEA-703ABDFC21C9}"/>
-              </a:ext>
-            </a:extLst>
-          </p:cNvPr>
-          <p:cNvPicPr>
-            <a:picLocks noChangeAspect="1"/>
-          </p:cNvPicPr>
-          <p:nvPr/>
-        </p:nvPicPr>
-        <p:blipFill>
-          <a:blip r:embed="rId4">
-            <a:extLst>
-              <a:ext uri="{28A0092B-C50C-407E-A947-70E740481C1C}">
-                <a14:useLocalDpi xmlns:a14="http://schemas.microsoft.com/office/drawing/2010/main" val="0"/>
-              </a:ext>
-            </a:extLst>
-          </a:blip>
-          <a:stretch>
-            <a:fillRect/>
-          </a:stretch>
-        </p:blipFill>
-        <p:spPr>
-          <a:xfrm>
-            <a:off x="575733" y="3169057"/>
-            <a:ext cx="11040533" cy="3075884"/>
-          </a:xfrm>
-          <a:prstGeom prst="rect">
-            <a:avLst/>
-          </a:prstGeom>
-          <a:ln>
-            <a:noFill/>
-          </a:ln>
-          <a:effectLst>
-            <a:softEdge rad="112500"/>
-          </a:effectLst>
-        </p:spPr>
-      </p:pic>
     </p:spTree>
     <p:extLst>
       <p:ext uri="{BB962C8B-B14F-4D97-AF65-F5344CB8AC3E}">
@@ -8899,27 +9828,196 @@
                       </p:childTnLst>
                     </p:cTn>
                   </p:par>
+                </p:childTnLst>
+              </p:cTn>
+              <p:prevCondLst>
+                <p:cond evt="onPrev" delay="0">
+                  <p:tgtEl>
+                    <p:sldTgt/>
+                  </p:tgtEl>
+                </p:cond>
+              </p:prevCondLst>
+              <p:nextCondLst>
+                <p:cond evt="onNext" delay="0">
+                  <p:tgtEl>
+                    <p:sldTgt/>
+                  </p:tgtEl>
+                </p:cond>
+              </p:nextCondLst>
+            </p:seq>
+          </p:childTnLst>
+        </p:cTn>
+      </p:par>
+    </p:tnLst>
+    <p:bldLst>
+      <p:bldP spid="2" grpId="0"/>
+      <p:bldP spid="82" grpId="0"/>
+    </p:bldLst>
+  </p:timing>
+</p:sld>
+</file>
+
+<file path=ppt/slides/slide5.xml><?xml version="1.0" encoding="utf-8"?>
+<p:sld xmlns:a="http://schemas.openxmlformats.org/drawingml/2006/main" xmlns:r="http://schemas.openxmlformats.org/officeDocument/2006/relationships" xmlns:p="http://schemas.openxmlformats.org/presentationml/2006/main">
+  <p:cSld>
+    <p:spTree>
+      <p:nvGrpSpPr>
+        <p:cNvPr id="1" name=""/>
+        <p:cNvGrpSpPr/>
+        <p:nvPr/>
+      </p:nvGrpSpPr>
+      <p:grpSpPr>
+        <a:xfrm>
+          <a:off x="0" y="0"/>
+          <a:ext cx="0" cy="0"/>
+          <a:chOff x="0" y="0"/>
+          <a:chExt cx="0" cy="0"/>
+        </a:xfrm>
+      </p:grpSpPr>
+      <p:pic>
+        <p:nvPicPr>
+          <p:cNvPr id="4" name="Image 3">
+            <a:extLst>
+              <a:ext uri="{FF2B5EF4-FFF2-40B4-BE49-F238E27FC236}">
+                <a16:creationId xmlns="" xmlns:a16="http://schemas.microsoft.com/office/drawing/2014/main" id="{EBF478D6-E759-4BC9-8FEA-703ABDFC21C9}"/>
+              </a:ext>
+            </a:extLst>
+          </p:cNvPr>
+          <p:cNvPicPr>
+            <a:picLocks noChangeAspect="1"/>
+          </p:cNvPicPr>
+          <p:nvPr/>
+        </p:nvPicPr>
+        <p:blipFill>
+          <a:blip r:embed="rId2">
+            <a:extLst>
+              <a:ext uri="{28A0092B-C50C-407E-A947-70E740481C1C}">
+                <a14:useLocalDpi xmlns:a14="http://schemas.microsoft.com/office/drawing/2010/main" val="0"/>
+              </a:ext>
+            </a:extLst>
+          </a:blip>
+          <a:stretch>
+            <a:fillRect/>
+          </a:stretch>
+        </p:blipFill>
+        <p:spPr>
+          <a:xfrm>
+            <a:off x="575733" y="2307923"/>
+            <a:ext cx="11040533" cy="3075884"/>
+          </a:xfrm>
+          <a:prstGeom prst="rect">
+            <a:avLst/>
+          </a:prstGeom>
+          <a:noFill/>
+          <a:ln>
+            <a:noFill/>
+          </a:ln>
+        </p:spPr>
+      </p:pic>
+      <p:sp>
+        <p:nvSpPr>
+          <p:cNvPr id="5" name="Rectangle 4">
+            <a:extLst>
+              <a:ext uri="{FF2B5EF4-FFF2-40B4-BE49-F238E27FC236}">
+                <a16:creationId xmlns="" xmlns:a16="http://schemas.microsoft.com/office/drawing/2014/main" id="{F62D349E-0828-4D2D-8700-FDB39AB3388D}"/>
+              </a:ext>
+            </a:extLst>
+          </p:cNvPr>
+          <p:cNvSpPr/>
+          <p:nvPr/>
+        </p:nvSpPr>
+        <p:spPr>
+          <a:xfrm>
+            <a:off x="4425950" y="266694"/>
+            <a:ext cx="3306233" cy="769441"/>
+          </a:xfrm>
+          <a:prstGeom prst="rect">
+            <a:avLst/>
+          </a:prstGeom>
+          <a:solidFill>
+            <a:srgbClr val="BFBFBF"/>
+          </a:solidFill>
+          <a:ln w="6350">
+            <a:solidFill>
+              <a:schemeClr val="bg1"/>
+            </a:solidFill>
+          </a:ln>
+          <a:effectLst>
+            <a:outerShdw blurRad="50800" dist="38100" dir="2700000" algn="tl" rotWithShape="0">
+              <a:prstClr val="black">
+                <a:alpha val="40000"/>
+              </a:prstClr>
+            </a:outerShdw>
+          </a:effectLst>
+        </p:spPr>
+        <p:txBody>
+          <a:bodyPr wrap="square" anchor="ctr" anchorCtr="1">
+            <a:spAutoFit/>
+          </a:bodyPr>
+          <a:lstStyle/>
+          <a:p>
+            <a:pPr algn="ctr" defTabSz="1450940"/>
+            <a:r>
+              <a:rPr lang="en-US" sz="4400" b="1" dirty="0" err="1">
+                <a:solidFill>
+                  <a:schemeClr val="bg1"/>
+                </a:solidFill>
+                <a:latin typeface="Candara" panose="020E0502030303020204" pitchFamily="34" charset="0"/>
+                <a:ea typeface="Open Sans" pitchFamily="34" charset="0"/>
+                <a:cs typeface="Open Sans" pitchFamily="34" charset="0"/>
+              </a:rPr>
+              <a:t>Présentation</a:t>
+            </a:r>
+            <a:endParaRPr lang="en-US" sz="4400" b="1" dirty="0">
+              <a:solidFill>
+                <a:schemeClr val="bg1"/>
+              </a:solidFill>
+              <a:latin typeface="Candara" panose="020E0502030303020204" pitchFamily="34" charset="0"/>
+              <a:ea typeface="Open Sans" pitchFamily="34" charset="0"/>
+              <a:cs typeface="Open Sans" pitchFamily="34" charset="0"/>
+            </a:endParaRPr>
+          </a:p>
+        </p:txBody>
+      </p:sp>
+    </p:spTree>
+    <p:extLst>
+      <p:ext uri="{BB962C8B-B14F-4D97-AF65-F5344CB8AC3E}">
+        <p14:creationId xmlns:p14="http://schemas.microsoft.com/office/powerpoint/2010/main" val="471199755"/>
+      </p:ext>
+    </p:extLst>
+  </p:cSld>
+  <p:clrMapOvr>
+    <a:masterClrMapping/>
+  </p:clrMapOvr>
+  <p:timing>
+    <p:tnLst>
+      <p:par>
+        <p:cTn id="1" dur="indefinite" restart="never" nodeType="tmRoot">
+          <p:childTnLst>
+            <p:seq concurrent="1" nextAc="seek">
+              <p:cTn id="2" dur="indefinite" nodeType="mainSeq">
+                <p:childTnLst>
                   <p:par>
-                    <p:cTn id="15" fill="hold">
+                    <p:cTn id="3" fill="hold">
                       <p:stCondLst>
                         <p:cond delay="indefinite"/>
                       </p:stCondLst>
                       <p:childTnLst>
                         <p:par>
-                          <p:cTn id="16" fill="hold">
+                          <p:cTn id="4" fill="hold">
                             <p:stCondLst>
                               <p:cond delay="0"/>
                             </p:stCondLst>
                             <p:childTnLst>
                               <p:par>
-                                <p:cTn id="17" presetID="42" presetClass="entr" presetSubtype="0" fill="hold" nodeType="clickEffect">
+                                <p:cTn id="5" presetID="42" presetClass="entr" presetSubtype="0" fill="hold" nodeType="clickEffect">
                                   <p:stCondLst>
                                     <p:cond delay="0"/>
                                   </p:stCondLst>
                                   <p:childTnLst>
                                     <p:set>
                                       <p:cBhvr>
-                                        <p:cTn id="18" dur="1" fill="hold">
+                                        <p:cTn id="6" dur="1" fill="hold">
                                           <p:stCondLst>
                                             <p:cond delay="0"/>
                                           </p:stCondLst>
@@ -8937,7 +10035,7 @@
                                     </p:set>
                                     <p:animEffect transition="in" filter="fade">
                                       <p:cBhvr>
-                                        <p:cTn id="19" dur="1000"/>
+                                        <p:cTn id="7" dur="1000"/>
                                         <p:tgtEl>
                                           <p:spTgt spid="4"/>
                                         </p:tgtEl>
@@ -8945,7 +10043,7 @@
                                     </p:animEffect>
                                     <p:anim calcmode="lin" valueType="num">
                                       <p:cBhvr>
-                                        <p:cTn id="20" dur="1000" fill="hold"/>
+                                        <p:cTn id="8" dur="1000" fill="hold"/>
                                         <p:tgtEl>
                                           <p:spTgt spid="4"/>
                                         </p:tgtEl>
@@ -8968,7 +10066,7 @@
                                     </p:anim>
                                     <p:anim calcmode="lin" valueType="num">
                                       <p:cBhvr>
-                                        <p:cTn id="21" dur="1000" fill="hold"/>
+                                        <p:cTn id="9" dur="1000" fill="hold"/>
                                         <p:tgtEl>
                                           <p:spTgt spid="4"/>
                                         </p:tgtEl>
@@ -9019,15 +10117,11 @@
         </p:cTn>
       </p:par>
     </p:tnLst>
-    <p:bldLst>
-      <p:bldP spid="2" grpId="0"/>
-      <p:bldP spid="82" grpId="0"/>
-    </p:bldLst>
   </p:timing>
 </p:sld>
 </file>
 
-<file path=ppt/slides/slide4.xml><?xml version="1.0" encoding="utf-8"?>
+<file path=ppt/slides/slide6.xml><?xml version="1.0" encoding="utf-8"?>
 <p:sld xmlns:a="http://schemas.openxmlformats.org/drawingml/2006/main" xmlns:r="http://schemas.openxmlformats.org/officeDocument/2006/relationships" xmlns:p="http://schemas.openxmlformats.org/presentationml/2006/main">
   <p:cSld>
     <p:spTree>
@@ -9049,7 +10143,7 @@
           <p:cNvPr id="4" name="Rectangle 3">
             <a:extLst>
               <a:ext uri="{FF2B5EF4-FFF2-40B4-BE49-F238E27FC236}">
-                <a16:creationId xmlns:a16="http://schemas.microsoft.com/office/drawing/2014/main" xmlns="" id="{865924A1-36BD-4BF2-9E3B-632B828201CB}"/>
+                <a16:creationId xmlns="" xmlns:a16="http://schemas.microsoft.com/office/drawing/2014/main" id="{865924A1-36BD-4BF2-9E3B-632B828201CB}"/>
               </a:ext>
             </a:extLst>
           </p:cNvPr>
@@ -9106,7 +10200,7 @@
           <p:cNvPr id="6" name="Image 5">
             <a:extLst>
               <a:ext uri="{FF2B5EF4-FFF2-40B4-BE49-F238E27FC236}">
-                <a16:creationId xmlns:a16="http://schemas.microsoft.com/office/drawing/2014/main" xmlns="" id="{E1CFB23C-EDE6-465F-84E0-20203F9B75A1}"/>
+                <a16:creationId xmlns="" xmlns:a16="http://schemas.microsoft.com/office/drawing/2014/main" id="{E1CFB23C-EDE6-465F-84E0-20203F9B75A1}"/>
               </a:ext>
             </a:extLst>
           </p:cNvPr>
@@ -9142,7 +10236,7 @@
           <p:cNvPr id="7" name="ZoneTexte 6">
             <a:extLst>
               <a:ext uri="{FF2B5EF4-FFF2-40B4-BE49-F238E27FC236}">
-                <a16:creationId xmlns:a16="http://schemas.microsoft.com/office/drawing/2014/main" xmlns="" id="{90F6555F-B434-439C-9509-DC73DBEC94E6}"/>
+                <a16:creationId xmlns="" xmlns:a16="http://schemas.microsoft.com/office/drawing/2014/main" id="{90F6555F-B434-439C-9509-DC73DBEC94E6}"/>
               </a:ext>
             </a:extLst>
           </p:cNvPr>
@@ -9188,7 +10282,7 @@
           <p:cNvPr id="8" name="ZoneTexte 7">
             <a:extLst>
               <a:ext uri="{FF2B5EF4-FFF2-40B4-BE49-F238E27FC236}">
-                <a16:creationId xmlns:a16="http://schemas.microsoft.com/office/drawing/2014/main" xmlns="" id="{E1E2F7AC-C694-4732-A616-E16DCF65A231}"/>
+                <a16:creationId xmlns="" xmlns:a16="http://schemas.microsoft.com/office/drawing/2014/main" id="{E1E2F7AC-C694-4732-A616-E16DCF65A231}"/>
               </a:ext>
             </a:extLst>
           </p:cNvPr>
@@ -9228,7 +10322,7 @@
           <p:cNvPr id="9" name="ZoneTexte 8">
             <a:extLst>
               <a:ext uri="{FF2B5EF4-FFF2-40B4-BE49-F238E27FC236}">
-                <a16:creationId xmlns:a16="http://schemas.microsoft.com/office/drawing/2014/main" xmlns="" id="{D9CB3687-49FB-4A6C-A7FF-BFF6BFE28B13}"/>
+                <a16:creationId xmlns="" xmlns:a16="http://schemas.microsoft.com/office/drawing/2014/main" id="{D9CB3687-49FB-4A6C-A7FF-BFF6BFE28B13}"/>
               </a:ext>
             </a:extLst>
           </p:cNvPr>
@@ -9268,7 +10362,7 @@
           <p:cNvPr id="10" name="ZoneTexte 9">
             <a:extLst>
               <a:ext uri="{FF2B5EF4-FFF2-40B4-BE49-F238E27FC236}">
-                <a16:creationId xmlns:a16="http://schemas.microsoft.com/office/drawing/2014/main" xmlns="" id="{05F8EDEF-CB0A-4BCE-8974-6CECB158BC66}"/>
+                <a16:creationId xmlns="" xmlns:a16="http://schemas.microsoft.com/office/drawing/2014/main" id="{05F8EDEF-CB0A-4BCE-8974-6CECB158BC66}"/>
               </a:ext>
             </a:extLst>
           </p:cNvPr>
@@ -9308,7 +10402,7 @@
           <p:cNvPr id="12" name="Image 11">
             <a:extLst>
               <a:ext uri="{FF2B5EF4-FFF2-40B4-BE49-F238E27FC236}">
-                <a16:creationId xmlns:a16="http://schemas.microsoft.com/office/drawing/2014/main" xmlns="" id="{01BB8160-70A7-4577-9882-38EFE2F1D4FD}"/>
+                <a16:creationId xmlns="" xmlns:a16="http://schemas.microsoft.com/office/drawing/2014/main" id="{01BB8160-70A7-4577-9882-38EFE2F1D4FD}"/>
               </a:ext>
             </a:extLst>
           </p:cNvPr>
@@ -9344,7 +10438,7 @@
           <p:cNvPr id="14" name="Image 13">
             <a:extLst>
               <a:ext uri="{FF2B5EF4-FFF2-40B4-BE49-F238E27FC236}">
-                <a16:creationId xmlns:a16="http://schemas.microsoft.com/office/drawing/2014/main" xmlns="" id="{E8768BA8-B98C-42ED-A0B9-DE12AC3706CD}"/>
+                <a16:creationId xmlns="" xmlns:a16="http://schemas.microsoft.com/office/drawing/2014/main" id="{E8768BA8-B98C-42ED-A0B9-DE12AC3706CD}"/>
               </a:ext>
             </a:extLst>
           </p:cNvPr>
@@ -9380,7 +10474,7 @@
           <p:cNvPr id="16" name="Image 15">
             <a:extLst>
               <a:ext uri="{FF2B5EF4-FFF2-40B4-BE49-F238E27FC236}">
-                <a16:creationId xmlns:a16="http://schemas.microsoft.com/office/drawing/2014/main" xmlns="" id="{304EAAEA-0397-46A1-8E65-69AD32EE6CFC}"/>
+                <a16:creationId xmlns="" xmlns:a16="http://schemas.microsoft.com/office/drawing/2014/main" id="{304EAAEA-0397-46A1-8E65-69AD32EE6CFC}"/>
               </a:ext>
             </a:extLst>
           </p:cNvPr>
@@ -9416,7 +10510,7 @@
           <p:cNvPr id="17" name="ZoneTexte 16">
             <a:extLst>
               <a:ext uri="{FF2B5EF4-FFF2-40B4-BE49-F238E27FC236}">
-                <a16:creationId xmlns:a16="http://schemas.microsoft.com/office/drawing/2014/main" xmlns="" id="{5D7B240B-E767-4005-B5D4-8142C606C573}"/>
+                <a16:creationId xmlns="" xmlns:a16="http://schemas.microsoft.com/office/drawing/2014/main" id="{5D7B240B-E767-4005-B5D4-8142C606C573}"/>
               </a:ext>
             </a:extLst>
           </p:cNvPr>
@@ -9456,7 +10550,7 @@
           <p:cNvPr id="19" name="Image 18">
             <a:extLst>
               <a:ext uri="{FF2B5EF4-FFF2-40B4-BE49-F238E27FC236}">
-                <a16:creationId xmlns:a16="http://schemas.microsoft.com/office/drawing/2014/main" xmlns="" id="{5AF771D0-4AE6-4AB7-A865-EDF9FEAAE85C}"/>
+                <a16:creationId xmlns="" xmlns:a16="http://schemas.microsoft.com/office/drawing/2014/main" id="{5AF771D0-4AE6-4AB7-A865-EDF9FEAAE85C}"/>
               </a:ext>
             </a:extLst>
           </p:cNvPr>
@@ -9487,6 +10581,176 @@
           </a:prstGeom>
         </p:spPr>
       </p:pic>
+      <p:sp>
+        <p:nvSpPr>
+          <p:cNvPr id="2" name="ZoneTexte 1"/>
+          <p:cNvSpPr txBox="1"/>
+          <p:nvPr/>
+        </p:nvSpPr>
+        <p:spPr>
+          <a:xfrm>
+            <a:off x="9144000" y="1686757"/>
+            <a:ext cx="2024109" cy="1815882"/>
+          </a:xfrm>
+          <a:prstGeom prst="rect">
+            <a:avLst/>
+          </a:prstGeom>
+          <a:noFill/>
+        </p:spPr>
+        <p:txBody>
+          <a:bodyPr wrap="square" rtlCol="0">
+            <a:spAutoFit/>
+          </a:bodyPr>
+          <a:lstStyle/>
+          <a:p>
+            <a:r>
+              <a:rPr lang="fr-FR" dirty="0" smtClean="0">
+                <a:latin typeface="Montserrat" panose="00000500000000000000" pitchFamily="2" charset="0"/>
+                <a:cs typeface="Mongolian Baiti" panose="03000500000000000000" pitchFamily="66" charset="0"/>
+              </a:rPr>
+              <a:t>« Tomate »</a:t>
+            </a:r>
+          </a:p>
+          <a:p>
+            <a:r>
+              <a:rPr lang="fr-FR" sz="1500" dirty="0" smtClean="0">
+                <a:solidFill>
+                  <a:schemeClr val="bg2">
+                    <a:lumMod val="50000"/>
+                  </a:schemeClr>
+                </a:solidFill>
+                <a:latin typeface="Montserrat" panose="00000500000000000000" pitchFamily="2" charset="0"/>
+                <a:cs typeface="Mongolian Baiti" panose="03000500000000000000" pitchFamily="66" charset="0"/>
+              </a:rPr>
+              <a:t>&gt;Partie </a:t>
+            </a:r>
+            <a:r>
+              <a:rPr lang="fr-FR" sz="1500" dirty="0" err="1" smtClean="0">
+                <a:solidFill>
+                  <a:schemeClr val="bg2">
+                    <a:lumMod val="50000"/>
+                  </a:schemeClr>
+                </a:solidFill>
+                <a:latin typeface="Montserrat" panose="00000500000000000000" pitchFamily="2" charset="0"/>
+                <a:cs typeface="Mongolian Baiti" panose="03000500000000000000" pitchFamily="66" charset="0"/>
+              </a:rPr>
+              <a:t>Patchnotes</a:t>
+            </a:r>
+            <a:endParaRPr lang="fr-FR" sz="1500" dirty="0" smtClean="0">
+              <a:solidFill>
+                <a:schemeClr val="bg2">
+                  <a:lumMod val="50000"/>
+                </a:schemeClr>
+              </a:solidFill>
+              <a:latin typeface="Montserrat" panose="00000500000000000000" pitchFamily="2" charset="0"/>
+              <a:cs typeface="Mongolian Baiti" panose="03000500000000000000" pitchFamily="66" charset="0"/>
+            </a:endParaRPr>
+          </a:p>
+          <a:p>
+            <a:r>
+              <a:rPr lang="fr-FR" sz="1600" dirty="0">
+                <a:latin typeface="Montserrat" panose="00000500000000000000" pitchFamily="2" charset="0"/>
+                <a:cs typeface="Mongolian Baiti" panose="03000500000000000000" pitchFamily="66" charset="0"/>
+              </a:rPr>
+              <a:t>« </a:t>
+            </a:r>
+            <a:r>
+              <a:rPr lang="fr-FR" sz="1600" dirty="0" smtClean="0">
+                <a:latin typeface="Montserrat" panose="00000500000000000000" pitchFamily="2" charset="0"/>
+                <a:cs typeface="Mongolian Baiti" panose="03000500000000000000" pitchFamily="66" charset="0"/>
+              </a:rPr>
+              <a:t>Bleu</a:t>
+            </a:r>
+            <a:r>
+              <a:rPr lang="fr-FR" sz="1600" dirty="0">
+                <a:latin typeface="Montserrat" panose="00000500000000000000" pitchFamily="2" charset="0"/>
+                <a:cs typeface="Mongolian Baiti" panose="03000500000000000000" pitchFamily="66" charset="0"/>
+              </a:rPr>
+              <a:t> »</a:t>
+            </a:r>
+          </a:p>
+          <a:p>
+            <a:r>
+              <a:rPr lang="fr-FR" sz="1500" dirty="0" smtClean="0">
+                <a:solidFill>
+                  <a:schemeClr val="bg2">
+                    <a:lumMod val="50000"/>
+                  </a:schemeClr>
+                </a:solidFill>
+                <a:latin typeface="Montserrat" panose="00000500000000000000" pitchFamily="2" charset="0"/>
+                <a:cs typeface="Mongolian Baiti" panose="03000500000000000000" pitchFamily="66" charset="0"/>
+              </a:rPr>
+              <a:t>&gt;Partie Compte</a:t>
+            </a:r>
+            <a:endParaRPr lang="fr-FR" sz="1500" dirty="0">
+              <a:solidFill>
+                <a:schemeClr val="bg2">
+                  <a:lumMod val="50000"/>
+                </a:schemeClr>
+              </a:solidFill>
+              <a:latin typeface="Montserrat" panose="00000500000000000000" pitchFamily="2" charset="0"/>
+              <a:cs typeface="Mongolian Baiti" panose="03000500000000000000" pitchFamily="66" charset="0"/>
+            </a:endParaRPr>
+          </a:p>
+          <a:p>
+            <a:r>
+              <a:rPr lang="fr-FR" sz="1600" dirty="0">
+                <a:latin typeface="Montserrat" panose="00000500000000000000" pitchFamily="2" charset="0"/>
+                <a:cs typeface="Mongolian Baiti" panose="03000500000000000000" pitchFamily="66" charset="0"/>
+              </a:rPr>
+              <a:t>« </a:t>
+            </a:r>
+            <a:r>
+              <a:rPr lang="fr-FR" sz="1600" dirty="0" smtClean="0">
+                <a:latin typeface="Montserrat" panose="00000500000000000000" pitchFamily="2" charset="0"/>
+                <a:cs typeface="Mongolian Baiti" panose="03000500000000000000" pitchFamily="66" charset="0"/>
+              </a:rPr>
+              <a:t>Cyan</a:t>
+            </a:r>
+            <a:r>
+              <a:rPr lang="fr-FR" sz="1600" dirty="0">
+                <a:latin typeface="Montserrat" panose="00000500000000000000" pitchFamily="2" charset="0"/>
+                <a:cs typeface="Mongolian Baiti" panose="03000500000000000000" pitchFamily="66" charset="0"/>
+              </a:rPr>
+              <a:t> »</a:t>
+            </a:r>
+          </a:p>
+          <a:p>
+            <a:r>
+              <a:rPr lang="fr-FR" sz="1500" dirty="0" smtClean="0">
+                <a:solidFill>
+                  <a:schemeClr val="bg2">
+                    <a:lumMod val="50000"/>
+                  </a:schemeClr>
+                </a:solidFill>
+                <a:latin typeface="Montserrat" panose="00000500000000000000" pitchFamily="2" charset="0"/>
+                <a:cs typeface="Mongolian Baiti" panose="03000500000000000000" pitchFamily="66" charset="0"/>
+              </a:rPr>
+              <a:t>&gt;Partie Favoris</a:t>
+            </a:r>
+            <a:endParaRPr lang="fr-FR" sz="1500" dirty="0">
+              <a:solidFill>
+                <a:schemeClr val="bg2">
+                  <a:lumMod val="50000"/>
+                </a:schemeClr>
+              </a:solidFill>
+              <a:latin typeface="Montserrat" panose="00000500000000000000" pitchFamily="2" charset="0"/>
+              <a:cs typeface="Mongolian Baiti" panose="03000500000000000000" pitchFamily="66" charset="0"/>
+            </a:endParaRPr>
+          </a:p>
+          <a:p>
+            <a:endParaRPr lang="fr-FR" sz="1500" dirty="0">
+              <a:solidFill>
+                <a:schemeClr val="bg2">
+                  <a:lumMod val="50000"/>
+                </a:schemeClr>
+              </a:solidFill>
+              <a:latin typeface="Montserrat" panose="00000500000000000000" pitchFamily="2" charset="0"/>
+              <a:cs typeface="Mongolian Baiti" panose="03000500000000000000" pitchFamily="66" charset="0"/>
+            </a:endParaRPr>
+          </a:p>
+        </p:txBody>
+      </p:sp>
     </p:spTree>
     <p:extLst>
       <p:ext uri="{BB962C8B-B14F-4D97-AF65-F5344CB8AC3E}">
@@ -9648,6 +10912,41 @@
                                   </p:childTnLst>
                                 </p:cTn>
                               </p:par>
+                              <p:par>
+                                <p:cTn id="13" presetID="10" presetClass="entr" presetSubtype="0" fill="hold" grpId="0" nodeType="withEffect">
+                                  <p:stCondLst>
+                                    <p:cond delay="0"/>
+                                  </p:stCondLst>
+                                  <p:childTnLst>
+                                    <p:set>
+                                      <p:cBhvr>
+                                        <p:cTn id="14" dur="1" fill="hold">
+                                          <p:stCondLst>
+                                            <p:cond delay="0"/>
+                                          </p:stCondLst>
+                                        </p:cTn>
+                                        <p:tgtEl>
+                                          <p:spTgt spid="2"/>
+                                        </p:tgtEl>
+                                        <p:attrNameLst>
+                                          <p:attrName>style.visibility</p:attrName>
+                                        </p:attrNameLst>
+                                      </p:cBhvr>
+                                      <p:to>
+                                        <p:strVal val="visible"/>
+                                      </p:to>
+                                    </p:set>
+                                    <p:animEffect transition="in" filter="fade">
+                                      <p:cBhvr>
+                                        <p:cTn id="15" dur="500"/>
+                                        <p:tgtEl>
+                                          <p:spTgt spid="2"/>
+                                        </p:tgtEl>
+                                      </p:cBhvr>
+                                    </p:animEffect>
+                                  </p:childTnLst>
+                                </p:cTn>
+                              </p:par>
                             </p:childTnLst>
                           </p:cTn>
                         </p:par>
@@ -9655,19 +10954,19 @@
                     </p:cTn>
                   </p:par>
                   <p:par>
-                    <p:cTn id="13" fill="hold">
+                    <p:cTn id="16" fill="hold">
                       <p:stCondLst>
                         <p:cond delay="indefinite"/>
                       </p:stCondLst>
                       <p:childTnLst>
                         <p:par>
-                          <p:cTn id="14" fill="hold">
+                          <p:cTn id="17" fill="hold">
                             <p:stCondLst>
                               <p:cond delay="0"/>
                             </p:stCondLst>
                             <p:childTnLst>
                               <p:par>
-                                <p:cTn id="15" presetID="16" presetClass="emph" presetSubtype="0" fill="hold" grpId="1" nodeType="clickEffect">
+                                <p:cTn id="18" presetID="16" presetClass="emph" presetSubtype="0" fill="hold" grpId="1" nodeType="clickEffect">
                                   <p:stCondLst>
                                     <p:cond delay="0"/>
                                   </p:stCondLst>
@@ -9677,7 +10976,7 @@
                                   <p:childTnLst>
                                     <p:set>
                                       <p:cBhvr override="childStyle">
-                                        <p:cTn id="16" dur="500" fill="hold"/>
+                                        <p:cTn id="19" dur="500" fill="hold"/>
                                         <p:tgtEl>
                                           <p:spTgt spid="7"/>
                                         </p:tgtEl>
@@ -9693,7 +10992,7 @@
                                     </p:set>
                                     <p:set>
                                       <p:cBhvr>
-                                        <p:cTn id="17" dur="500" fill="hold"/>
+                                        <p:cTn id="20" dur="500" fill="hold"/>
                                         <p:tgtEl>
                                           <p:spTgt spid="7"/>
                                         </p:tgtEl>
@@ -9709,7 +11008,7 @@
                                     </p:set>
                                     <p:set>
                                       <p:cBhvr>
-                                        <p:cTn id="18" dur="500" fill="hold"/>
+                                        <p:cTn id="21" dur="500" fill="hold"/>
                                         <p:tgtEl>
                                           <p:spTgt spid="7"/>
                                         </p:tgtEl>
@@ -9725,7 +11024,7 @@
                                 </p:cTn>
                               </p:par>
                               <p:par>
-                                <p:cTn id="19" presetID="16" presetClass="emph" presetSubtype="0" fill="hold" grpId="0" nodeType="withEffect">
+                                <p:cTn id="22" presetID="16" presetClass="emph" presetSubtype="0" fill="hold" grpId="0" nodeType="withEffect">
                                   <p:stCondLst>
                                     <p:cond delay="600"/>
                                   </p:stCondLst>
@@ -9735,7 +11034,7 @@
                                   <p:childTnLst>
                                     <p:set>
                                       <p:cBhvr override="childStyle">
-                                        <p:cTn id="20" dur="500" fill="hold"/>
+                                        <p:cTn id="23" dur="500" fill="hold"/>
                                         <p:tgtEl>
                                           <p:spTgt spid="8"/>
                                         </p:tgtEl>
@@ -9751,7 +11050,7 @@
                                     </p:set>
                                     <p:set>
                                       <p:cBhvr>
-                                        <p:cTn id="21" dur="500" fill="hold"/>
+                                        <p:cTn id="24" dur="500" fill="hold"/>
                                         <p:tgtEl>
                                           <p:spTgt spid="8"/>
                                         </p:tgtEl>
@@ -9767,7 +11066,7 @@
                                     </p:set>
                                     <p:set>
                                       <p:cBhvr>
-                                        <p:cTn id="22" dur="500" fill="hold"/>
+                                        <p:cTn id="25" dur="500" fill="hold"/>
                                         <p:tgtEl>
                                           <p:spTgt spid="8"/>
                                         </p:tgtEl>
@@ -9783,16 +11082,16 @@
                                 </p:cTn>
                               </p:par>
                               <p:par>
-                                <p:cTn id="23" presetID="2" presetClass="exit" presetSubtype="2" fill="hold" nodeType="withEffect">
+                                <p:cTn id="26" presetID="2" presetClass="exit" presetSubtype="2" fill="hold" grpId="1" nodeType="withEffect">
                                   <p:stCondLst>
                                     <p:cond delay="0"/>
                                   </p:stCondLst>
                                   <p:childTnLst>
                                     <p:anim calcmode="lin" valueType="num">
                                       <p:cBhvr additive="base">
-                                        <p:cTn id="24" dur="500"/>
-                                        <p:tgtEl>
-                                          <p:spTgt spid="6"/>
+                                        <p:cTn id="27" dur="500"/>
+                                        <p:tgtEl>
+                                          <p:spTgt spid="2"/>
                                         </p:tgtEl>
                                         <p:attrNameLst>
                                           <p:attrName>ppt_x</p:attrName>
@@ -9813,9 +11112,9 @@
                                     </p:anim>
                                     <p:anim calcmode="lin" valueType="num">
                                       <p:cBhvr additive="base">
-                                        <p:cTn id="25" dur="500"/>
-                                        <p:tgtEl>
-                                          <p:spTgt spid="6"/>
+                                        <p:cTn id="28" dur="500"/>
+                                        <p:tgtEl>
+                                          <p:spTgt spid="2"/>
                                         </p:tgtEl>
                                         <p:attrNameLst>
                                           <p:attrName>ppt_y</p:attrName>
@@ -9836,13 +11135,13 @@
                                     </p:anim>
                                     <p:set>
                                       <p:cBhvr>
-                                        <p:cTn id="26" dur="1" fill="hold">
+                                        <p:cTn id="29" dur="1" fill="hold">
                                           <p:stCondLst>
                                             <p:cond delay="499"/>
                                           </p:stCondLst>
                                         </p:cTn>
                                         <p:tgtEl>
-                                          <p:spTgt spid="6"/>
+                                          <p:spTgt spid="2"/>
                                         </p:tgtEl>
                                         <p:attrNameLst>
                                           <p:attrName>style.visibility</p:attrName>
@@ -9856,14 +11155,87 @@
                                 </p:cTn>
                               </p:par>
                               <p:par>
-                                <p:cTn id="27" presetID="2" presetClass="entr" presetSubtype="4" fill="hold" nodeType="withEffect">
+                                <p:cTn id="30" presetID="2" presetClass="exit" presetSubtype="2" fill="hold" nodeType="withEffect">
+                                  <p:stCondLst>
+                                    <p:cond delay="0"/>
+                                  </p:stCondLst>
+                                  <p:childTnLst>
+                                    <p:anim calcmode="lin" valueType="num">
+                                      <p:cBhvr additive="base">
+                                        <p:cTn id="31" dur="1200"/>
+                                        <p:tgtEl>
+                                          <p:spTgt spid="6"/>
+                                        </p:tgtEl>
+                                        <p:attrNameLst>
+                                          <p:attrName>ppt_x</p:attrName>
+                                        </p:attrNameLst>
+                                      </p:cBhvr>
+                                      <p:tavLst>
+                                        <p:tav tm="0">
+                                          <p:val>
+                                            <p:strVal val="ppt_x"/>
+                                          </p:val>
+                                        </p:tav>
+                                        <p:tav tm="100000">
+                                          <p:val>
+                                            <p:strVal val="1+ppt_w/2"/>
+                                          </p:val>
+                                        </p:tav>
+                                      </p:tavLst>
+                                    </p:anim>
+                                    <p:anim calcmode="lin" valueType="num">
+                                      <p:cBhvr additive="base">
+                                        <p:cTn id="32" dur="1200"/>
+                                        <p:tgtEl>
+                                          <p:spTgt spid="6"/>
+                                        </p:tgtEl>
+                                        <p:attrNameLst>
+                                          <p:attrName>ppt_y</p:attrName>
+                                        </p:attrNameLst>
+                                      </p:cBhvr>
+                                      <p:tavLst>
+                                        <p:tav tm="0">
+                                          <p:val>
+                                            <p:strVal val="ppt_y"/>
+                                          </p:val>
+                                        </p:tav>
+                                        <p:tav tm="100000">
+                                          <p:val>
+                                            <p:strVal val="ppt_y"/>
+                                          </p:val>
+                                        </p:tav>
+                                      </p:tavLst>
+                                    </p:anim>
+                                    <p:set>
+                                      <p:cBhvr>
+                                        <p:cTn id="33" dur="1" fill="hold">
+                                          <p:stCondLst>
+                                            <p:cond delay="1199"/>
+                                          </p:stCondLst>
+                                        </p:cTn>
+                                        <p:tgtEl>
+                                          <p:spTgt spid="6"/>
+                                        </p:tgtEl>
+                                        <p:attrNameLst>
+                                          <p:attrName>style.visibility</p:attrName>
+                                        </p:attrNameLst>
+                                      </p:cBhvr>
+                                      <p:to>
+                                        <p:strVal val="hidden"/>
+                                      </p:to>
+                                    </p:set>
+                                  </p:childTnLst>
+                                </p:cTn>
+                              </p:par>
+                              <p:par>
+                                <p:cTn id="34" presetID="2" presetClass="entr" presetSubtype="4" fill="hold" nodeType="withEffect">
                                   <p:stCondLst>
                                     <p:cond delay="600"/>
                                   </p:stCondLst>
                                   <p:childTnLst>
                                     <p:set>
                                       <p:cBhvr>
-                                        <p:cTn id="28" dur="1" fill="hold">
+                                        <p:cTn id="35" dur="1" fill="hold">
                                           <p:stCondLst>
                                             <p:cond delay="0"/>
                                           </p:stCondLst>
@@ -9881,7 +11253,7 @@
                                     </p:set>
                                     <p:anim calcmode="lin" valueType="num">
                                       <p:cBhvr additive="base">
-                                        <p:cTn id="29" dur="500" fill="hold"/>
+                                        <p:cTn id="36" dur="700" fill="hold"/>
                                         <p:tgtEl>
                                           <p:spTgt spid="12"/>
                                         </p:tgtEl>
@@ -9904,7 +11276,7 @@
                                     </p:anim>
                                     <p:anim calcmode="lin" valueType="num">
                                       <p:cBhvr additive="base">
-                                        <p:cTn id="30" dur="500" fill="hold"/>
+                                        <p:cTn id="37" dur="700" fill="hold"/>
                                         <p:tgtEl>
                                           <p:spTgt spid="12"/>
                                         </p:tgtEl>
@@ -9935,19 +11307,19 @@
                     </p:cTn>
                   </p:par>
                   <p:par>
-                    <p:cTn id="31" fill="hold">
+                    <p:cTn id="38" fill="hold">
                       <p:stCondLst>
                         <p:cond delay="indefinite"/>
                       </p:stCondLst>
                       <p:childTnLst>
                         <p:par>
-                          <p:cTn id="32" fill="hold">
+                          <p:cTn id="39" fill="hold">
                             <p:stCondLst>
                               <p:cond delay="0"/>
                             </p:stCondLst>
                             <p:childTnLst>
                               <p:par>
-                                <p:cTn id="33" presetID="16" presetClass="emph" presetSubtype="0" fill="hold" grpId="1" nodeType="clickEffect">
+                                <p:cTn id="40" presetID="16" presetClass="emph" presetSubtype="0" fill="hold" grpId="1" nodeType="clickEffect">
                                   <p:stCondLst>
                                     <p:cond delay="0"/>
                                   </p:stCondLst>
@@ -9957,7 +11329,7 @@
                                   <p:childTnLst>
                                     <p:set>
                                       <p:cBhvr override="childStyle">
-                                        <p:cTn id="34" dur="500" fill="hold"/>
+                                        <p:cTn id="41" dur="500" fill="hold"/>
                                         <p:tgtEl>
                                           <p:spTgt spid="8"/>
                                         </p:tgtEl>
@@ -9973,7 +11345,7 @@
                                     </p:set>
                                     <p:set>
                                       <p:cBhvr>
-                                        <p:cTn id="35" dur="500" fill="hold"/>
+                                        <p:cTn id="42" dur="500" fill="hold"/>
                                         <p:tgtEl>
                                           <p:spTgt spid="8"/>
                                         </p:tgtEl>
@@ -9989,7 +11361,7 @@
                                     </p:set>
                                     <p:set>
                                       <p:cBhvr>
-                                        <p:cTn id="36" dur="500" fill="hold"/>
+                                        <p:cTn id="43" dur="500" fill="hold"/>
                                         <p:tgtEl>
                                           <p:spTgt spid="8"/>
                                         </p:tgtEl>
@@ -10005,14 +11377,14 @@
                                 </p:cTn>
                               </p:par>
                               <p:par>
-                                <p:cTn id="37" presetID="2" presetClass="exit" presetSubtype="2" fill="hold" nodeType="withEffect">
+                                <p:cTn id="44" presetID="2" presetClass="exit" presetSubtype="2" fill="hold" nodeType="withEffect">
                                   <p:stCondLst>
                                     <p:cond delay="0"/>
                                   </p:stCondLst>
                                   <p:childTnLst>
                                     <p:anim calcmode="lin" valueType="num">
                                       <p:cBhvr additive="base">
-                                        <p:cTn id="38" dur="500"/>
+                                        <p:cTn id="45" dur="800"/>
                                         <p:tgtEl>
                                           <p:spTgt spid="12"/>
                                         </p:tgtEl>
@@ -10035,7 +11407,7 @@
                                     </p:anim>
                                     <p:anim calcmode="lin" valueType="num">
                                       <p:cBhvr additive="base">
-                                        <p:cTn id="39" dur="500"/>
+                                        <p:cTn id="46" dur="800"/>
                                         <p:tgtEl>
                                           <p:spTgt spid="12"/>
                                         </p:tgtEl>
@@ -10058,9 +11430,9 @@
                                     </p:anim>
                                     <p:set>
                                       <p:cBhvr>
-                                        <p:cTn id="40" dur="1" fill="hold">
+                                        <p:cTn id="47" dur="1" fill="hold">
                                           <p:stCondLst>
-                                            <p:cond delay="499"/>
+                                            <p:cond delay="799"/>
                                           </p:stCondLst>
                                         </p:cTn>
                                         <p:tgtEl>
@@ -10078,7 +11450,7 @@
                                 </p:cTn>
                               </p:par>
                               <p:par>
-                                <p:cTn id="41" presetID="16" presetClass="emph" presetSubtype="0" fill="hold" grpId="0" nodeType="withEffect">
+                                <p:cTn id="48" presetID="16" presetClass="emph" presetSubtype="0" fill="hold" grpId="0" nodeType="withEffect">
                                   <p:stCondLst>
                                     <p:cond delay="600"/>
                                   </p:stCondLst>
@@ -10088,7 +11460,7 @@
                                   <p:childTnLst>
                                     <p:set>
                                       <p:cBhvr override="childStyle">
-                                        <p:cTn id="42" dur="500" fill="hold"/>
+                                        <p:cTn id="49" dur="500" fill="hold"/>
                                         <p:tgtEl>
                                           <p:spTgt spid="9"/>
                                         </p:tgtEl>
@@ -10104,7 +11476,7 @@
                                     </p:set>
                                     <p:set>
                                       <p:cBhvr>
-                                        <p:cTn id="43" dur="500" fill="hold"/>
+                                        <p:cTn id="50" dur="500" fill="hold"/>
                                         <p:tgtEl>
                                           <p:spTgt spid="9"/>
                                         </p:tgtEl>
@@ -10120,7 +11492,7 @@
                                     </p:set>
                                     <p:set>
                                       <p:cBhvr>
-                                        <p:cTn id="44" dur="500" fill="hold"/>
+                                        <p:cTn id="51" dur="500" fill="hold"/>
                                         <p:tgtEl>
                                           <p:spTgt spid="9"/>
                                         </p:tgtEl>
@@ -10136,14 +11508,14 @@
                                 </p:cTn>
                               </p:par>
                               <p:par>
-                                <p:cTn id="45" presetID="2" presetClass="entr" presetSubtype="4" fill="hold" nodeType="withEffect">
+                                <p:cTn id="52" presetID="2" presetClass="entr" presetSubtype="4" fill="hold" nodeType="withEffect">
                                   <p:stCondLst>
                                     <p:cond delay="600"/>
                                   </p:stCondLst>
                                   <p:childTnLst>
                                     <p:set>
                                       <p:cBhvr>
-                                        <p:cTn id="46" dur="1" fill="hold">
+                                        <p:cTn id="53" dur="1" fill="hold">
                                           <p:stCondLst>
                                             <p:cond delay="0"/>
                                           </p:stCondLst>
@@ -10161,7 +11533,7 @@
                                     </p:set>
                                     <p:anim calcmode="lin" valueType="num">
                                       <p:cBhvr additive="base">
-                                        <p:cTn id="47" dur="500" fill="hold"/>
+                                        <p:cTn id="54" dur="900" fill="hold"/>
                                         <p:tgtEl>
                                           <p:spTgt spid="14"/>
                                         </p:tgtEl>
@@ -10184,7 +11556,7 @@
                                     </p:anim>
                                     <p:anim calcmode="lin" valueType="num">
                                       <p:cBhvr additive="base">
-                                        <p:cTn id="48" dur="500" fill="hold"/>
+                                        <p:cTn id="55" dur="900" fill="hold"/>
                                         <p:tgtEl>
                                           <p:spTgt spid="14"/>
                                         </p:tgtEl>
@@ -10215,19 +11587,19 @@
                     </p:cTn>
                   </p:par>
                   <p:par>
-                    <p:cTn id="49" fill="hold">
+                    <p:cTn id="56" fill="hold">
                       <p:stCondLst>
                         <p:cond delay="indefinite"/>
                       </p:stCondLst>
                       <p:childTnLst>
                         <p:par>
-                          <p:cTn id="50" fill="hold">
+                          <p:cTn id="57" fill="hold">
                             <p:stCondLst>
                               <p:cond delay="0"/>
                             </p:stCondLst>
                             <p:childTnLst>
                               <p:par>
-                                <p:cTn id="51" presetID="16" presetClass="emph" presetSubtype="0" fill="hold" grpId="1" nodeType="clickEffect">
+                                <p:cTn id="58" presetID="16" presetClass="emph" presetSubtype="0" fill="hold" grpId="1" nodeType="clickEffect">
                                   <p:stCondLst>
                                     <p:cond delay="0"/>
                                   </p:stCondLst>
@@ -10237,7 +11609,7 @@
                                   <p:childTnLst>
                                     <p:set>
                                       <p:cBhvr override="childStyle">
-                                        <p:cTn id="52" dur="500" fill="hold"/>
+                                        <p:cTn id="59" dur="500" fill="hold"/>
                                         <p:tgtEl>
                                           <p:spTgt spid="9"/>
                                         </p:tgtEl>
@@ -10253,7 +11625,7 @@
                                     </p:set>
                                     <p:set>
                                       <p:cBhvr>
-                                        <p:cTn id="53" dur="500" fill="hold"/>
+                                        <p:cTn id="60" dur="500" fill="hold"/>
                                         <p:tgtEl>
                                           <p:spTgt spid="9"/>
                                         </p:tgtEl>
@@ -10269,7 +11641,7 @@
                                     </p:set>
                                     <p:set>
                                       <p:cBhvr>
-                                        <p:cTn id="54" dur="500" fill="hold"/>
+                                        <p:cTn id="61" dur="500" fill="hold"/>
                                         <p:tgtEl>
                                           <p:spTgt spid="9"/>
                                         </p:tgtEl>
@@ -10285,14 +11657,14 @@
                                 </p:cTn>
                               </p:par>
                               <p:par>
-                                <p:cTn id="55" presetID="2" presetClass="exit" presetSubtype="2" fill="hold" nodeType="withEffect">
+                                <p:cTn id="62" presetID="2" presetClass="exit" presetSubtype="2" fill="hold" nodeType="withEffect">
                                   <p:stCondLst>
                                     <p:cond delay="0"/>
                                   </p:stCondLst>
                                   <p:childTnLst>
                                     <p:anim calcmode="lin" valueType="num">
                                       <p:cBhvr additive="base">
-                                        <p:cTn id="56" dur="500"/>
+                                        <p:cTn id="63" dur="800"/>
                                         <p:tgtEl>
                                           <p:spTgt spid="14"/>
                                         </p:tgtEl>
@@ -10315,7 +11687,7 @@
                                     </p:anim>
                                     <p:anim calcmode="lin" valueType="num">
                                       <p:cBhvr additive="base">
-                                        <p:cTn id="57" dur="500"/>
+                                        <p:cTn id="64" dur="800"/>
                                         <p:tgtEl>
                                           <p:spTgt spid="14"/>
                                         </p:tgtEl>
@@ -10338,9 +11710,9 @@
                                     </p:anim>
                                     <p:set>
                                       <p:cBhvr>
-                                        <p:cTn id="58" dur="1" fill="hold">
+                                        <p:cTn id="65" dur="1" fill="hold">
                                           <p:stCondLst>
-                                            <p:cond delay="499"/>
+                                            <p:cond delay="799"/>
                                           </p:stCondLst>
                                         </p:cTn>
                                         <p:tgtEl>
@@ -10358,7 +11730,7 @@
                                 </p:cTn>
                               </p:par>
                               <p:par>
-                                <p:cTn id="59" presetID="16" presetClass="emph" presetSubtype="0" fill="hold" grpId="0" nodeType="withEffect">
+                                <p:cTn id="66" presetID="16" presetClass="emph" presetSubtype="0" fill="hold" grpId="0" nodeType="withEffect">
                                   <p:stCondLst>
                                     <p:cond delay="600"/>
                                   </p:stCondLst>
@@ -10368,7 +11740,7 @@
                                   <p:childTnLst>
                                     <p:set>
                                       <p:cBhvr override="childStyle">
-                                        <p:cTn id="60" dur="500" fill="hold"/>
+                                        <p:cTn id="67" dur="500" fill="hold"/>
                                         <p:tgtEl>
                                           <p:spTgt spid="10"/>
                                         </p:tgtEl>
@@ -10384,7 +11756,7 @@
                                     </p:set>
                                     <p:set>
                                       <p:cBhvr>
-                                        <p:cTn id="61" dur="500" fill="hold"/>
+                                        <p:cTn id="68" dur="500" fill="hold"/>
                                         <p:tgtEl>
                                           <p:spTgt spid="10"/>
                                         </p:tgtEl>
@@ -10400,7 +11772,7 @@
                                     </p:set>
                                     <p:set>
                                       <p:cBhvr>
-                                        <p:cTn id="62" dur="500" fill="hold"/>
+                                        <p:cTn id="69" dur="500" fill="hold"/>
                                         <p:tgtEl>
                                           <p:spTgt spid="10"/>
                                         </p:tgtEl>
@@ -10416,14 +11788,14 @@
                                 </p:cTn>
                               </p:par>
                               <p:par>
-                                <p:cTn id="63" presetID="2" presetClass="entr" presetSubtype="4" fill="hold" nodeType="withEffect">
+                                <p:cTn id="70" presetID="2" presetClass="entr" presetSubtype="4" fill="hold" nodeType="withEffect">
                                   <p:stCondLst>
                                     <p:cond delay="600"/>
                                   </p:stCondLst>
                                   <p:childTnLst>
                                     <p:set>
                                       <p:cBhvr>
-                                        <p:cTn id="64" dur="1" fill="hold">
+                                        <p:cTn id="71" dur="1" fill="hold">
                                           <p:stCondLst>
                                             <p:cond delay="0"/>
                                           </p:stCondLst>
@@ -10441,7 +11813,7 @@
                                     </p:set>
                                     <p:anim calcmode="lin" valueType="num">
                                       <p:cBhvr additive="base">
-                                        <p:cTn id="65" dur="500" fill="hold"/>
+                                        <p:cTn id="72" dur="800" fill="hold"/>
                                         <p:tgtEl>
                                           <p:spTgt spid="16"/>
                                         </p:tgtEl>
@@ -10464,7 +11836,7 @@
                                     </p:anim>
                                     <p:anim calcmode="lin" valueType="num">
                                       <p:cBhvr additive="base">
-                                        <p:cTn id="66" dur="500" fill="hold"/>
+                                        <p:cTn id="73" dur="800" fill="hold"/>
                                         <p:tgtEl>
                                           <p:spTgt spid="16"/>
                                         </p:tgtEl>
@@ -10495,19 +11867,19 @@
                     </p:cTn>
                   </p:par>
                   <p:par>
-                    <p:cTn id="67" fill="hold">
+                    <p:cTn id="74" fill="hold">
                       <p:stCondLst>
                         <p:cond delay="indefinite"/>
                       </p:stCondLst>
                       <p:childTnLst>
                         <p:par>
-                          <p:cTn id="68" fill="hold">
+                          <p:cTn id="75" fill="hold">
                             <p:stCondLst>
                               <p:cond delay="0"/>
                             </p:stCondLst>
                             <p:childTnLst>
                               <p:par>
-                                <p:cTn id="69" presetID="16" presetClass="emph" presetSubtype="0" fill="hold" grpId="1" nodeType="clickEffect">
+                                <p:cTn id="76" presetID="16" presetClass="emph" presetSubtype="0" fill="hold" grpId="1" nodeType="clickEffect">
                                   <p:stCondLst>
                                     <p:cond delay="0"/>
                                   </p:stCondLst>
@@ -10517,7 +11889,7 @@
                                   <p:childTnLst>
                                     <p:set>
                                       <p:cBhvr override="childStyle">
-                                        <p:cTn id="70" dur="500" fill="hold"/>
+                                        <p:cTn id="77" dur="500" fill="hold"/>
                                         <p:tgtEl>
                                           <p:spTgt spid="10"/>
                                         </p:tgtEl>
@@ -10533,7 +11905,7 @@
                                     </p:set>
                                     <p:set>
                                       <p:cBhvr>
-                                        <p:cTn id="71" dur="500" fill="hold"/>
+                                        <p:cTn id="78" dur="500" fill="hold"/>
                                         <p:tgtEl>
                                           <p:spTgt spid="10"/>
                                         </p:tgtEl>
@@ -10549,7 +11921,7 @@
                                     </p:set>
                                     <p:set>
                                       <p:cBhvr>
-                                        <p:cTn id="72" dur="500" fill="hold"/>
+                                        <p:cTn id="79" dur="500" fill="hold"/>
                                         <p:tgtEl>
                                           <p:spTgt spid="10"/>
                                         </p:tgtEl>
@@ -10565,14 +11937,14 @@
                                 </p:cTn>
                               </p:par>
                               <p:par>
-                                <p:cTn id="73" presetID="2" presetClass="exit" presetSubtype="2" fill="hold" nodeType="withEffect">
+                                <p:cTn id="80" presetID="2" presetClass="exit" presetSubtype="2" fill="hold" nodeType="withEffect">
                                   <p:stCondLst>
                                     <p:cond delay="0"/>
                                   </p:stCondLst>
                                   <p:childTnLst>
                                     <p:anim calcmode="lin" valueType="num">
                                       <p:cBhvr additive="base">
-                                        <p:cTn id="74" dur="500"/>
+                                        <p:cTn id="81" dur="800"/>
                                         <p:tgtEl>
                                           <p:spTgt spid="16"/>
                                         </p:tgtEl>
@@ -10595,7 +11967,7 @@
                                     </p:anim>
                                     <p:anim calcmode="lin" valueType="num">
                                       <p:cBhvr additive="base">
-                                        <p:cTn id="75" dur="500"/>
+                                        <p:cTn id="82" dur="800"/>
                                         <p:tgtEl>
                                           <p:spTgt spid="16"/>
                                         </p:tgtEl>
@@ -10618,9 +11990,9 @@
                                     </p:anim>
                                     <p:set>
                                       <p:cBhvr>
-                                        <p:cTn id="76" dur="1" fill="hold">
+                                        <p:cTn id="83" dur="1" fill="hold">
                                           <p:stCondLst>
-                                            <p:cond delay="499"/>
+                                            <p:cond delay="799"/>
                                           </p:stCondLst>
                                         </p:cTn>
                                         <p:tgtEl>
@@ -10638,7 +12010,7 @@
                                 </p:cTn>
                               </p:par>
                               <p:par>
-                                <p:cTn id="77" presetID="16" presetClass="emph" presetSubtype="0" fill="hold" grpId="0" nodeType="withEffect">
+                                <p:cTn id="84" presetID="16" presetClass="emph" presetSubtype="0" fill="hold" grpId="0" nodeType="withEffect">
                                   <p:stCondLst>
                                     <p:cond delay="600"/>
                                   </p:stCondLst>
@@ -10648,7 +12020,7 @@
                                   <p:childTnLst>
                                     <p:set>
                                       <p:cBhvr override="childStyle">
-                                        <p:cTn id="78" dur="500" fill="hold"/>
+                                        <p:cTn id="85" dur="500" fill="hold"/>
                                         <p:tgtEl>
                                           <p:spTgt spid="17"/>
                                         </p:tgtEl>
@@ -10664,7 +12036,7 @@
                                     </p:set>
                                     <p:set>
                                       <p:cBhvr>
-                                        <p:cTn id="79" dur="500" fill="hold"/>
+                                        <p:cTn id="86" dur="500" fill="hold"/>
                                         <p:tgtEl>
                                           <p:spTgt spid="17"/>
                                         </p:tgtEl>
@@ -10680,7 +12052,7 @@
                                     </p:set>
                                     <p:set>
                                       <p:cBhvr>
-                                        <p:cTn id="80" dur="500" fill="hold"/>
+                                        <p:cTn id="87" dur="500" fill="hold"/>
                                         <p:tgtEl>
                                           <p:spTgt spid="17"/>
                                         </p:tgtEl>
@@ -10696,14 +12068,14 @@
                                 </p:cTn>
                               </p:par>
                               <p:par>
-                                <p:cTn id="81" presetID="2" presetClass="entr" presetSubtype="4" fill="hold" nodeType="withEffect">
+                                <p:cTn id="88" presetID="2" presetClass="entr" presetSubtype="4" fill="hold" nodeType="withEffect">
                                   <p:stCondLst>
                                     <p:cond delay="600"/>
                                   </p:stCondLst>
                                   <p:childTnLst>
                                     <p:set>
                                       <p:cBhvr>
-                                        <p:cTn id="82" dur="1" fill="hold">
+                                        <p:cTn id="89" dur="1" fill="hold">
                                           <p:stCondLst>
                                             <p:cond delay="0"/>
                                           </p:stCondLst>
@@ -10721,7 +12093,7 @@
                                     </p:set>
                                     <p:anim calcmode="lin" valueType="num">
                                       <p:cBhvr additive="base">
-                                        <p:cTn id="83" dur="500" fill="hold"/>
+                                        <p:cTn id="90" dur="900" fill="hold"/>
                                         <p:tgtEl>
                                           <p:spTgt spid="19"/>
                                         </p:tgtEl>
@@ -10744,7 +12116,7 @@
                                     </p:anim>
                                     <p:anim calcmode="lin" valueType="num">
                                       <p:cBhvr additive="base">
-                                        <p:cTn id="84" dur="500" fill="hold"/>
+                                        <p:cTn id="91" dur="900" fill="hold"/>
                                         <p:tgtEl>
                                           <p:spTgt spid="19"/>
                                         </p:tgtEl>
@@ -10805,142 +12177,14 @@
       <p:bldP spid="10" grpId="0"/>
       <p:bldP spid="10" grpId="1"/>
       <p:bldP spid="17" grpId="0"/>
+      <p:bldP spid="2" grpId="0"/>
+      <p:bldP spid="2" grpId="1"/>
     </p:bldLst>
   </p:timing>
 </p:sld>
 </file>
 
-<file path=ppt/slides/slide5.xml><?xml version="1.0" encoding="utf-8"?>
-<p:sld xmlns:a="http://schemas.openxmlformats.org/drawingml/2006/main" xmlns:r="http://schemas.openxmlformats.org/officeDocument/2006/relationships" xmlns:p="http://schemas.openxmlformats.org/presentationml/2006/main">
-  <p:cSld>
-    <p:spTree>
-      <p:nvGrpSpPr>
-        <p:cNvPr id="1" name=""/>
-        <p:cNvGrpSpPr/>
-        <p:nvPr/>
-      </p:nvGrpSpPr>
-      <p:grpSpPr>
-        <a:xfrm>
-          <a:off x="0" y="0"/>
-          <a:ext cx="0" cy="0"/>
-          <a:chOff x="0" y="0"/>
-          <a:chExt cx="0" cy="0"/>
-        </a:xfrm>
-      </p:grpSpPr>
-      <p:sp>
-        <p:nvSpPr>
-          <p:cNvPr id="7" name="Rectangle 6">
-            <a:extLst>
-              <a:ext uri="{FF2B5EF4-FFF2-40B4-BE49-F238E27FC236}">
-                <a16:creationId xmlns:a16="http://schemas.microsoft.com/office/drawing/2014/main" xmlns="" id="{A003644B-0517-4C25-81A9-88734284C62D}"/>
-              </a:ext>
-            </a:extLst>
-          </p:cNvPr>
-          <p:cNvSpPr/>
-          <p:nvPr/>
-        </p:nvSpPr>
-        <p:spPr>
-          <a:xfrm>
-            <a:off x="5261641" y="276956"/>
-            <a:ext cx="1668715" cy="769441"/>
-          </a:xfrm>
-          <a:prstGeom prst="rect">
-            <a:avLst/>
-          </a:prstGeom>
-          <a:solidFill>
-            <a:srgbClr val="44546B"/>
-          </a:solidFill>
-          <a:ln w="6350">
-            <a:solidFill>
-              <a:schemeClr val="bg1"/>
-            </a:solidFill>
-          </a:ln>
-          <a:effectLst>
-            <a:outerShdw blurRad="50800" dist="38100" dir="2700000" algn="tl" rotWithShape="0">
-              <a:prstClr val="black">
-                <a:alpha val="40000"/>
-              </a:prstClr>
-            </a:outerShdw>
-          </a:effectLst>
-        </p:spPr>
-        <p:txBody>
-          <a:bodyPr wrap="square" anchor="ctr" anchorCtr="1">
-            <a:spAutoFit/>
-          </a:bodyPr>
-          <a:lstStyle/>
-          <a:p>
-            <a:pPr algn="ctr" defTabSz="1450940"/>
-            <a:r>
-              <a:rPr lang="en-US" sz="4400" b="1" dirty="0">
-                <a:solidFill>
-                  <a:schemeClr val="bg1"/>
-                </a:solidFill>
-                <a:latin typeface="Montserrat" panose="00000500000000000000" pitchFamily="2" charset="0"/>
-                <a:ea typeface="Open Sans" pitchFamily="34" charset="0"/>
-                <a:cs typeface="Open Sans" pitchFamily="34" charset="0"/>
-              </a:rPr>
-              <a:t>MCD</a:t>
-            </a:r>
-          </a:p>
-        </p:txBody>
-      </p:sp>
-      <p:pic>
-        <p:nvPicPr>
-          <p:cNvPr id="9" name="Image 8">
-            <a:extLst>
-              <a:ext uri="{FF2B5EF4-FFF2-40B4-BE49-F238E27FC236}">
-                <a16:creationId xmlns:a16="http://schemas.microsoft.com/office/drawing/2014/main" xmlns="" id="{1366B692-252C-4A69-975D-47BAA9E87CDB}"/>
-              </a:ext>
-            </a:extLst>
-          </p:cNvPr>
-          <p:cNvPicPr>
-            <a:picLocks noChangeAspect="1"/>
-          </p:cNvPicPr>
-          <p:nvPr/>
-        </p:nvPicPr>
-        <p:blipFill>
-          <a:blip r:embed="rId2"/>
-          <a:stretch>
-            <a:fillRect/>
-          </a:stretch>
-        </p:blipFill>
-        <p:spPr>
-          <a:xfrm>
-            <a:off x="1862135" y="1223571"/>
-            <a:ext cx="8467729" cy="5492385"/>
-          </a:xfrm>
-          <a:prstGeom prst="rect">
-            <a:avLst/>
-          </a:prstGeom>
-          <a:ln>
-            <a:noFill/>
-          </a:ln>
-          <a:effectLst>
-            <a:softEdge rad="112500"/>
-          </a:effectLst>
-        </p:spPr>
-      </p:pic>
-    </p:spTree>
-    <p:extLst>
-      <p:ext uri="{BB962C8B-B14F-4D97-AF65-F5344CB8AC3E}">
-        <p14:creationId xmlns:p14="http://schemas.microsoft.com/office/powerpoint/2010/main" val="3694368978"/>
-      </p:ext>
-    </p:extLst>
-  </p:cSld>
-  <p:clrMapOvr>
-    <a:masterClrMapping/>
-  </p:clrMapOvr>
-  <p:timing>
-    <p:tnLst>
-      <p:par>
-        <p:cTn id="1" dur="indefinite" restart="never" nodeType="tmRoot"/>
-      </p:par>
-    </p:tnLst>
-  </p:timing>
-</p:sld>
-</file>
-
-<file path=ppt/slides/slide6.xml><?xml version="1.0" encoding="utf-8"?>
+<file path=ppt/slides/slide7.xml><?xml version="1.0" encoding="utf-8"?>
 <p:sld xmlns:a="http://schemas.openxmlformats.org/drawingml/2006/main" xmlns:r="http://schemas.openxmlformats.org/officeDocument/2006/relationships" xmlns:p="http://schemas.openxmlformats.org/presentationml/2006/main">
   <p:cSld>
     <p:spTree>
@@ -10962,7 +12206,7 @@
           <p:cNvPr id="4" name="Rectangle 3">
             <a:extLst>
               <a:ext uri="{FF2B5EF4-FFF2-40B4-BE49-F238E27FC236}">
-                <a16:creationId xmlns:a16="http://schemas.microsoft.com/office/drawing/2014/main" xmlns="" id="{B7C3D3F0-D0A4-4876-946C-FED03D67850D}"/>
+                <a16:creationId xmlns="" xmlns:a16="http://schemas.microsoft.com/office/drawing/2014/main" id="{B7C3D3F0-D0A4-4876-946C-FED03D67850D}"/>
               </a:ext>
             </a:extLst>
           </p:cNvPr>
@@ -11019,7 +12263,7 @@
           <p:cNvPr id="3" name="Oval 32">
             <a:extLst>
               <a:ext uri="{FF2B5EF4-FFF2-40B4-BE49-F238E27FC236}">
-                <a16:creationId xmlns:a16="http://schemas.microsoft.com/office/drawing/2014/main" xmlns="" id="{F65F3873-B65A-4F4C-B0EC-9FEA431DC87D}"/>
+                <a16:creationId xmlns="" xmlns:a16="http://schemas.microsoft.com/office/drawing/2014/main" id="{F65F3873-B65A-4F4C-B0EC-9FEA431DC87D}"/>
               </a:ext>
             </a:extLst>
           </p:cNvPr>
@@ -11087,7 +12331,7 @@
           <p:cNvPr id="5" name="Oval 71">
             <a:extLst>
               <a:ext uri="{FF2B5EF4-FFF2-40B4-BE49-F238E27FC236}">
-                <a16:creationId xmlns:a16="http://schemas.microsoft.com/office/drawing/2014/main" xmlns="" id="{98E1C040-4858-492F-B870-C5E24B4267B7}"/>
+                <a16:creationId xmlns="" xmlns:a16="http://schemas.microsoft.com/office/drawing/2014/main" id="{98E1C040-4858-492F-B870-C5E24B4267B7}"/>
               </a:ext>
             </a:extLst>
           </p:cNvPr>
@@ -11155,7 +12399,7 @@
           <p:cNvPr id="6" name="Oval 79">
             <a:extLst>
               <a:ext uri="{FF2B5EF4-FFF2-40B4-BE49-F238E27FC236}">
-                <a16:creationId xmlns:a16="http://schemas.microsoft.com/office/drawing/2014/main" xmlns="" id="{368C894A-6E25-4544-B418-2185F0189681}"/>
+                <a16:creationId xmlns="" xmlns:a16="http://schemas.microsoft.com/office/drawing/2014/main" id="{368C894A-6E25-4544-B418-2185F0189681}"/>
               </a:ext>
             </a:extLst>
           </p:cNvPr>
@@ -11223,7 +12467,7 @@
           <p:cNvPr id="7" name="Oval 87">
             <a:extLst>
               <a:ext uri="{FF2B5EF4-FFF2-40B4-BE49-F238E27FC236}">
-                <a16:creationId xmlns:a16="http://schemas.microsoft.com/office/drawing/2014/main" xmlns="" id="{DC588E4C-C6ED-4C14-A2F3-653733C098C9}"/>
+                <a16:creationId xmlns="" xmlns:a16="http://schemas.microsoft.com/office/drawing/2014/main" id="{DC588E4C-C6ED-4C14-A2F3-653733C098C9}"/>
               </a:ext>
             </a:extLst>
           </p:cNvPr>
@@ -11291,7 +12535,7 @@
           <p:cNvPr id="22" name="Oval 87">
             <a:extLst>
               <a:ext uri="{FF2B5EF4-FFF2-40B4-BE49-F238E27FC236}">
-                <a16:creationId xmlns:a16="http://schemas.microsoft.com/office/drawing/2014/main" xmlns="" id="{42DEECDF-CCF3-44E2-8B95-4086E58AAF2A}"/>
+                <a16:creationId xmlns="" xmlns:a16="http://schemas.microsoft.com/office/drawing/2014/main" id="{42DEECDF-CCF3-44E2-8B95-4086E58AAF2A}"/>
               </a:ext>
             </a:extLst>
           </p:cNvPr>
@@ -11359,7 +12603,7 @@
           <p:cNvPr id="23" name="ZoneTexte 22">
             <a:extLst>
               <a:ext uri="{FF2B5EF4-FFF2-40B4-BE49-F238E27FC236}">
-                <a16:creationId xmlns:a16="http://schemas.microsoft.com/office/drawing/2014/main" xmlns="" id="{6673C2A3-3F5D-43C5-A9D9-D4A0295708A8}"/>
+                <a16:creationId xmlns="" xmlns:a16="http://schemas.microsoft.com/office/drawing/2014/main" id="{6673C2A3-3F5D-43C5-A9D9-D4A0295708A8}"/>
               </a:ext>
             </a:extLst>
           </p:cNvPr>
@@ -12293,7 +13537,7 @@
 </p:sld>
 </file>
 
-<file path=ppt/slides/slide7.xml><?xml version="1.0" encoding="utf-8"?>
+<file path=ppt/slides/slide8.xml><?xml version="1.0" encoding="utf-8"?>
 <p:sld xmlns:a="http://schemas.openxmlformats.org/drawingml/2006/main" xmlns:r="http://schemas.openxmlformats.org/officeDocument/2006/relationships" xmlns:p="http://schemas.openxmlformats.org/presentationml/2006/main">
   <p:cSld>
     <p:spTree>
@@ -12315,7 +13559,7 @@
           <p:cNvPr id="4" name="Rectangle 3">
             <a:extLst>
               <a:ext uri="{FF2B5EF4-FFF2-40B4-BE49-F238E27FC236}">
-                <a16:creationId xmlns:a16="http://schemas.microsoft.com/office/drawing/2014/main" xmlns="" id="{B7C3D3F0-D0A4-4876-946C-FED03D67850D}"/>
+                <a16:creationId xmlns="" xmlns:a16="http://schemas.microsoft.com/office/drawing/2014/main" id="{B7C3D3F0-D0A4-4876-946C-FED03D67850D}"/>
               </a:ext>
             </a:extLst>
           </p:cNvPr>
@@ -12372,7 +13616,7 @@
           <p:cNvPr id="23" name="ZoneTexte 22">
             <a:extLst>
               <a:ext uri="{FF2B5EF4-FFF2-40B4-BE49-F238E27FC236}">
-                <a16:creationId xmlns:a16="http://schemas.microsoft.com/office/drawing/2014/main" xmlns="" id="{6673C2A3-3F5D-43C5-A9D9-D4A0295708A8}"/>
+                <a16:creationId xmlns="" xmlns:a16="http://schemas.microsoft.com/office/drawing/2014/main" id="{6673C2A3-3F5D-43C5-A9D9-D4A0295708A8}"/>
               </a:ext>
             </a:extLst>
           </p:cNvPr>
@@ -12478,7 +13722,7 @@
           <p:cNvPr id="11" name="ZoneTexte 10">
             <a:extLst>
               <a:ext uri="{FF2B5EF4-FFF2-40B4-BE49-F238E27FC236}">
-                <a16:creationId xmlns:a16="http://schemas.microsoft.com/office/drawing/2014/main" xmlns="" id="{6673C2A3-3F5D-43C5-A9D9-D4A0295708A8}"/>
+                <a16:creationId xmlns="" xmlns:a16="http://schemas.microsoft.com/office/drawing/2014/main" id="{6673C2A3-3F5D-43C5-A9D9-D4A0295708A8}"/>
               </a:ext>
             </a:extLst>
           </p:cNvPr>
@@ -13029,7 +14273,7 @@
 </p:sld>
 </file>
 
-<file path=ppt/slides/slide8.xml><?xml version="1.0" encoding="utf-8"?>
+<file path=ppt/slides/slide9.xml><?xml version="1.0" encoding="utf-8"?>
 <p:sld xmlns:a="http://schemas.openxmlformats.org/drawingml/2006/main" xmlns:r="http://schemas.openxmlformats.org/officeDocument/2006/relationships" xmlns:p="http://schemas.openxmlformats.org/presentationml/2006/main">
   <p:cSld>
     <p:spTree>
@@ -13048,10 +14292,10 @@
       </p:grpSpPr>
       <p:sp>
         <p:nvSpPr>
-          <p:cNvPr id="4" name="Rectangle 3">
+          <p:cNvPr id="7" name="Rectangle 6">
             <a:extLst>
               <a:ext uri="{FF2B5EF4-FFF2-40B4-BE49-F238E27FC236}">
-                <a16:creationId xmlns:a16="http://schemas.microsoft.com/office/drawing/2014/main" xmlns="" id="{B7C3D3F0-D0A4-4876-946C-FED03D67850D}"/>
+                <a16:creationId xmlns="" xmlns:a16="http://schemas.microsoft.com/office/drawing/2014/main" id="{A003644B-0517-4C25-81A9-88734284C62D}"/>
               </a:ext>
             </a:extLst>
           </p:cNvPr>
@@ -13060,14 +14304,14 @@
         </p:nvSpPr>
         <p:spPr>
           <a:xfrm>
-            <a:off x="5181600" y="276957"/>
-            <a:ext cx="1828800" cy="769441"/>
+            <a:off x="5261641" y="276956"/>
+            <a:ext cx="1668715" cy="769441"/>
           </a:xfrm>
           <a:prstGeom prst="rect">
             <a:avLst/>
           </a:prstGeom>
           <a:solidFill>
-            <a:srgbClr val="EF3425"/>
+            <a:srgbClr val="44546B"/>
           </a:solidFill>
           <a:ln w="6350">
             <a:solidFill>
@@ -13094,7 +14338,7 @@
                 <a:solidFill>
                   <a:schemeClr val="bg1"/>
                 </a:solidFill>
-                <a:latin typeface="Candara" panose="020E0502030303020204" pitchFamily="34" charset="0"/>
+                <a:latin typeface="Montserrat" panose="00000500000000000000" pitchFamily="2" charset="0"/>
                 <a:ea typeface="Open Sans" pitchFamily="34" charset="0"/>
                 <a:cs typeface="Open Sans" pitchFamily="34" charset="0"/>
               </a:rPr>
@@ -13103,360 +14347,74 @@
           </a:p>
         </p:txBody>
       </p:sp>
-      <p:cxnSp>
-        <p:nvCxnSpPr>
-          <p:cNvPr id="6" name="Connecteur droit 5">
+      <p:pic>
+        <p:nvPicPr>
+          <p:cNvPr id="9" name="Image 8">
             <a:extLst>
               <a:ext uri="{FF2B5EF4-FFF2-40B4-BE49-F238E27FC236}">
-                <a16:creationId xmlns:a16="http://schemas.microsoft.com/office/drawing/2014/main" xmlns="" id="{BC1E5C23-C120-4FDC-8078-E6B67C84ACE0}"/>
+                <a16:creationId xmlns="" xmlns:a16="http://schemas.microsoft.com/office/drawing/2014/main" id="{1366B692-252C-4A69-975D-47BAA9E87CDB}"/>
               </a:ext>
             </a:extLst>
           </p:cNvPr>
-          <p:cNvCxnSpPr>
-            <a:cxnSpLocks/>
-            <a:stCxn id="3" idx="2"/>
-          </p:cNvCxnSpPr>
+          <p:cNvPicPr>
+            <a:picLocks noChangeAspect="1"/>
+          </p:cNvPicPr>
           <p:nvPr/>
-        </p:nvCxnSpPr>
+        </p:nvPicPr>
+        <p:blipFill>
+          <a:blip r:embed="rId2"/>
+          <a:stretch>
+            <a:fillRect/>
+          </a:stretch>
+        </p:blipFill>
         <p:spPr>
           <a:xfrm>
-            <a:off x="6096000" y="1046398"/>
-            <a:ext cx="0" cy="5811602"/>
-          </a:xfrm>
-          <a:prstGeom prst="line">
-            <a:avLst/>
-          </a:prstGeom>
-          <a:ln>
-            <a:solidFill>
-              <a:schemeClr val="accent2">
-                <a:lumMod val="60000"/>
-                <a:lumOff val="40000"/>
-              </a:schemeClr>
-            </a:solidFill>
-          </a:ln>
-          <a:effectLst>
-            <a:glow rad="63500">
-              <a:schemeClr val="accent5">
-                <a:satMod val="175000"/>
-                <a:alpha val="40000"/>
-              </a:schemeClr>
-            </a:glow>
-          </a:effectLst>
-        </p:spPr>
-        <p:style>
-          <a:lnRef idx="1">
-            <a:schemeClr val="accent1"/>
-          </a:lnRef>
-          <a:fillRef idx="0">
-            <a:schemeClr val="accent1"/>
-          </a:fillRef>
-          <a:effectRef idx="0">
-            <a:schemeClr val="accent1"/>
-          </a:effectRef>
-          <a:fontRef idx="minor">
-            <a:schemeClr val="tx1"/>
-          </a:fontRef>
-        </p:style>
-      </p:cxnSp>
-      <p:sp>
-        <p:nvSpPr>
-          <p:cNvPr id="3" name="Rectangle 2">
-            <a:extLst>
-              <a:ext uri="{FF2B5EF4-FFF2-40B4-BE49-F238E27FC236}">
-                <a16:creationId xmlns:a16="http://schemas.microsoft.com/office/drawing/2014/main" xmlns="" id="{EBEBB93B-196D-4EAF-9B23-C798CA40EF23}"/>
-              </a:ext>
-            </a:extLst>
-          </p:cNvPr>
-          <p:cNvSpPr/>
-          <p:nvPr/>
-        </p:nvSpPr>
-        <p:spPr>
-          <a:xfrm>
-            <a:off x="4319068" y="276957"/>
-            <a:ext cx="3553864" cy="769441"/>
-          </a:xfrm>
-          <a:prstGeom prst="rect">
-            <a:avLst/>
-          </a:prstGeom>
-          <a:solidFill>
-            <a:srgbClr val="333E50"/>
-          </a:solidFill>
-          <a:ln w="6350">
-            <a:solidFill>
-              <a:schemeClr val="bg1"/>
-            </a:solidFill>
-          </a:ln>
-          <a:effectLst>
-            <a:outerShdw blurRad="50800" dist="38100" dir="2700000" algn="tl" rotWithShape="0">
-              <a:prstClr val="black">
-                <a:alpha val="40000"/>
-              </a:prstClr>
-            </a:outerShdw>
-          </a:effectLst>
-        </p:spPr>
-        <p:txBody>
-          <a:bodyPr wrap="square" anchor="ctr" anchorCtr="1">
-            <a:spAutoFit/>
-          </a:bodyPr>
-          <a:lstStyle/>
-          <a:p>
-            <a:pPr algn="ctr" defTabSz="1450940"/>
-            <a:r>
-              <a:rPr lang="en-US" sz="4400" b="1" dirty="0">
-                <a:solidFill>
-                  <a:schemeClr val="bg1"/>
-                </a:solidFill>
-                <a:latin typeface="Montserrat" panose="00000500000000000000" pitchFamily="2" charset="0"/>
-                <a:ea typeface="Open Sans" pitchFamily="34" charset="0"/>
-                <a:cs typeface="Open Sans" pitchFamily="34" charset="0"/>
-              </a:rPr>
-              <a:t>Conclusion</a:t>
-            </a:r>
-          </a:p>
-        </p:txBody>
-      </p:sp>
-      <p:sp>
-        <p:nvSpPr>
-          <p:cNvPr id="10" name="Signe Plus 9">
-            <a:extLst>
-              <a:ext uri="{FF2B5EF4-FFF2-40B4-BE49-F238E27FC236}">
-                <a16:creationId xmlns:a16="http://schemas.microsoft.com/office/drawing/2014/main" xmlns="" id="{0CF1F3DE-E8B7-4685-BB70-6F7127EF3C83}"/>
-              </a:ext>
-            </a:extLst>
-          </p:cNvPr>
-          <p:cNvSpPr/>
-          <p:nvPr/>
-        </p:nvSpPr>
-        <p:spPr>
-          <a:xfrm>
-            <a:off x="2790545" y="1046398"/>
-            <a:ext cx="914400" cy="914400"/>
-          </a:xfrm>
-          <a:prstGeom prst="mathPlus">
-            <a:avLst/>
-          </a:prstGeom>
-          <a:solidFill>
-            <a:schemeClr val="accent6">
-              <a:lumMod val="60000"/>
-              <a:lumOff val="40000"/>
-            </a:schemeClr>
-          </a:solidFill>
-          <a:ln>
-            <a:solidFill>
-              <a:schemeClr val="accent6">
-                <a:lumMod val="75000"/>
-              </a:schemeClr>
-            </a:solidFill>
-          </a:ln>
-        </p:spPr>
-        <p:style>
-          <a:lnRef idx="2">
-            <a:schemeClr val="accent1">
-              <a:shade val="50000"/>
-            </a:schemeClr>
-          </a:lnRef>
-          <a:fillRef idx="1">
-            <a:schemeClr val="accent1"/>
-          </a:fillRef>
-          <a:effectRef idx="0">
-            <a:schemeClr val="accent1"/>
-          </a:effectRef>
-          <a:fontRef idx="minor">
-            <a:schemeClr val="lt1"/>
-          </a:fontRef>
-        </p:style>
-        <p:txBody>
-          <a:bodyPr rtlCol="0" anchor="ctr"/>
-          <a:lstStyle/>
-          <a:p>
-            <a:pPr algn="ctr"/>
-            <a:endParaRPr lang="fr-FR"/>
-          </a:p>
-        </p:txBody>
-      </p:sp>
-      <p:sp>
-        <p:nvSpPr>
-          <p:cNvPr id="11" name="Signe Moins 10">
-            <a:extLst>
-              <a:ext uri="{FF2B5EF4-FFF2-40B4-BE49-F238E27FC236}">
-                <a16:creationId xmlns:a16="http://schemas.microsoft.com/office/drawing/2014/main" xmlns="" id="{F983F54A-5C1A-4969-9F07-43B73A2DBCA4}"/>
-              </a:ext>
-            </a:extLst>
-          </p:cNvPr>
-          <p:cNvSpPr/>
-          <p:nvPr/>
-        </p:nvSpPr>
-        <p:spPr>
-          <a:xfrm>
-            <a:off x="8478177" y="1023037"/>
-            <a:ext cx="914400" cy="914400"/>
-          </a:xfrm>
-          <a:prstGeom prst="mathMinus">
-            <a:avLst/>
-          </a:prstGeom>
-          <a:solidFill>
-            <a:srgbClr val="FF0000"/>
-          </a:solidFill>
-          <a:ln>
-            <a:solidFill>
-              <a:schemeClr val="accent2">
-                <a:lumMod val="50000"/>
-              </a:schemeClr>
-            </a:solidFill>
-          </a:ln>
-        </p:spPr>
-        <p:style>
-          <a:lnRef idx="2">
-            <a:schemeClr val="accent1">
-              <a:shade val="50000"/>
-            </a:schemeClr>
-          </a:lnRef>
-          <a:fillRef idx="1">
-            <a:schemeClr val="accent1"/>
-          </a:fillRef>
-          <a:effectRef idx="0">
-            <a:schemeClr val="accent1"/>
-          </a:effectRef>
-          <a:fontRef idx="minor">
-            <a:schemeClr val="lt1"/>
-          </a:fontRef>
-        </p:style>
-        <p:txBody>
-          <a:bodyPr rtlCol="0" anchor="ctr"/>
-          <a:lstStyle/>
-          <a:p>
-            <a:pPr algn="ctr"/>
-            <a:endParaRPr lang="fr-FR"/>
-          </a:p>
-        </p:txBody>
-      </p:sp>
-      <p:sp>
-        <p:nvSpPr>
-          <p:cNvPr id="12" name="ZoneTexte 11">
-            <a:extLst>
-              <a:ext uri="{FF2B5EF4-FFF2-40B4-BE49-F238E27FC236}">
-                <a16:creationId xmlns:a16="http://schemas.microsoft.com/office/drawing/2014/main" xmlns="" id="{883B7E9D-2549-46C9-8B7D-0C6220170753}"/>
-              </a:ext>
-            </a:extLst>
-          </p:cNvPr>
-          <p:cNvSpPr txBox="1"/>
-          <p:nvPr/>
-        </p:nvSpPr>
-        <p:spPr>
-          <a:xfrm>
-            <a:off x="1374556" y="2334828"/>
-            <a:ext cx="1990077" cy="477054"/>
+            <a:off x="1862135" y="1223571"/>
+            <a:ext cx="8467729" cy="5492385"/>
           </a:xfrm>
           <a:prstGeom prst="rect">
             <a:avLst/>
           </a:prstGeom>
           <a:noFill/>
+          <a:ln>
+            <a:noFill/>
+          </a:ln>
         </p:spPr>
-        <p:txBody>
-          <a:bodyPr wrap="square" rtlCol="0">
-            <a:spAutoFit/>
-          </a:bodyPr>
-          <a:lstStyle/>
-          <a:p>
-            <a:r>
-              <a:rPr lang="fr-FR" sz="2500" dirty="0">
-                <a:solidFill>
-                  <a:schemeClr val="accent6">
-                    <a:lumMod val="40000"/>
-                    <a:lumOff val="60000"/>
-                  </a:schemeClr>
-                </a:solidFill>
-                <a:latin typeface="Montserrat" panose="00000500000000000000" pitchFamily="2" charset="0"/>
-              </a:rPr>
-              <a:t>Recherche</a:t>
-            </a:r>
-          </a:p>
-        </p:txBody>
-      </p:sp>
-      <p:sp>
-        <p:nvSpPr>
-          <p:cNvPr id="13" name="ZoneTexte 12">
+      </p:pic>
+      <p:pic>
+        <p:nvPicPr>
+          <p:cNvPr id="2" name="Image 1"/>
+          <p:cNvPicPr>
+            <a:picLocks noChangeAspect="1"/>
+          </p:cNvPicPr>
+          <p:nvPr/>
+        </p:nvPicPr>
+        <p:blipFill>
+          <a:blip r:embed="rId3">
             <a:extLst>
-              <a:ext uri="{FF2B5EF4-FFF2-40B4-BE49-F238E27FC236}">
-                <a16:creationId xmlns:a16="http://schemas.microsoft.com/office/drawing/2014/main" xmlns="" id="{019EBB33-9EE1-4555-9BA4-4EDE9615D427}"/>
+              <a:ext uri="{28A0092B-C50C-407E-A947-70E740481C1C}">
+                <a14:useLocalDpi xmlns:a14="http://schemas.microsoft.com/office/drawing/2010/main" val="0"/>
               </a:ext>
             </a:extLst>
-          </p:cNvPr>
-          <p:cNvSpPr txBox="1"/>
-          <p:nvPr/>
-        </p:nvSpPr>
+          </a:blip>
+          <a:stretch>
+            <a:fillRect/>
+          </a:stretch>
+        </p:blipFill>
         <p:spPr>
           <a:xfrm>
-            <a:off x="5432750" y="3713672"/>
-            <a:ext cx="1990077" cy="477054"/>
+            <a:off x="1862134" y="1223570"/>
+            <a:ext cx="8467729" cy="5492385"/>
           </a:xfrm>
           <a:prstGeom prst="rect">
             <a:avLst/>
           </a:prstGeom>
-          <a:noFill/>
         </p:spPr>
-        <p:txBody>
-          <a:bodyPr wrap="square" rtlCol="0">
-            <a:spAutoFit/>
-          </a:bodyPr>
-          <a:lstStyle/>
-          <a:p>
-            <a:r>
-              <a:rPr lang="fr-FR" sz="2500" dirty="0">
-                <a:solidFill>
-                  <a:schemeClr val="bg1"/>
-                </a:solidFill>
-                <a:latin typeface="Montserrat" panose="00000500000000000000" pitchFamily="2" charset="0"/>
-              </a:rPr>
-              <a:t>Liberté</a:t>
-            </a:r>
-          </a:p>
-        </p:txBody>
-      </p:sp>
-      <p:sp>
-        <p:nvSpPr>
-          <p:cNvPr id="15" name="ZoneTexte 14">
-            <a:extLst>
-              <a:ext uri="{FF2B5EF4-FFF2-40B4-BE49-F238E27FC236}">
-                <a16:creationId xmlns:a16="http://schemas.microsoft.com/office/drawing/2014/main" xmlns="" id="{757C4085-53B1-44BD-B6F8-B648807852D7}"/>
-              </a:ext>
-            </a:extLst>
-          </p:cNvPr>
-          <p:cNvSpPr txBox="1"/>
-          <p:nvPr/>
-        </p:nvSpPr>
-        <p:spPr>
-          <a:xfrm>
-            <a:off x="8935377" y="2334828"/>
-            <a:ext cx="2587838" cy="477054"/>
-          </a:xfrm>
-          <a:prstGeom prst="rect">
-            <a:avLst/>
-          </a:prstGeom>
-          <a:noFill/>
-        </p:spPr>
-        <p:txBody>
-          <a:bodyPr wrap="square" rtlCol="0">
-            <a:spAutoFit/>
-          </a:bodyPr>
-          <a:lstStyle/>
-          <a:p>
-            <a:r>
-              <a:rPr lang="fr-FR" sz="2500" dirty="0">
-                <a:solidFill>
-                  <a:srgbClr val="FF5050"/>
-                </a:solidFill>
-                <a:latin typeface="Montserrat" panose="00000500000000000000" pitchFamily="2" charset="0"/>
-              </a:rPr>
-              <a:t>Organisation</a:t>
-            </a:r>
-          </a:p>
-        </p:txBody>
-      </p:sp>
+      </p:pic>
     </p:spTree>
     <p:extLst>
       <p:ext uri="{BB962C8B-B14F-4D97-AF65-F5344CB8AC3E}">
-        <p14:creationId xmlns:p14="http://schemas.microsoft.com/office/powerpoint/2010/main" val="3209611358"/>
+        <p14:creationId xmlns:p14="http://schemas.microsoft.com/office/powerpoint/2010/main" val="3694368978"/>
       </p:ext>
     </p:extLst>
   </p:cSld>
